--- a/final_presentation_groupA.pptx
+++ b/final_presentation_groupA.pptx
@@ -11,25 +11,24 @@
     <p:sldId id="279" r:id="rId5"/>
     <p:sldId id="280" r:id="rId6"/>
     <p:sldId id="261" r:id="rId7"/>
-    <p:sldId id="262" r:id="rId8"/>
-    <p:sldId id="263" r:id="rId9"/>
-    <p:sldId id="264" r:id="rId10"/>
-    <p:sldId id="265" r:id="rId11"/>
-    <p:sldId id="266" r:id="rId12"/>
-    <p:sldId id="281" r:id="rId13"/>
-    <p:sldId id="285" r:id="rId14"/>
-    <p:sldId id="286" r:id="rId15"/>
-    <p:sldId id="287" r:id="rId16"/>
-    <p:sldId id="268" r:id="rId17"/>
-    <p:sldId id="269" r:id="rId18"/>
-    <p:sldId id="270" r:id="rId19"/>
-    <p:sldId id="271" r:id="rId20"/>
-    <p:sldId id="272" r:id="rId21"/>
-    <p:sldId id="273" r:id="rId22"/>
-    <p:sldId id="274" r:id="rId23"/>
-    <p:sldId id="275" r:id="rId24"/>
-    <p:sldId id="276" r:id="rId25"/>
-    <p:sldId id="277" r:id="rId26"/>
+    <p:sldId id="288" r:id="rId8"/>
+    <p:sldId id="289" r:id="rId9"/>
+    <p:sldId id="290" r:id="rId10"/>
+    <p:sldId id="266" r:id="rId11"/>
+    <p:sldId id="281" r:id="rId12"/>
+    <p:sldId id="285" r:id="rId13"/>
+    <p:sldId id="286" r:id="rId14"/>
+    <p:sldId id="287" r:id="rId15"/>
+    <p:sldId id="268" r:id="rId16"/>
+    <p:sldId id="269" r:id="rId17"/>
+    <p:sldId id="270" r:id="rId18"/>
+    <p:sldId id="271" r:id="rId19"/>
+    <p:sldId id="272" r:id="rId20"/>
+    <p:sldId id="273" r:id="rId21"/>
+    <p:sldId id="274" r:id="rId22"/>
+    <p:sldId id="275" r:id="rId23"/>
+    <p:sldId id="276" r:id="rId24"/>
+    <p:sldId id="277" r:id="rId25"/>
   </p:sldIdLst>
   <p:sldSz cx="12192000" cy="6858000"/>
   <p:notesSz cx="7559675" cy="10691813"/>
@@ -128,6 +127,11 @@
       </a:defRPr>
     </a:lvl9pPr>
   </p:defaultTextStyle>
+  <p:extLst>
+    <p:ext uri="{EFAFB233-063F-42B5-8137-9DF3F51BA10A}">
+      <p15:sldGuideLst xmlns:p15="http://schemas.microsoft.com/office/powerpoint/2012/main"/>
+    </p:ext>
+  </p:extLst>
 </p:presentation>
 </file>
 
@@ -850,7 +854,7 @@
           <a:p>
             <a:fld id="{846CE7D5-CF57-46EF-B807-FDD0502418D4}" type="datetimeFigureOut">
               <a:rPr lang="en-US" smtClean="0"/>
-              <a:t>1/12/2024</a:t>
+              <a:t>1/18/2024</a:t>
             </a:fld>
             <a:endParaRPr lang="en-US"/>
           </a:p>
@@ -1042,7 +1046,7 @@
           <a:p>
             <a:fld id="{846CE7D5-CF57-46EF-B807-FDD0502418D4}" type="datetimeFigureOut">
               <a:rPr lang="en-US" smtClean="0"/>
-              <a:t>1/12/2024</a:t>
+              <a:t>1/18/2024</a:t>
             </a:fld>
             <a:endParaRPr lang="en-US"/>
           </a:p>
@@ -2827,7 +2831,7 @@
           <a:p>
             <a:fld id="{F664220C-B29D-4BDB-9310-09C9AC1B721D}" type="datetimeFigureOut">
               <a:rPr lang="de-DE" smtClean="0"/>
-              <a:t>12.01.2024</a:t>
+              <a:t>18.01.2024</a:t>
             </a:fld>
             <a:endParaRPr lang="de-DE"/>
           </a:p>
@@ -3998,7 +4002,7 @@
                 </a:solidFill>
                 <a:latin typeface="Calibri"/>
               </a:rPr>
-              <a:t>12.01.2024</a:t>
+              <a:t>18.01.2024</a:t>
             </a:fld>
             <a:endParaRPr lang="pt-BR" sz="900" b="0" strike="noStrike" spc="-1">
               <a:latin typeface="Times New Roman"/>
@@ -4981,7 +4985,7 @@
                 </a:solidFill>
                 <a:latin typeface="Calibri"/>
               </a:rPr>
-              <a:t>12.01.2024</a:t>
+              <a:t>18.01.2024</a:t>
             </a:fld>
             <a:endParaRPr lang="pt-BR" sz="900" b="0" strike="noStrike" spc="-1">
               <a:latin typeface="Times New Roman"/>
@@ -5404,7 +5408,7 @@
         </p:spPr>
         <p:txBody>
           <a:bodyPr anchor="b">
-            <a:normAutofit fontScale="84000" lnSpcReduction="10000"/>
+            <a:normAutofit fontScale="76500" lnSpcReduction="20000"/>
           </a:bodyPr>
           <a:lstStyle/>
           <a:p>
@@ -5729,625 +5733,6 @@
 </file>
 
 <file path=ppt/slides/slide10.xml><?xml version="1.0" encoding="utf-8"?>
-<p:sld xmlns:a="http://schemas.openxmlformats.org/drawingml/2006/main" xmlns:r="http://schemas.openxmlformats.org/officeDocument/2006/relationships" xmlns:p="http://schemas.openxmlformats.org/presentationml/2006/main">
-  <p:cSld>
-    <p:spTree>
-      <p:nvGrpSpPr>
-        <p:cNvPr id="1" name=""/>
-        <p:cNvGrpSpPr/>
-        <p:nvPr/>
-      </p:nvGrpSpPr>
-      <p:grpSpPr>
-        <a:xfrm>
-          <a:off x="0" y="0"/>
-          <a:ext cx="0" cy="0"/>
-          <a:chOff x="0" y="0"/>
-          <a:chExt cx="0" cy="0"/>
-        </a:xfrm>
-      </p:grpSpPr>
-      <p:sp>
-        <p:nvSpPr>
-          <p:cNvPr id="131" name="TextShape 1"/>
-          <p:cNvSpPr txBox="1"/>
-          <p:nvPr/>
-        </p:nvSpPr>
-        <p:spPr>
-          <a:xfrm>
-            <a:off x="1097280" y="286560"/>
-            <a:ext cx="10058040" cy="1450440"/>
-          </a:xfrm>
-          <a:prstGeom prst="rect">
-            <a:avLst/>
-          </a:prstGeom>
-          <a:noFill/>
-          <a:ln w="0">
-            <a:noFill/>
-          </a:ln>
-        </p:spPr>
-        <p:txBody>
-          <a:bodyPr anchor="b">
-            <a:noAutofit/>
-          </a:bodyPr>
-          <a:lstStyle/>
-          <a:p>
-            <a:pPr>
-              <a:lnSpc>
-                <a:spcPct val="85000"/>
-              </a:lnSpc>
-            </a:pPr>
-            <a:r>
-              <a:rPr lang="en-US" sz="4800" b="0" strike="noStrike" spc="-52">
-                <a:solidFill>
-                  <a:srgbClr val="404040"/>
-                </a:solidFill>
-                <a:latin typeface="Calibri Light"/>
-              </a:rPr>
-              <a:t>Comprehensive Tapaal Model </a:t>
-            </a:r>
-            <a:endParaRPr lang="en-US" sz="4800" b="0" strike="noStrike" spc="-1">
-              <a:solidFill>
-                <a:srgbClr val="000000"/>
-              </a:solidFill>
-              <a:latin typeface="Calibri"/>
-            </a:endParaRPr>
-          </a:p>
-        </p:txBody>
-      </p:sp>
-      <p:pic>
-        <p:nvPicPr>
-          <p:cNvPr id="132" name="Picture 5"/>
-          <p:cNvPicPr/>
-          <p:nvPr/>
-        </p:nvPicPr>
-        <p:blipFill>
-          <a:blip r:embed="rId2"/>
-          <a:srcRect b="46967"/>
-          <a:stretch/>
-        </p:blipFill>
-        <p:spPr>
-          <a:xfrm>
-            <a:off x="1258560" y="2105280"/>
-            <a:ext cx="3495240" cy="3637080"/>
-          </a:xfrm>
-          <a:prstGeom prst="rect">
-            <a:avLst/>
-          </a:prstGeom>
-          <a:ln w="0">
-            <a:noFill/>
-          </a:ln>
-        </p:spPr>
-      </p:pic>
-      <p:pic>
-        <p:nvPicPr>
-          <p:cNvPr id="133" name="Picture 6"/>
-          <p:cNvPicPr/>
-          <p:nvPr/>
-        </p:nvPicPr>
-        <p:blipFill>
-          <a:blip r:embed="rId2"/>
-          <a:srcRect t="53039"/>
-          <a:stretch/>
-        </p:blipFill>
-        <p:spPr>
-          <a:xfrm>
-            <a:off x="5194440" y="2313720"/>
-            <a:ext cx="3495240" cy="3220200"/>
-          </a:xfrm>
-          <a:prstGeom prst="rect">
-            <a:avLst/>
-          </a:prstGeom>
-          <a:ln w="0">
-            <a:noFill/>
-          </a:ln>
-        </p:spPr>
-      </p:pic>
-      <p:sp>
-        <p:nvSpPr>
-          <p:cNvPr id="134" name="CustomShape 2"/>
-          <p:cNvSpPr/>
-          <p:nvPr/>
-        </p:nvSpPr>
-        <p:spPr>
-          <a:xfrm>
-            <a:off x="4394880" y="5925960"/>
-            <a:ext cx="4030200" cy="364680"/>
-          </a:xfrm>
-          <a:prstGeom prst="rect">
-            <a:avLst/>
-          </a:prstGeom>
-          <a:noFill/>
-          <a:ln w="0">
-            <a:noFill/>
-          </a:ln>
-        </p:spPr>
-        <p:style>
-          <a:lnRef idx="0">
-            <a:scrgbClr r="0" g="0" b="0"/>
-          </a:lnRef>
-          <a:fillRef idx="0">
-            <a:scrgbClr r="0" g="0" b="0"/>
-          </a:fillRef>
-          <a:effectRef idx="0">
-            <a:scrgbClr r="0" g="0" b="0"/>
-          </a:effectRef>
-          <a:fontRef idx="minor"/>
-        </p:style>
-        <p:txBody>
-          <a:bodyPr lIns="90000" tIns="45000" rIns="90000" bIns="45000">
-            <a:spAutoFit/>
-          </a:bodyPr>
-          <a:lstStyle/>
-          <a:p>
-            <a:pPr>
-              <a:lnSpc>
-                <a:spcPct val="100000"/>
-              </a:lnSpc>
-            </a:pPr>
-            <a:r>
-              <a:rPr lang="en-US" sz="1800" b="0" strike="noStrike" spc="-1">
-                <a:solidFill>
-                  <a:srgbClr val="000000"/>
-                </a:solidFill>
-                <a:latin typeface="Calibri"/>
-              </a:rPr>
-              <a:t>WorkSpace View</a:t>
-            </a:r>
-            <a:endParaRPr lang="pt-BR" sz="1800" b="0" strike="noStrike" spc="-1">
-              <a:latin typeface="Arial"/>
-            </a:endParaRPr>
-          </a:p>
-        </p:txBody>
-      </p:sp>
-      <p:sp>
-        <p:nvSpPr>
-          <p:cNvPr id="135" name="CustomShape 3"/>
-          <p:cNvSpPr/>
-          <p:nvPr/>
-        </p:nvSpPr>
-        <p:spPr>
-          <a:xfrm flipV="1">
-            <a:off x="6410160" y="2466720"/>
-            <a:ext cx="2990880" cy="142560"/>
-          </a:xfrm>
-          <a:custGeom>
-            <a:avLst/>
-            <a:gdLst/>
-            <a:ahLst/>
-            <a:cxnLst/>
-            <a:rect l="l" t="t" r="r" b="b"/>
-            <a:pathLst>
-              <a:path w="21600" h="21600">
-                <a:moveTo>
-                  <a:pt x="0" y="0"/>
-                </a:moveTo>
-                <a:lnTo>
-                  <a:pt x="21600" y="21600"/>
-                </a:lnTo>
-              </a:path>
-            </a:pathLst>
-          </a:custGeom>
-          <a:noFill/>
-          <a:ln>
-            <a:solidFill>
-              <a:srgbClr val="E48312"/>
-            </a:solidFill>
-            <a:round/>
-            <a:tailEnd type="triangle" w="med" len="med"/>
-          </a:ln>
-        </p:spPr>
-        <p:style>
-          <a:lnRef idx="1">
-            <a:schemeClr val="accent1"/>
-          </a:lnRef>
-          <a:fillRef idx="0">
-            <a:schemeClr val="accent1"/>
-          </a:fillRef>
-          <a:effectRef idx="0">
-            <a:schemeClr val="accent1"/>
-          </a:effectRef>
-          <a:fontRef idx="minor"/>
-        </p:style>
-      </p:sp>
-      <p:sp>
-        <p:nvSpPr>
-          <p:cNvPr id="136" name="CustomShape 4"/>
-          <p:cNvSpPr/>
-          <p:nvPr/>
-        </p:nvSpPr>
-        <p:spPr>
-          <a:xfrm>
-            <a:off x="7013520" y="2858760"/>
-            <a:ext cx="2368080" cy="327240"/>
-          </a:xfrm>
-          <a:custGeom>
-            <a:avLst/>
-            <a:gdLst/>
-            <a:ahLst/>
-            <a:cxnLst/>
-            <a:rect l="l" t="t" r="r" b="b"/>
-            <a:pathLst>
-              <a:path w="21600" h="21600">
-                <a:moveTo>
-                  <a:pt x="0" y="0"/>
-                </a:moveTo>
-                <a:lnTo>
-                  <a:pt x="21600" y="21600"/>
-                </a:lnTo>
-              </a:path>
-            </a:pathLst>
-          </a:custGeom>
-          <a:noFill/>
-          <a:ln>
-            <a:solidFill>
-              <a:srgbClr val="E48312"/>
-            </a:solidFill>
-            <a:round/>
-            <a:tailEnd type="triangle" w="med" len="med"/>
-          </a:ln>
-        </p:spPr>
-        <p:style>
-          <a:lnRef idx="1">
-            <a:schemeClr val="accent1"/>
-          </a:lnRef>
-          <a:fillRef idx="0">
-            <a:schemeClr val="accent1"/>
-          </a:fillRef>
-          <a:effectRef idx="0">
-            <a:schemeClr val="accent1"/>
-          </a:effectRef>
-          <a:fontRef idx="minor"/>
-        </p:style>
-      </p:sp>
-      <p:sp>
-        <p:nvSpPr>
-          <p:cNvPr id="137" name="CustomShape 5"/>
-          <p:cNvSpPr/>
-          <p:nvPr/>
-        </p:nvSpPr>
-        <p:spPr>
-          <a:xfrm>
-            <a:off x="6942240" y="3186360"/>
-            <a:ext cx="2439000" cy="781560"/>
-          </a:xfrm>
-          <a:custGeom>
-            <a:avLst/>
-            <a:gdLst/>
-            <a:ahLst/>
-            <a:cxnLst/>
-            <a:rect l="l" t="t" r="r" b="b"/>
-            <a:pathLst>
-              <a:path w="21600" h="21600">
-                <a:moveTo>
-                  <a:pt x="0" y="0"/>
-                </a:moveTo>
-                <a:lnTo>
-                  <a:pt x="21600" y="21600"/>
-                </a:lnTo>
-              </a:path>
-            </a:pathLst>
-          </a:custGeom>
-          <a:noFill/>
-          <a:ln>
-            <a:solidFill>
-              <a:srgbClr val="E48312"/>
-            </a:solidFill>
-            <a:round/>
-            <a:tailEnd type="triangle" w="med" len="med"/>
-          </a:ln>
-        </p:spPr>
-        <p:style>
-          <a:lnRef idx="1">
-            <a:schemeClr val="accent1"/>
-          </a:lnRef>
-          <a:fillRef idx="0">
-            <a:schemeClr val="accent1"/>
-          </a:fillRef>
-          <a:effectRef idx="0">
-            <a:schemeClr val="accent1"/>
-          </a:effectRef>
-          <a:fontRef idx="minor"/>
-        </p:style>
-      </p:sp>
-      <p:sp>
-        <p:nvSpPr>
-          <p:cNvPr id="138" name="CustomShape 6"/>
-          <p:cNvSpPr/>
-          <p:nvPr/>
-        </p:nvSpPr>
-        <p:spPr>
-          <a:xfrm>
-            <a:off x="5886000" y="3001680"/>
-            <a:ext cx="3515040" cy="1917360"/>
-          </a:xfrm>
-          <a:custGeom>
-            <a:avLst/>
-            <a:gdLst/>
-            <a:ahLst/>
-            <a:cxnLst/>
-            <a:rect l="l" t="t" r="r" b="b"/>
-            <a:pathLst>
-              <a:path w="21600" h="21600">
-                <a:moveTo>
-                  <a:pt x="0" y="0"/>
-                </a:moveTo>
-                <a:lnTo>
-                  <a:pt x="21600" y="21600"/>
-                </a:lnTo>
-              </a:path>
-            </a:pathLst>
-          </a:custGeom>
-          <a:noFill/>
-          <a:ln>
-            <a:solidFill>
-              <a:srgbClr val="E48312"/>
-            </a:solidFill>
-            <a:round/>
-            <a:tailEnd type="triangle" w="med" len="med"/>
-          </a:ln>
-        </p:spPr>
-        <p:style>
-          <a:lnRef idx="1">
-            <a:schemeClr val="accent1"/>
-          </a:lnRef>
-          <a:fillRef idx="0">
-            <a:schemeClr val="accent1"/>
-          </a:fillRef>
-          <a:effectRef idx="0">
-            <a:schemeClr val="accent1"/>
-          </a:effectRef>
-          <a:fontRef idx="minor"/>
-        </p:style>
-      </p:sp>
-      <p:sp>
-        <p:nvSpPr>
-          <p:cNvPr id="139" name="CustomShape 7"/>
-          <p:cNvSpPr/>
-          <p:nvPr/>
-        </p:nvSpPr>
-        <p:spPr>
-          <a:xfrm>
-            <a:off x="9381600" y="2103120"/>
-            <a:ext cx="2699640" cy="3107880"/>
-          </a:xfrm>
-          <a:prstGeom prst="rect">
-            <a:avLst/>
-          </a:prstGeom>
-          <a:noFill/>
-          <a:ln w="0">
-            <a:noFill/>
-          </a:ln>
-        </p:spPr>
-        <p:style>
-          <a:lnRef idx="0">
-            <a:scrgbClr r="0" g="0" b="0"/>
-          </a:lnRef>
-          <a:fillRef idx="0">
-            <a:scrgbClr r="0" g="0" b="0"/>
-          </a:fillRef>
-          <a:effectRef idx="0">
-            <a:scrgbClr r="0" g="0" b="0"/>
-          </a:effectRef>
-          <a:fontRef idx="minor"/>
-        </p:style>
-        <p:txBody>
-          <a:bodyPr lIns="90000" tIns="45000" rIns="90000" bIns="45000">
-            <a:spAutoFit/>
-          </a:bodyPr>
-          <a:lstStyle/>
-          <a:p>
-            <a:pPr>
-              <a:lnSpc>
-                <a:spcPct val="100000"/>
-              </a:lnSpc>
-            </a:pPr>
-            <a:r>
-              <a:rPr lang="en-US" sz="1800" b="0" strike="noStrike" spc="-1">
-                <a:solidFill>
-                  <a:srgbClr val="000000"/>
-                </a:solidFill>
-                <a:latin typeface="Calibri"/>
-              </a:rPr>
-              <a:t>Deadlock?</a:t>
-            </a:r>
-            <a:endParaRPr lang="pt-BR" sz="1800" b="0" strike="noStrike" spc="-1">
-              <a:latin typeface="Arial"/>
-            </a:endParaRPr>
-          </a:p>
-          <a:p>
-            <a:pPr>
-              <a:lnSpc>
-                <a:spcPct val="100000"/>
-              </a:lnSpc>
-            </a:pPr>
-            <a:endParaRPr lang="pt-BR" sz="1800" b="0" strike="noStrike" spc="-1">
-              <a:latin typeface="Arial"/>
-            </a:endParaRPr>
-          </a:p>
-          <a:p>
-            <a:pPr>
-              <a:lnSpc>
-                <a:spcPct val="100000"/>
-              </a:lnSpc>
-            </a:pPr>
-            <a:endParaRPr lang="pt-BR" sz="1800" b="0" strike="noStrike" spc="-1">
-              <a:latin typeface="Arial"/>
-            </a:endParaRPr>
-          </a:p>
-          <a:p>
-            <a:pPr>
-              <a:lnSpc>
-                <a:spcPct val="100000"/>
-              </a:lnSpc>
-            </a:pPr>
-            <a:r>
-              <a:rPr lang="en-US" sz="1800" b="0" strike="noStrike" spc="-1">
-                <a:solidFill>
-                  <a:srgbClr val="000000"/>
-                </a:solidFill>
-                <a:latin typeface="Calibri"/>
-              </a:rPr>
-              <a:t>Boundness of a place</a:t>
-            </a:r>
-            <a:endParaRPr lang="pt-BR" sz="1800" b="0" strike="noStrike" spc="-1">
-              <a:latin typeface="Arial"/>
-            </a:endParaRPr>
-          </a:p>
-          <a:p>
-            <a:pPr>
-              <a:lnSpc>
-                <a:spcPct val="100000"/>
-              </a:lnSpc>
-            </a:pPr>
-            <a:endParaRPr lang="pt-BR" sz="1800" b="0" strike="noStrike" spc="-1">
-              <a:latin typeface="Arial"/>
-            </a:endParaRPr>
-          </a:p>
-          <a:p>
-            <a:pPr>
-              <a:lnSpc>
-                <a:spcPct val="100000"/>
-              </a:lnSpc>
-            </a:pPr>
-            <a:endParaRPr lang="pt-BR" sz="1800" b="0" strike="noStrike" spc="-1">
-              <a:latin typeface="Arial"/>
-            </a:endParaRPr>
-          </a:p>
-          <a:p>
-            <a:pPr>
-              <a:lnSpc>
-                <a:spcPct val="100000"/>
-              </a:lnSpc>
-            </a:pPr>
-            <a:r>
-              <a:rPr lang="en-US" sz="1800" b="0" strike="noStrike" spc="-1">
-                <a:solidFill>
-                  <a:srgbClr val="000000"/>
-                </a:solidFill>
-                <a:latin typeface="Calibri"/>
-              </a:rPr>
-              <a:t>Boundness of the system</a:t>
-            </a:r>
-            <a:endParaRPr lang="pt-BR" sz="1800" b="0" strike="noStrike" spc="-1">
-              <a:latin typeface="Arial"/>
-            </a:endParaRPr>
-          </a:p>
-          <a:p>
-            <a:pPr>
-              <a:lnSpc>
-                <a:spcPct val="100000"/>
-              </a:lnSpc>
-            </a:pPr>
-            <a:endParaRPr lang="pt-BR" sz="1800" b="0" strike="noStrike" spc="-1">
-              <a:latin typeface="Arial"/>
-            </a:endParaRPr>
-          </a:p>
-          <a:p>
-            <a:pPr>
-              <a:lnSpc>
-                <a:spcPct val="100000"/>
-              </a:lnSpc>
-            </a:pPr>
-            <a:endParaRPr lang="pt-BR" sz="1800" b="0" strike="noStrike" spc="-1">
-              <a:latin typeface="Arial"/>
-            </a:endParaRPr>
-          </a:p>
-          <a:p>
-            <a:pPr>
-              <a:lnSpc>
-                <a:spcPct val="100000"/>
-              </a:lnSpc>
-            </a:pPr>
-            <a:endParaRPr lang="pt-BR" sz="1800" b="0" strike="noStrike" spc="-1">
-              <a:latin typeface="Arial"/>
-            </a:endParaRPr>
-          </a:p>
-          <a:p>
-            <a:pPr>
-              <a:lnSpc>
-                <a:spcPct val="100000"/>
-              </a:lnSpc>
-            </a:pPr>
-            <a:r>
-              <a:rPr lang="en-US" sz="1800" b="0" strike="noStrike" spc="-1">
-                <a:solidFill>
-                  <a:srgbClr val="000000"/>
-                </a:solidFill>
-                <a:latin typeface="Calibri"/>
-              </a:rPr>
-              <a:t>Liveliness and Reachability</a:t>
-            </a:r>
-            <a:endParaRPr lang="pt-BR" sz="1800" b="0" strike="noStrike" spc="-1">
-              <a:latin typeface="Arial"/>
-            </a:endParaRPr>
-          </a:p>
-        </p:txBody>
-      </p:sp>
-      <p:sp>
-        <p:nvSpPr>
-          <p:cNvPr id="140" name="CustomShape 8"/>
-          <p:cNvSpPr/>
-          <p:nvPr/>
-        </p:nvSpPr>
-        <p:spPr>
-          <a:xfrm>
-            <a:off x="8280" y="6488640"/>
-            <a:ext cx="1416960" cy="364680"/>
-          </a:xfrm>
-          <a:prstGeom prst="rect">
-            <a:avLst/>
-          </a:prstGeom>
-          <a:noFill/>
-          <a:ln w="0">
-            <a:noFill/>
-          </a:ln>
-        </p:spPr>
-        <p:style>
-          <a:lnRef idx="0">
-            <a:scrgbClr r="0" g="0" b="0"/>
-          </a:lnRef>
-          <a:fillRef idx="0">
-            <a:scrgbClr r="0" g="0" b="0"/>
-          </a:fillRef>
-          <a:effectRef idx="0">
-            <a:scrgbClr r="0" g="0" b="0"/>
-          </a:effectRef>
-          <a:fontRef idx="minor"/>
-        </p:style>
-        <p:txBody>
-          <a:bodyPr wrap="none" lIns="90000" tIns="45000" rIns="90000" bIns="45000">
-            <a:spAutoFit/>
-          </a:bodyPr>
-          <a:lstStyle/>
-          <a:p>
-            <a:pPr>
-              <a:lnSpc>
-                <a:spcPct val="100000"/>
-              </a:lnSpc>
-            </a:pPr>
-            <a:r>
-              <a:rPr lang="en-US" sz="1800" b="0" strike="noStrike" spc="-1">
-                <a:solidFill>
-                  <a:srgbClr val="000000"/>
-                </a:solidFill>
-                <a:latin typeface="Calibri"/>
-              </a:rPr>
-              <a:t>Younsuk Choi</a:t>
-            </a:r>
-            <a:endParaRPr lang="pt-BR" sz="1800" b="0" strike="noStrike" spc="-1">
-              <a:latin typeface="Arial"/>
-            </a:endParaRPr>
-          </a:p>
-        </p:txBody>
-      </p:sp>
-    </p:spTree>
-  </p:cSld>
-  <p:clrMapOvr>
-    <a:masterClrMapping/>
-  </p:clrMapOvr>
-</p:sld>
-</file>
-
-<file path=ppt/slides/slide11.xml><?xml version="1.0" encoding="utf-8"?>
 <p:sld xmlns:a="http://schemas.openxmlformats.org/drawingml/2006/main" xmlns:r="http://schemas.openxmlformats.org/officeDocument/2006/relationships" xmlns:p="http://schemas.openxmlformats.org/presentationml/2006/main">
   <p:cSld>
     <p:spTree>
@@ -6672,7 +6057,7 @@
 </p:sld>
 </file>
 
-<file path=ppt/slides/slide12.xml><?xml version="1.0" encoding="utf-8"?>
+<file path=ppt/slides/slide11.xml><?xml version="1.0" encoding="utf-8"?>
 <p:sld xmlns:a="http://schemas.openxmlformats.org/drawingml/2006/main" xmlns:r="http://schemas.openxmlformats.org/officeDocument/2006/relationships" xmlns:p="http://schemas.openxmlformats.org/presentationml/2006/main">
   <p:cSld>
     <p:spTree>
@@ -6871,7 +6256,7 @@
 </p:sld>
 </file>
 
-<file path=ppt/slides/slide13.xml><?xml version="1.0" encoding="utf-8"?>
+<file path=ppt/slides/slide12.xml><?xml version="1.0" encoding="utf-8"?>
 <p:sld xmlns:a="http://schemas.openxmlformats.org/drawingml/2006/main" xmlns:r="http://schemas.openxmlformats.org/officeDocument/2006/relationships" xmlns:p="http://schemas.openxmlformats.org/presentationml/2006/main">
   <p:cSld>
     <p:spTree>
@@ -7048,7 +6433,7 @@
 </p:sld>
 </file>
 
-<file path=ppt/slides/slide14.xml><?xml version="1.0" encoding="utf-8"?>
+<file path=ppt/slides/slide13.xml><?xml version="1.0" encoding="utf-8"?>
 <p:sld xmlns:a="http://schemas.openxmlformats.org/drawingml/2006/main" xmlns:r="http://schemas.openxmlformats.org/officeDocument/2006/relationships" xmlns:p="http://schemas.openxmlformats.org/presentationml/2006/main">
   <p:cSld>
     <p:spTree>
@@ -7261,7 +6646,7 @@
 </p:sld>
 </file>
 
-<file path=ppt/slides/slide15.xml><?xml version="1.0" encoding="utf-8"?>
+<file path=ppt/slides/slide14.xml><?xml version="1.0" encoding="utf-8"?>
 <p:sld xmlns:a="http://schemas.openxmlformats.org/drawingml/2006/main" xmlns:r="http://schemas.openxmlformats.org/officeDocument/2006/relationships" xmlns:p="http://schemas.openxmlformats.org/presentationml/2006/main">
   <p:cSld>
     <p:spTree>
@@ -7637,6 +7022,226 @@
               </a:rPr>
               <a:t>Interpretation (curves and/or confusion matrix)</a:t>
             </a:r>
+          </a:p>
+        </p:txBody>
+      </p:sp>
+    </p:spTree>
+  </p:cSld>
+  <p:clrMapOvr>
+    <a:masterClrMapping/>
+  </p:clrMapOvr>
+</p:sld>
+</file>
+
+<file path=ppt/slides/slide15.xml><?xml version="1.0" encoding="utf-8"?>
+<p:sld xmlns:a="http://schemas.openxmlformats.org/drawingml/2006/main" xmlns:r="http://schemas.openxmlformats.org/officeDocument/2006/relationships" xmlns:p="http://schemas.openxmlformats.org/presentationml/2006/main">
+  <p:cSld>
+    <p:spTree>
+      <p:nvGrpSpPr>
+        <p:cNvPr id="1" name=""/>
+        <p:cNvGrpSpPr/>
+        <p:nvPr/>
+      </p:nvGrpSpPr>
+      <p:grpSpPr>
+        <a:xfrm>
+          <a:off x="0" y="0"/>
+          <a:ext cx="0" cy="0"/>
+          <a:chOff x="0" y="0"/>
+          <a:chExt cx="0" cy="0"/>
+        </a:xfrm>
+      </p:grpSpPr>
+      <p:sp>
+        <p:nvSpPr>
+          <p:cNvPr id="147" name="TextShape 1"/>
+          <p:cNvSpPr txBox="1"/>
+          <p:nvPr/>
+        </p:nvSpPr>
+        <p:spPr>
+          <a:xfrm>
+            <a:off x="1097280" y="286560"/>
+            <a:ext cx="10058040" cy="1450440"/>
+          </a:xfrm>
+          <a:prstGeom prst="rect">
+            <a:avLst/>
+          </a:prstGeom>
+          <a:noFill/>
+          <a:ln w="0">
+            <a:noFill/>
+          </a:ln>
+        </p:spPr>
+        <p:txBody>
+          <a:bodyPr anchor="b">
+            <a:normAutofit/>
+          </a:bodyPr>
+          <a:lstStyle/>
+          <a:p>
+            <a:pPr>
+              <a:lnSpc>
+                <a:spcPct val="85000"/>
+              </a:lnSpc>
+            </a:pPr>
+            <a:r>
+              <a:rPr lang="en-US" sz="4800" b="0" strike="noStrike" spc="-52">
+                <a:solidFill>
+                  <a:srgbClr val="404040"/>
+                </a:solidFill>
+                <a:latin typeface="Calibri Light"/>
+              </a:rPr>
+              <a:t>FastAi Model and variants</a:t>
+            </a:r>
+            <a:br/>
+            <a:r>
+              <a:rPr lang="en-US" sz="4800" b="0" strike="noStrike" spc="-52">
+                <a:solidFill>
+                  <a:srgbClr val="404040"/>
+                </a:solidFill>
+                <a:latin typeface="Calibri Light"/>
+              </a:rPr>
+              <a:t>- learning rate and freeze/unfreeze </a:t>
+            </a:r>
+            <a:endParaRPr lang="en-US" sz="4800" b="0" strike="noStrike" spc="-1">
+              <a:solidFill>
+                <a:srgbClr val="000000"/>
+              </a:solidFill>
+              <a:latin typeface="Calibri"/>
+            </a:endParaRPr>
+          </a:p>
+        </p:txBody>
+      </p:sp>
+      <p:sp>
+        <p:nvSpPr>
+          <p:cNvPr id="148" name="TextShape 2"/>
+          <p:cNvSpPr txBox="1"/>
+          <p:nvPr/>
+        </p:nvSpPr>
+        <p:spPr>
+          <a:xfrm>
+            <a:off x="1097280" y="1845720"/>
+            <a:ext cx="10058040" cy="4023000"/>
+          </a:xfrm>
+          <a:prstGeom prst="rect">
+            <a:avLst/>
+          </a:prstGeom>
+          <a:noFill/>
+          <a:ln w="0">
+            <a:noFill/>
+          </a:ln>
+        </p:spPr>
+        <p:txBody>
+          <a:bodyPr lIns="0" rIns="0">
+            <a:noAutofit/>
+          </a:bodyPr>
+          <a:lstStyle/>
+          <a:p>
+            <a:endParaRPr lang="en-US" sz="2000" b="0" strike="noStrike" spc="-1">
+              <a:solidFill>
+                <a:srgbClr val="404040"/>
+              </a:solidFill>
+              <a:latin typeface="Calibri"/>
+            </a:endParaRPr>
+          </a:p>
+        </p:txBody>
+      </p:sp>
+      <p:pic>
+        <p:nvPicPr>
+          <p:cNvPr id="149" name="Picture 2"/>
+          <p:cNvPicPr/>
+          <p:nvPr/>
+        </p:nvPicPr>
+        <p:blipFill>
+          <a:blip r:embed="rId2"/>
+          <a:stretch/>
+        </p:blipFill>
+        <p:spPr>
+          <a:xfrm>
+            <a:off x="486000" y="1845720"/>
+            <a:ext cx="5514480" cy="4161960"/>
+          </a:xfrm>
+          <a:prstGeom prst="rect">
+            <a:avLst/>
+          </a:prstGeom>
+          <a:ln w="0">
+            <a:noFill/>
+          </a:ln>
+        </p:spPr>
+      </p:pic>
+      <p:pic>
+        <p:nvPicPr>
+          <p:cNvPr id="150" name="Picture 4"/>
+          <p:cNvPicPr/>
+          <p:nvPr/>
+        </p:nvPicPr>
+        <p:blipFill>
+          <a:blip r:embed="rId3"/>
+          <a:stretch/>
+        </p:blipFill>
+        <p:spPr>
+          <a:xfrm>
+            <a:off x="6000840" y="1845720"/>
+            <a:ext cx="5400360" cy="4161960"/>
+          </a:xfrm>
+          <a:prstGeom prst="rect">
+            <a:avLst/>
+          </a:prstGeom>
+          <a:ln w="0">
+            <a:noFill/>
+          </a:ln>
+        </p:spPr>
+      </p:pic>
+      <p:sp>
+        <p:nvSpPr>
+          <p:cNvPr id="151" name="CustomShape 3"/>
+          <p:cNvSpPr/>
+          <p:nvPr/>
+        </p:nvSpPr>
+        <p:spPr>
+          <a:xfrm>
+            <a:off x="41400" y="6488640"/>
+            <a:ext cx="2494440" cy="364680"/>
+          </a:xfrm>
+          <a:prstGeom prst="rect">
+            <a:avLst/>
+          </a:prstGeom>
+          <a:noFill/>
+          <a:ln w="0">
+            <a:noFill/>
+          </a:ln>
+        </p:spPr>
+        <p:style>
+          <a:lnRef idx="0">
+            <a:scrgbClr r="0" g="0" b="0"/>
+          </a:lnRef>
+          <a:fillRef idx="0">
+            <a:scrgbClr r="0" g="0" b="0"/>
+          </a:fillRef>
+          <a:effectRef idx="0">
+            <a:scrgbClr r="0" g="0" b="0"/>
+          </a:effectRef>
+          <a:fontRef idx="minor"/>
+        </p:style>
+        <p:txBody>
+          <a:bodyPr wrap="none" lIns="90000" tIns="45000" rIns="90000" bIns="45000">
+            <a:spAutoFit/>
+          </a:bodyPr>
+          <a:lstStyle/>
+          <a:p>
+            <a:pPr>
+              <a:lnSpc>
+                <a:spcPct val="100000"/>
+              </a:lnSpc>
+            </a:pPr>
+            <a:r>
+              <a:rPr lang="de-DE" sz="1800" b="0" strike="noStrike" spc="-1">
+                <a:solidFill>
+                  <a:srgbClr val="000000"/>
+                </a:solidFill>
+                <a:latin typeface="Calibri"/>
+              </a:rPr>
+              <a:t>Caio Luiz Candeias Flores</a:t>
+            </a:r>
+            <a:endParaRPr lang="pt-BR" sz="1800" b="0" strike="noStrike" spc="-1">
+              <a:latin typeface="Arial"/>
+            </a:endParaRPr>
           </a:p>
         </p:txBody>
       </p:sp>
@@ -7665,101 +7270,9 @@
           <a:chExt cx="0" cy="0"/>
         </a:xfrm>
       </p:grpSpPr>
-      <p:sp>
-        <p:nvSpPr>
-          <p:cNvPr id="147" name="TextShape 1"/>
-          <p:cNvSpPr txBox="1"/>
-          <p:nvPr/>
-        </p:nvSpPr>
-        <p:spPr>
-          <a:xfrm>
-            <a:off x="1097280" y="286560"/>
-            <a:ext cx="10058040" cy="1450440"/>
-          </a:xfrm>
-          <a:prstGeom prst="rect">
-            <a:avLst/>
-          </a:prstGeom>
-          <a:noFill/>
-          <a:ln w="0">
-            <a:noFill/>
-          </a:ln>
-        </p:spPr>
-        <p:txBody>
-          <a:bodyPr anchor="b">
-            <a:normAutofit/>
-          </a:bodyPr>
-          <a:lstStyle/>
-          <a:p>
-            <a:pPr>
-              <a:lnSpc>
-                <a:spcPct val="85000"/>
-              </a:lnSpc>
-            </a:pPr>
-            <a:r>
-              <a:rPr lang="en-US" sz="4800" b="0" strike="noStrike" spc="-52">
-                <a:solidFill>
-                  <a:srgbClr val="404040"/>
-                </a:solidFill>
-                <a:latin typeface="Calibri Light"/>
-              </a:rPr>
-              <a:t>FastAi Model and variants</a:t>
-            </a:r>
-            <a:br/>
-            <a:r>
-              <a:rPr lang="en-US" sz="4800" b="0" strike="noStrike" spc="-52">
-                <a:solidFill>
-                  <a:srgbClr val="404040"/>
-                </a:solidFill>
-                <a:latin typeface="Calibri Light"/>
-              </a:rPr>
-              <a:t>- learning rate and freeze/unfreeze </a:t>
-            </a:r>
-            <a:endParaRPr lang="en-US" sz="4800" b="0" strike="noStrike" spc="-1">
-              <a:solidFill>
-                <a:srgbClr val="000000"/>
-              </a:solidFill>
-              <a:latin typeface="Calibri"/>
-            </a:endParaRPr>
-          </a:p>
-        </p:txBody>
-      </p:sp>
-      <p:sp>
-        <p:nvSpPr>
-          <p:cNvPr id="148" name="TextShape 2"/>
-          <p:cNvSpPr txBox="1"/>
-          <p:nvPr/>
-        </p:nvSpPr>
-        <p:spPr>
-          <a:xfrm>
-            <a:off x="1097280" y="1845720"/>
-            <a:ext cx="10058040" cy="4023000"/>
-          </a:xfrm>
-          <a:prstGeom prst="rect">
-            <a:avLst/>
-          </a:prstGeom>
-          <a:noFill/>
-          <a:ln w="0">
-            <a:noFill/>
-          </a:ln>
-        </p:spPr>
-        <p:txBody>
-          <a:bodyPr lIns="0" rIns="0">
-            <a:noAutofit/>
-          </a:bodyPr>
-          <a:lstStyle/>
-          <a:p>
-            <a:endParaRPr lang="en-US" sz="2000" b="0" strike="noStrike" spc="-1">
-              <a:solidFill>
-                <a:srgbClr val="404040"/>
-              </a:solidFill>
-              <a:latin typeface="Calibri"/>
-            </a:endParaRPr>
-          </a:p>
-        </p:txBody>
-      </p:sp>
       <p:pic>
         <p:nvPicPr>
-          <p:cNvPr id="149" name="Picture 2"/>
+          <p:cNvPr id="152" name="Content Placeholder 5"/>
           <p:cNvPicPr/>
           <p:nvPr/>
         </p:nvPicPr>
@@ -7769,8 +7282,8 @@
         </p:blipFill>
         <p:spPr>
           <a:xfrm>
-            <a:off x="486000" y="1845720"/>
-            <a:ext cx="5514480" cy="4161960"/>
+            <a:off x="1664280" y="1846440"/>
+            <a:ext cx="8923680" cy="4052160"/>
           </a:xfrm>
           <a:prstGeom prst="rect">
             <a:avLst/>
@@ -7780,32 +7293,9 @@
           </a:ln>
         </p:spPr>
       </p:pic>
-      <p:pic>
-        <p:nvPicPr>
-          <p:cNvPr id="150" name="Picture 4"/>
-          <p:cNvPicPr/>
-          <p:nvPr/>
-        </p:nvPicPr>
-        <p:blipFill>
-          <a:blip r:embed="rId3"/>
-          <a:stretch/>
-        </p:blipFill>
-        <p:spPr>
-          <a:xfrm>
-            <a:off x="6000840" y="1845720"/>
-            <a:ext cx="5400360" cy="4161960"/>
-          </a:xfrm>
-          <a:prstGeom prst="rect">
-            <a:avLst/>
-          </a:prstGeom>
-          <a:ln w="0">
-            <a:noFill/>
-          </a:ln>
-        </p:spPr>
-      </p:pic>
-      <p:sp>
-        <p:nvSpPr>
-          <p:cNvPr id="151" name="CustomShape 3"/>
+      <p:sp>
+        <p:nvSpPr>
+          <p:cNvPr id="153" name="CustomShape 1"/>
           <p:cNvSpPr/>
           <p:nvPr/>
         </p:nvSpPr>
@@ -7855,6 +7345,73 @@
               <a:t>Caio Luiz Candeias Flores</a:t>
             </a:r>
             <a:endParaRPr lang="pt-BR" sz="1800" b="0" strike="noStrike" spc="-1">
+              <a:latin typeface="Arial"/>
+            </a:endParaRPr>
+          </a:p>
+        </p:txBody>
+      </p:sp>
+      <p:sp>
+        <p:nvSpPr>
+          <p:cNvPr id="154" name="CustomShape 2"/>
+          <p:cNvSpPr/>
+          <p:nvPr/>
+        </p:nvSpPr>
+        <p:spPr>
+          <a:xfrm>
+            <a:off x="1249560" y="438840"/>
+            <a:ext cx="10058040" cy="1450440"/>
+          </a:xfrm>
+          <a:prstGeom prst="rect">
+            <a:avLst/>
+          </a:prstGeom>
+          <a:noFill/>
+          <a:ln w="0">
+            <a:noFill/>
+          </a:ln>
+        </p:spPr>
+        <p:style>
+          <a:lnRef idx="0">
+            <a:scrgbClr r="0" g="0" b="0"/>
+          </a:lnRef>
+          <a:fillRef idx="0">
+            <a:scrgbClr r="0" g="0" b="0"/>
+          </a:fillRef>
+          <a:effectRef idx="0">
+            <a:scrgbClr r="0" g="0" b="0"/>
+          </a:effectRef>
+          <a:fontRef idx="minor"/>
+        </p:style>
+        <p:txBody>
+          <a:bodyPr anchor="b">
+            <a:normAutofit/>
+          </a:bodyPr>
+          <a:lstStyle/>
+          <a:p>
+            <a:pPr>
+              <a:lnSpc>
+                <a:spcPct val="85000"/>
+              </a:lnSpc>
+            </a:pPr>
+            <a:r>
+              <a:rPr lang="en-US" sz="4800" b="0" strike="noStrike" spc="-52">
+                <a:solidFill>
+                  <a:srgbClr val="404040"/>
+                </a:solidFill>
+                <a:latin typeface="Calibri Light"/>
+              </a:rPr>
+              <a:t>FastAi Model and variants</a:t>
+            </a:r>
+            <a:br/>
+            <a:r>
+              <a:rPr lang="en-US" sz="4800" b="0" strike="noStrike" spc="-52">
+                <a:solidFill>
+                  <a:srgbClr val="404040"/>
+                </a:solidFill>
+                <a:latin typeface="Calibri Light"/>
+              </a:rPr>
+              <a:t>- multiclassification</a:t>
+            </a:r>
+            <a:endParaRPr lang="pt-BR" sz="4800" b="0" strike="noStrike" spc="-1">
               <a:latin typeface="Arial"/>
             </a:endParaRPr>
           </a:p>
@@ -7887,7 +7444,7 @@
       </p:grpSpPr>
       <p:pic>
         <p:nvPicPr>
-          <p:cNvPr id="152" name="Content Placeholder 5"/>
+          <p:cNvPr id="155" name="Picture 4"/>
           <p:cNvPicPr/>
           <p:nvPr/>
         </p:nvPicPr>
@@ -7897,8 +7454,8 @@
         </p:blipFill>
         <p:spPr>
           <a:xfrm>
-            <a:off x="1664280" y="1846440"/>
-            <a:ext cx="8923680" cy="4052160"/>
+            <a:off x="3281760" y="1980000"/>
+            <a:ext cx="4911840" cy="4140000"/>
           </a:xfrm>
           <a:prstGeom prst="rect">
             <a:avLst/>
@@ -7910,7 +7467,7 @@
       </p:pic>
       <p:sp>
         <p:nvSpPr>
-          <p:cNvPr id="153" name="CustomShape 1"/>
+          <p:cNvPr id="156" name="CustomShape 1"/>
           <p:cNvSpPr/>
           <p:nvPr/>
         </p:nvSpPr>
@@ -7967,7 +7524,7 @@
       </p:sp>
       <p:sp>
         <p:nvSpPr>
-          <p:cNvPr id="154" name="CustomShape 2"/>
+          <p:cNvPr id="157" name="CustomShape 2"/>
           <p:cNvSpPr/>
           <p:nvPr/>
         </p:nvSpPr>
@@ -8059,7 +7616,7 @@
       </p:grpSpPr>
       <p:pic>
         <p:nvPicPr>
-          <p:cNvPr id="155" name="Picture 4"/>
+          <p:cNvPr id="158" name="Picture 2"/>
           <p:cNvPicPr/>
           <p:nvPr/>
         </p:nvPicPr>
@@ -8069,8 +7626,8 @@
         </p:blipFill>
         <p:spPr>
           <a:xfrm>
-            <a:off x="3281760" y="1980000"/>
-            <a:ext cx="4911840" cy="4140000"/>
+            <a:off x="3352680" y="1871640"/>
+            <a:ext cx="5486040" cy="4161960"/>
           </a:xfrm>
           <a:prstGeom prst="rect">
             <a:avLst/>
@@ -8082,7 +7639,7 @@
       </p:pic>
       <p:sp>
         <p:nvSpPr>
-          <p:cNvPr id="156" name="CustomShape 1"/>
+          <p:cNvPr id="159" name="CustomShape 1"/>
           <p:cNvSpPr/>
           <p:nvPr/>
         </p:nvSpPr>
@@ -8139,13 +7696,13 @@
       </p:sp>
       <p:sp>
         <p:nvSpPr>
-          <p:cNvPr id="157" name="CustomShape 2"/>
+          <p:cNvPr id="160" name="CustomShape 2"/>
           <p:cNvSpPr/>
           <p:nvPr/>
         </p:nvSpPr>
         <p:spPr>
           <a:xfrm>
-            <a:off x="1249560" y="438840"/>
+            <a:off x="1155600" y="348840"/>
             <a:ext cx="10058040" cy="1450440"/>
           </a:xfrm>
           <a:prstGeom prst="rect">
@@ -8170,7 +7727,7 @@
         </p:style>
         <p:txBody>
           <a:bodyPr anchor="b">
-            <a:normAutofit/>
+            <a:normAutofit fontScale="92500"/>
           </a:bodyPr>
           <a:lstStyle/>
           <a:p>
@@ -8190,15 +7747,15 @@
             </a:r>
             <a:br/>
             <a:r>
-              <a:rPr lang="en-US" sz="4800" b="0" strike="noStrike" spc="-52">
+              <a:rPr lang="en-US" sz="3500" b="0" strike="noStrike" spc="-52">
                 <a:solidFill>
                   <a:srgbClr val="404040"/>
                 </a:solidFill>
                 <a:latin typeface="Calibri Light"/>
               </a:rPr>
-              <a:t>- multiclassification</a:t>
-            </a:r>
-            <a:endParaRPr lang="pt-BR" sz="4800" b="0" strike="noStrike" spc="-1">
+              <a:t>- Binary classification with extracted images from the video</a:t>
+            </a:r>
+            <a:endParaRPr lang="pt-BR" sz="3500" b="0" strike="noStrike" spc="-1">
               <a:latin typeface="Arial"/>
             </a:endParaRPr>
           </a:p>
@@ -8231,7 +7788,7 @@
       </p:grpSpPr>
       <p:pic>
         <p:nvPicPr>
-          <p:cNvPr id="158" name="Picture 2"/>
+          <p:cNvPr id="161" name="Picture 2"/>
           <p:cNvPicPr/>
           <p:nvPr/>
         </p:nvPicPr>
@@ -8241,8 +7798,8 @@
         </p:blipFill>
         <p:spPr>
           <a:xfrm>
-            <a:off x="3352680" y="1871640"/>
-            <a:ext cx="5486040" cy="4161960"/>
+            <a:off x="1535760" y="1972080"/>
+            <a:ext cx="8706600" cy="3996000"/>
           </a:xfrm>
           <a:prstGeom prst="rect">
             <a:avLst/>
@@ -8254,7 +7811,7 @@
       </p:pic>
       <p:sp>
         <p:nvSpPr>
-          <p:cNvPr id="159" name="CustomShape 1"/>
+          <p:cNvPr id="162" name="CustomShape 1"/>
           <p:cNvSpPr/>
           <p:nvPr/>
         </p:nvSpPr>
@@ -8311,7 +7868,7 @@
       </p:sp>
       <p:sp>
         <p:nvSpPr>
-          <p:cNvPr id="160" name="CustomShape 2"/>
+          <p:cNvPr id="163" name="CustomShape 2"/>
           <p:cNvSpPr/>
           <p:nvPr/>
         </p:nvSpPr>
@@ -8342,7 +7899,7 @@
         </p:style>
         <p:txBody>
           <a:bodyPr anchor="b">
-            <a:normAutofit fontScale="92500"/>
+            <a:normAutofit fontScale="95000"/>
           </a:bodyPr>
           <a:lstStyle/>
           <a:p>
@@ -8362,15 +7919,15 @@
             </a:r>
             <a:br/>
             <a:r>
-              <a:rPr lang="en-US" sz="3500" b="0" strike="noStrike" spc="-52">
+              <a:rPr lang="en-US" sz="4800" b="0" strike="noStrike" spc="-52">
                 <a:solidFill>
                   <a:srgbClr val="404040"/>
                 </a:solidFill>
                 <a:latin typeface="Calibri Light"/>
               </a:rPr>
-              <a:t>- Binary classification with extracted images from the video</a:t>
-            </a:r>
-            <a:endParaRPr lang="pt-BR" sz="3500" b="0" strike="noStrike" spc="-1">
+              <a:t>- Binary classification (Weed vs Not Weed)</a:t>
+            </a:r>
+            <a:endParaRPr lang="pt-BR" sz="4800" b="0" strike="noStrike" spc="-1">
               <a:latin typeface="Arial"/>
             </a:endParaRPr>
           </a:p>
@@ -8505,7 +8062,7 @@
       </p:grpSpPr>
       <p:pic>
         <p:nvPicPr>
-          <p:cNvPr id="161" name="Picture 2"/>
+          <p:cNvPr id="164" name="Picture 2"/>
           <p:cNvPicPr/>
           <p:nvPr/>
         </p:nvPicPr>
@@ -8515,8 +8072,8 @@
         </p:blipFill>
         <p:spPr>
           <a:xfrm>
-            <a:off x="1535760" y="1972080"/>
-            <a:ext cx="8706600" cy="3996000"/>
+            <a:off x="3317400" y="1980000"/>
+            <a:ext cx="4840920" cy="3960000"/>
           </a:xfrm>
           <a:prstGeom prst="rect">
             <a:avLst/>
@@ -8528,7 +8085,7 @@
       </p:pic>
       <p:sp>
         <p:nvSpPr>
-          <p:cNvPr id="162" name="CustomShape 1"/>
+          <p:cNvPr id="165" name="CustomShape 1"/>
           <p:cNvSpPr/>
           <p:nvPr/>
         </p:nvSpPr>
@@ -8585,7 +8142,7 @@
       </p:sp>
       <p:sp>
         <p:nvSpPr>
-          <p:cNvPr id="163" name="CustomShape 2"/>
+          <p:cNvPr id="166" name="CustomShape 2"/>
           <p:cNvSpPr/>
           <p:nvPr/>
         </p:nvSpPr>
@@ -8677,7 +8234,7 @@
       </p:grpSpPr>
       <p:pic>
         <p:nvPicPr>
-          <p:cNvPr id="164" name="Picture 2"/>
+          <p:cNvPr id="167" name="Picture 2"/>
           <p:cNvPicPr/>
           <p:nvPr/>
         </p:nvPicPr>
@@ -8687,8 +8244,8 @@
         </p:blipFill>
         <p:spPr>
           <a:xfrm>
-            <a:off x="3317400" y="1980000"/>
-            <a:ext cx="4840920" cy="3960000"/>
+            <a:off x="1479240" y="1890720"/>
+            <a:ext cx="9233280" cy="4257000"/>
           </a:xfrm>
           <a:prstGeom prst="rect">
             <a:avLst/>
@@ -8700,7 +8257,7 @@
       </p:pic>
       <p:sp>
         <p:nvSpPr>
-          <p:cNvPr id="165" name="CustomShape 1"/>
+          <p:cNvPr id="168" name="CustomShape 1"/>
           <p:cNvSpPr/>
           <p:nvPr/>
         </p:nvSpPr>
@@ -8757,7 +8314,7 @@
       </p:sp>
       <p:sp>
         <p:nvSpPr>
-          <p:cNvPr id="166" name="CustomShape 2"/>
+          <p:cNvPr id="169" name="CustomShape 2"/>
           <p:cNvSpPr/>
           <p:nvPr/>
         </p:nvSpPr>
@@ -8788,7 +8345,7 @@
         </p:style>
         <p:txBody>
           <a:bodyPr anchor="b">
-            <a:normAutofit fontScale="95000"/>
+            <a:normAutofit/>
           </a:bodyPr>
           <a:lstStyle/>
           <a:p>
@@ -8808,15 +8365,15 @@
             </a:r>
             <a:br/>
             <a:r>
-              <a:rPr lang="en-US" sz="4800" b="0" strike="noStrike" spc="-52">
+              <a:rPr lang="en-US" sz="3500" b="0" strike="noStrike" spc="-52">
                 <a:solidFill>
                   <a:srgbClr val="404040"/>
                 </a:solidFill>
                 <a:latin typeface="Calibri Light"/>
               </a:rPr>
-              <a:t>- Binary classification (Weed vs Not Weed)</a:t>
-            </a:r>
-            <a:endParaRPr lang="pt-BR" sz="4800" b="0" strike="noStrike" spc="-1">
+              <a:t>- Binary classification extracted images from the video</a:t>
+            </a:r>
+            <a:endParaRPr lang="pt-BR" sz="3500" b="0" strike="noStrike" spc="-1">
               <a:latin typeface="Arial"/>
             </a:endParaRPr>
           </a:p>
@@ -8849,7 +8406,7 @@
       </p:grpSpPr>
       <p:pic>
         <p:nvPicPr>
-          <p:cNvPr id="167" name="Picture 2"/>
+          <p:cNvPr id="170" name="Picture 2"/>
           <p:cNvPicPr/>
           <p:nvPr/>
         </p:nvPicPr>
@@ -8859,8 +8416,8 @@
         </p:blipFill>
         <p:spPr>
           <a:xfrm>
-            <a:off x="1479240" y="1890720"/>
-            <a:ext cx="9233280" cy="4257000"/>
+            <a:off x="3264120" y="1766520"/>
+            <a:ext cx="4876200" cy="4173480"/>
           </a:xfrm>
           <a:prstGeom prst="rect">
             <a:avLst/>
@@ -8872,7 +8429,7 @@
       </p:pic>
       <p:sp>
         <p:nvSpPr>
-          <p:cNvPr id="168" name="CustomShape 1"/>
+          <p:cNvPr id="171" name="CustomShape 1"/>
           <p:cNvSpPr/>
           <p:nvPr/>
         </p:nvSpPr>
@@ -8929,7 +8486,7 @@
       </p:sp>
       <p:sp>
         <p:nvSpPr>
-          <p:cNvPr id="169" name="CustomShape 2"/>
+          <p:cNvPr id="172" name="CustomShape 2"/>
           <p:cNvSpPr/>
           <p:nvPr/>
         </p:nvSpPr>
@@ -9003,178 +8560,6 @@
 </file>
 
 <file path=ppt/slides/slide23.xml><?xml version="1.0" encoding="utf-8"?>
-<p:sld xmlns:a="http://schemas.openxmlformats.org/drawingml/2006/main" xmlns:r="http://schemas.openxmlformats.org/officeDocument/2006/relationships" xmlns:p="http://schemas.openxmlformats.org/presentationml/2006/main">
-  <p:cSld>
-    <p:spTree>
-      <p:nvGrpSpPr>
-        <p:cNvPr id="1" name=""/>
-        <p:cNvGrpSpPr/>
-        <p:nvPr/>
-      </p:nvGrpSpPr>
-      <p:grpSpPr>
-        <a:xfrm>
-          <a:off x="0" y="0"/>
-          <a:ext cx="0" cy="0"/>
-          <a:chOff x="0" y="0"/>
-          <a:chExt cx="0" cy="0"/>
-        </a:xfrm>
-      </p:grpSpPr>
-      <p:pic>
-        <p:nvPicPr>
-          <p:cNvPr id="170" name="Picture 2"/>
-          <p:cNvPicPr/>
-          <p:nvPr/>
-        </p:nvPicPr>
-        <p:blipFill>
-          <a:blip r:embed="rId2"/>
-          <a:stretch/>
-        </p:blipFill>
-        <p:spPr>
-          <a:xfrm>
-            <a:off x="3264120" y="1766520"/>
-            <a:ext cx="4876200" cy="4173480"/>
-          </a:xfrm>
-          <a:prstGeom prst="rect">
-            <a:avLst/>
-          </a:prstGeom>
-          <a:ln w="0">
-            <a:noFill/>
-          </a:ln>
-        </p:spPr>
-      </p:pic>
-      <p:sp>
-        <p:nvSpPr>
-          <p:cNvPr id="171" name="CustomShape 1"/>
-          <p:cNvSpPr/>
-          <p:nvPr/>
-        </p:nvSpPr>
-        <p:spPr>
-          <a:xfrm>
-            <a:off x="41400" y="6488640"/>
-            <a:ext cx="2494440" cy="364680"/>
-          </a:xfrm>
-          <a:prstGeom prst="rect">
-            <a:avLst/>
-          </a:prstGeom>
-          <a:noFill/>
-          <a:ln w="0">
-            <a:noFill/>
-          </a:ln>
-        </p:spPr>
-        <p:style>
-          <a:lnRef idx="0">
-            <a:scrgbClr r="0" g="0" b="0"/>
-          </a:lnRef>
-          <a:fillRef idx="0">
-            <a:scrgbClr r="0" g="0" b="0"/>
-          </a:fillRef>
-          <a:effectRef idx="0">
-            <a:scrgbClr r="0" g="0" b="0"/>
-          </a:effectRef>
-          <a:fontRef idx="minor"/>
-        </p:style>
-        <p:txBody>
-          <a:bodyPr wrap="none" lIns="90000" tIns="45000" rIns="90000" bIns="45000">
-            <a:spAutoFit/>
-          </a:bodyPr>
-          <a:lstStyle/>
-          <a:p>
-            <a:pPr>
-              <a:lnSpc>
-                <a:spcPct val="100000"/>
-              </a:lnSpc>
-            </a:pPr>
-            <a:r>
-              <a:rPr lang="de-DE" sz="1800" b="0" strike="noStrike" spc="-1">
-                <a:solidFill>
-                  <a:srgbClr val="000000"/>
-                </a:solidFill>
-                <a:latin typeface="Calibri"/>
-              </a:rPr>
-              <a:t>Caio Luiz Candeias Flores</a:t>
-            </a:r>
-            <a:endParaRPr lang="pt-BR" sz="1800" b="0" strike="noStrike" spc="-1">
-              <a:latin typeface="Arial"/>
-            </a:endParaRPr>
-          </a:p>
-        </p:txBody>
-      </p:sp>
-      <p:sp>
-        <p:nvSpPr>
-          <p:cNvPr id="172" name="CustomShape 2"/>
-          <p:cNvSpPr/>
-          <p:nvPr/>
-        </p:nvSpPr>
-        <p:spPr>
-          <a:xfrm>
-            <a:off x="1155600" y="348840"/>
-            <a:ext cx="10058040" cy="1450440"/>
-          </a:xfrm>
-          <a:prstGeom prst="rect">
-            <a:avLst/>
-          </a:prstGeom>
-          <a:noFill/>
-          <a:ln w="0">
-            <a:noFill/>
-          </a:ln>
-        </p:spPr>
-        <p:style>
-          <a:lnRef idx="0">
-            <a:scrgbClr r="0" g="0" b="0"/>
-          </a:lnRef>
-          <a:fillRef idx="0">
-            <a:scrgbClr r="0" g="0" b="0"/>
-          </a:fillRef>
-          <a:effectRef idx="0">
-            <a:scrgbClr r="0" g="0" b="0"/>
-          </a:effectRef>
-          <a:fontRef idx="minor"/>
-        </p:style>
-        <p:txBody>
-          <a:bodyPr anchor="b">
-            <a:normAutofit/>
-          </a:bodyPr>
-          <a:lstStyle/>
-          <a:p>
-            <a:pPr>
-              <a:lnSpc>
-                <a:spcPct val="85000"/>
-              </a:lnSpc>
-            </a:pPr>
-            <a:r>
-              <a:rPr lang="en-US" sz="4800" b="0" strike="noStrike" spc="-52">
-                <a:solidFill>
-                  <a:srgbClr val="404040"/>
-                </a:solidFill>
-                <a:latin typeface="Calibri Light"/>
-              </a:rPr>
-              <a:t>FastAi Model and variants</a:t>
-            </a:r>
-            <a:br/>
-            <a:r>
-              <a:rPr lang="en-US" sz="3500" b="0" strike="noStrike" spc="-52">
-                <a:solidFill>
-                  <a:srgbClr val="404040"/>
-                </a:solidFill>
-                <a:latin typeface="Calibri Light"/>
-              </a:rPr>
-              <a:t>- Binary classification extracted images from the video</a:t>
-            </a:r>
-            <a:endParaRPr lang="pt-BR" sz="3500" b="0" strike="noStrike" spc="-1">
-              <a:latin typeface="Arial"/>
-            </a:endParaRPr>
-          </a:p>
-        </p:txBody>
-      </p:sp>
-    </p:spTree>
-  </p:cSld>
-  <p:clrMapOvr>
-    <a:masterClrMapping/>
-  </p:clrMapOvr>
-</p:sld>
-</file>
-
-<file path=ppt/slides/slide24.xml><?xml version="1.0" encoding="utf-8"?>
 <p:sld xmlns:a="http://schemas.openxmlformats.org/drawingml/2006/main" xmlns:r="http://schemas.openxmlformats.org/officeDocument/2006/relationships" xmlns:p="http://schemas.openxmlformats.org/presentationml/2006/main">
   <p:cSld>
     <p:spTree>
@@ -9580,85 +8965,14 @@
       </p:grpSpPr>
       <p:sp>
         <p:nvSpPr>
-          <p:cNvPr id="109" name="TextShape 1"/>
-          <p:cNvSpPr txBox="1"/>
-          <p:nvPr/>
-        </p:nvSpPr>
-        <p:spPr>
-          <a:xfrm>
-            <a:off x="1097280" y="286560"/>
-            <a:ext cx="10058040" cy="1450440"/>
-          </a:xfrm>
-          <a:prstGeom prst="rect">
-            <a:avLst/>
-          </a:prstGeom>
-          <a:noFill/>
-          <a:ln w="0">
-            <a:noFill/>
-          </a:ln>
-        </p:spPr>
-        <p:txBody>
-          <a:bodyPr anchor="b">
-            <a:noAutofit/>
-          </a:bodyPr>
-          <a:lstStyle/>
-          <a:p>
-            <a:pPr>
-              <a:lnSpc>
-                <a:spcPct val="85000"/>
-              </a:lnSpc>
-            </a:pPr>
-            <a:r>
-              <a:rPr lang="en-US" sz="4800" b="0" strike="noStrike" spc="-52">
-                <a:solidFill>
-                  <a:srgbClr val="404040"/>
-                </a:solidFill>
-                <a:latin typeface="Calibri Light"/>
-              </a:rPr>
-              <a:t>Comprehensive Tapaal Model </a:t>
-            </a:r>
-            <a:endParaRPr lang="en-US" sz="4800" b="0" strike="noStrike" spc="-1">
-              <a:solidFill>
-                <a:srgbClr val="000000"/>
-              </a:solidFill>
-              <a:latin typeface="Calibri"/>
-            </a:endParaRPr>
-          </a:p>
-        </p:txBody>
-      </p:sp>
-      <p:pic>
-        <p:nvPicPr>
-          <p:cNvPr id="110" name="Content Placeholder 3"/>
-          <p:cNvPicPr/>
-          <p:nvPr/>
-        </p:nvPicPr>
-        <p:blipFill>
-          <a:blip r:embed="rId2"/>
-          <a:stretch/>
-        </p:blipFill>
-        <p:spPr>
-          <a:xfrm>
-            <a:off x="2531880" y="1846440"/>
-            <a:ext cx="7188120" cy="4022280"/>
-          </a:xfrm>
-          <a:prstGeom prst="rect">
-            <a:avLst/>
-          </a:prstGeom>
-          <a:ln w="0">
-            <a:noFill/>
-          </a:ln>
-        </p:spPr>
-      </p:pic>
-      <p:sp>
-        <p:nvSpPr>
-          <p:cNvPr id="111" name="CustomShape 2"/>
+          <p:cNvPr id="112" name="CustomShape 3"/>
           <p:cNvSpPr/>
           <p:nvPr/>
         </p:nvSpPr>
         <p:spPr>
           <a:xfrm>
-            <a:off x="4110840" y="5869080"/>
-            <a:ext cx="4030200" cy="364680"/>
+            <a:off x="8280" y="6488640"/>
+            <a:ext cx="1416960" cy="364680"/>
           </a:xfrm>
           <a:prstGeom prst="rect">
             <a:avLst/>
@@ -9681,63 +8995,6 @@
           <a:fontRef idx="minor"/>
         </p:style>
         <p:txBody>
-          <a:bodyPr lIns="90000" tIns="45000" rIns="90000" bIns="45000">
-            <a:spAutoFit/>
-          </a:bodyPr>
-          <a:lstStyle/>
-          <a:p>
-            <a:pPr>
-              <a:lnSpc>
-                <a:spcPct val="100000"/>
-              </a:lnSpc>
-            </a:pPr>
-            <a:r>
-              <a:rPr lang="en-US" sz="1800" b="0" strike="noStrike" spc="-1">
-                <a:solidFill>
-                  <a:srgbClr val="000000"/>
-                </a:solidFill>
-                <a:latin typeface="Calibri"/>
-              </a:rPr>
-              <a:t>Component_Farmer_Control Panel</a:t>
-            </a:r>
-            <a:endParaRPr lang="pt-BR" sz="1800" b="0" strike="noStrike" spc="-1">
-              <a:latin typeface="Arial"/>
-            </a:endParaRPr>
-          </a:p>
-        </p:txBody>
-      </p:sp>
-      <p:sp>
-        <p:nvSpPr>
-          <p:cNvPr id="112" name="CustomShape 3"/>
-          <p:cNvSpPr/>
-          <p:nvPr/>
-        </p:nvSpPr>
-        <p:spPr>
-          <a:xfrm>
-            <a:off x="8280" y="6488640"/>
-            <a:ext cx="1416960" cy="364680"/>
-          </a:xfrm>
-          <a:prstGeom prst="rect">
-            <a:avLst/>
-          </a:prstGeom>
-          <a:noFill/>
-          <a:ln w="0">
-            <a:noFill/>
-          </a:ln>
-        </p:spPr>
-        <p:style>
-          <a:lnRef idx="0">
-            <a:scrgbClr r="0" g="0" b="0"/>
-          </a:lnRef>
-          <a:fillRef idx="0">
-            <a:scrgbClr r="0" g="0" b="0"/>
-          </a:fillRef>
-          <a:effectRef idx="0">
-            <a:scrgbClr r="0" g="0" b="0"/>
-          </a:effectRef>
-          <a:fontRef idx="minor"/>
-        </p:style>
-        <p:txBody>
           <a:bodyPr wrap="none" lIns="90000" tIns="45000" rIns="90000" bIns="45000">
             <a:spAutoFit/>
           </a:bodyPr>
@@ -9760,6 +9017,321 @@
             <a:endParaRPr lang="pt-BR" sz="1800" b="0" strike="noStrike" spc="-1">
               <a:latin typeface="Arial"/>
             </a:endParaRPr>
+          </a:p>
+        </p:txBody>
+      </p:sp>
+      <p:sp>
+        <p:nvSpPr>
+          <p:cNvPr id="2" name="Rectangle 1">
+            <a:extLst>
+              <a:ext uri="{FF2B5EF4-FFF2-40B4-BE49-F238E27FC236}">
+                <a16:creationId xmlns:a16="http://schemas.microsoft.com/office/drawing/2014/main" id="{98303767-1CBA-4AB9-A3B2-A4058B23DC37}"/>
+              </a:ext>
+            </a:extLst>
+          </p:cNvPr>
+          <p:cNvSpPr/>
+          <p:nvPr/>
+        </p:nvSpPr>
+        <p:spPr>
+          <a:xfrm>
+            <a:off x="979714" y="1558212"/>
+            <a:ext cx="10478278" cy="279919"/>
+          </a:xfrm>
+          <a:prstGeom prst="rect">
+            <a:avLst/>
+          </a:prstGeom>
+          <a:solidFill>
+            <a:schemeClr val="bg1"/>
+          </a:solidFill>
+          <a:ln>
+            <a:solidFill>
+              <a:schemeClr val="bg1"/>
+            </a:solidFill>
+          </a:ln>
+        </p:spPr>
+        <p:style>
+          <a:lnRef idx="2">
+            <a:schemeClr val="accent1">
+              <a:shade val="50000"/>
+            </a:schemeClr>
+          </a:lnRef>
+          <a:fillRef idx="1">
+            <a:schemeClr val="accent1"/>
+          </a:fillRef>
+          <a:effectRef idx="0">
+            <a:schemeClr val="accent1"/>
+          </a:effectRef>
+          <a:fontRef idx="minor">
+            <a:schemeClr val="lt1"/>
+          </a:fontRef>
+        </p:style>
+        <p:txBody>
+          <a:bodyPr rtlCol="0" anchor="ctr"/>
+          <a:lstStyle/>
+          <a:p>
+            <a:pPr algn="ctr"/>
+            <a:endParaRPr lang="de-DE" dirty="0"/>
+          </a:p>
+        </p:txBody>
+      </p:sp>
+      <p:grpSp>
+        <p:nvGrpSpPr>
+          <p:cNvPr id="5" name="Group 4">
+            <a:extLst>
+              <a:ext uri="{FF2B5EF4-FFF2-40B4-BE49-F238E27FC236}">
+                <a16:creationId xmlns:a16="http://schemas.microsoft.com/office/drawing/2014/main" id="{DBC982CE-0E1C-4707-980D-F5D18156DA84}"/>
+              </a:ext>
+            </a:extLst>
+          </p:cNvPr>
+          <p:cNvGrpSpPr/>
+          <p:nvPr/>
+        </p:nvGrpSpPr>
+        <p:grpSpPr>
+          <a:xfrm>
+            <a:off x="716760" y="95664"/>
+            <a:ext cx="10245013" cy="894887"/>
+            <a:chOff x="1066980" y="3715941"/>
+            <a:chExt cx="10245013" cy="894887"/>
+          </a:xfrm>
+        </p:grpSpPr>
+        <p:sp>
+          <p:nvSpPr>
+            <p:cNvPr id="109" name="TextShape 1"/>
+            <p:cNvSpPr txBox="1"/>
+            <p:nvPr/>
+          </p:nvSpPr>
+          <p:spPr>
+            <a:xfrm>
+              <a:off x="1066980" y="3715941"/>
+              <a:ext cx="5679053" cy="894887"/>
+            </a:xfrm>
+            <a:prstGeom prst="rect">
+              <a:avLst/>
+            </a:prstGeom>
+            <a:noFill/>
+            <a:ln w="0">
+              <a:noFill/>
+            </a:ln>
+          </p:spPr>
+          <p:txBody>
+            <a:bodyPr anchor="b">
+              <a:noAutofit/>
+            </a:bodyPr>
+            <a:lstStyle/>
+            <a:p>
+              <a:pPr>
+                <a:lnSpc>
+                  <a:spcPct val="85000"/>
+                </a:lnSpc>
+              </a:pPr>
+              <a:r>
+                <a:rPr lang="en-US" sz="4800" b="0" strike="noStrike" spc="-52" dirty="0" err="1">
+                  <a:solidFill>
+                    <a:srgbClr val="404040"/>
+                  </a:solidFill>
+                  <a:latin typeface="Calibri Light"/>
+                </a:rPr>
+                <a:t>Modeling_Initialization</a:t>
+              </a:r>
+              <a:endParaRPr lang="en-US" sz="4800" b="0" strike="noStrike" spc="-1" dirty="0">
+                <a:solidFill>
+                  <a:srgbClr val="000000"/>
+                </a:solidFill>
+                <a:latin typeface="Calibri"/>
+              </a:endParaRPr>
+            </a:p>
+          </p:txBody>
+        </p:sp>
+        <p:cxnSp>
+          <p:nvCxnSpPr>
+            <p:cNvPr id="4" name="Straight Connector 3">
+              <a:extLst>
+                <a:ext uri="{FF2B5EF4-FFF2-40B4-BE49-F238E27FC236}">
+                  <a16:creationId xmlns:a16="http://schemas.microsoft.com/office/drawing/2014/main" id="{EBECC77E-6228-44C4-A714-3DB2FCD46C1E}"/>
+                </a:ext>
+              </a:extLst>
+            </p:cNvPr>
+            <p:cNvCxnSpPr/>
+            <p:nvPr/>
+          </p:nvCxnSpPr>
+          <p:spPr>
+            <a:xfrm>
+              <a:off x="1066980" y="4610828"/>
+              <a:ext cx="10245013" cy="0"/>
+            </a:xfrm>
+            <a:prstGeom prst="line">
+              <a:avLst/>
+            </a:prstGeom>
+          </p:spPr>
+          <p:style>
+            <a:lnRef idx="1">
+              <a:schemeClr val="dk1"/>
+            </a:lnRef>
+            <a:fillRef idx="0">
+              <a:schemeClr val="dk1"/>
+            </a:fillRef>
+            <a:effectRef idx="0">
+              <a:schemeClr val="dk1"/>
+            </a:effectRef>
+            <a:fontRef idx="minor">
+              <a:schemeClr val="tx1"/>
+            </a:fontRef>
+          </p:style>
+        </p:cxnSp>
+      </p:grpSp>
+      <p:pic>
+        <p:nvPicPr>
+          <p:cNvPr id="7" name="Picture 6">
+            <a:extLst>
+              <a:ext uri="{FF2B5EF4-FFF2-40B4-BE49-F238E27FC236}">
+                <a16:creationId xmlns:a16="http://schemas.microsoft.com/office/drawing/2014/main" id="{52C9B42C-E828-407C-BAD2-F6250E04A5AB}"/>
+              </a:ext>
+            </a:extLst>
+          </p:cNvPr>
+          <p:cNvPicPr>
+            <a:picLocks noChangeAspect="1"/>
+          </p:cNvPicPr>
+          <p:nvPr/>
+        </p:nvPicPr>
+        <p:blipFill>
+          <a:blip r:embed="rId2">
+            <a:extLst>
+              <a:ext uri="{28A0092B-C50C-407E-A947-70E740481C1C}">
+                <a14:useLocalDpi xmlns:a14="http://schemas.microsoft.com/office/drawing/2010/main" val="0"/>
+              </a:ext>
+            </a:extLst>
+          </a:blip>
+          <a:stretch>
+            <a:fillRect/>
+          </a:stretch>
+        </p:blipFill>
+        <p:spPr>
+          <a:xfrm>
+            <a:off x="1967062" y="1186526"/>
+            <a:ext cx="9565576" cy="2881580"/>
+          </a:xfrm>
+          <a:prstGeom prst="rect">
+            <a:avLst/>
+          </a:prstGeom>
+        </p:spPr>
+      </p:pic>
+      <p:pic>
+        <p:nvPicPr>
+          <p:cNvPr id="9" name="Picture 8">
+            <a:extLst>
+              <a:ext uri="{FF2B5EF4-FFF2-40B4-BE49-F238E27FC236}">
+                <a16:creationId xmlns:a16="http://schemas.microsoft.com/office/drawing/2014/main" id="{EF12C456-EC94-4C2D-8C71-9DF7C00D057E}"/>
+              </a:ext>
+            </a:extLst>
+          </p:cNvPr>
+          <p:cNvPicPr>
+            <a:picLocks noChangeAspect="1"/>
+          </p:cNvPicPr>
+          <p:nvPr/>
+        </p:nvPicPr>
+        <p:blipFill>
+          <a:blip r:embed="rId3">
+            <a:extLst>
+              <a:ext uri="{28A0092B-C50C-407E-A947-70E740481C1C}">
+                <a14:useLocalDpi xmlns:a14="http://schemas.microsoft.com/office/drawing/2010/main" val="0"/>
+              </a:ext>
+            </a:extLst>
+          </a:blip>
+          <a:stretch>
+            <a:fillRect/>
+          </a:stretch>
+        </p:blipFill>
+        <p:spPr>
+          <a:xfrm>
+            <a:off x="1967061" y="4265177"/>
+            <a:ext cx="9500423" cy="2027487"/>
+          </a:xfrm>
+          <a:prstGeom prst="rect">
+            <a:avLst/>
+          </a:prstGeom>
+        </p:spPr>
+      </p:pic>
+      <p:sp>
+        <p:nvSpPr>
+          <p:cNvPr id="10" name="TextBox 9">
+            <a:extLst>
+              <a:ext uri="{FF2B5EF4-FFF2-40B4-BE49-F238E27FC236}">
+                <a16:creationId xmlns:a16="http://schemas.microsoft.com/office/drawing/2014/main" id="{F41ED29E-1E2F-4259-9460-41BC50A2CCC3}"/>
+              </a:ext>
+            </a:extLst>
+          </p:cNvPr>
+          <p:cNvSpPr txBox="1"/>
+          <p:nvPr/>
+        </p:nvSpPr>
+        <p:spPr>
+          <a:xfrm>
+            <a:off x="130629" y="2220686"/>
+            <a:ext cx="1670179" cy="646331"/>
+          </a:xfrm>
+          <a:prstGeom prst="rect">
+            <a:avLst/>
+          </a:prstGeom>
+          <a:noFill/>
+        </p:spPr>
+        <p:txBody>
+          <a:bodyPr wrap="square" rtlCol="0">
+            <a:spAutoFit/>
+          </a:bodyPr>
+          <a:lstStyle/>
+          <a:p>
+            <a:r>
+              <a:rPr lang="de-DE" dirty="0"/>
+              <a:t>Farmer_</a:t>
+            </a:r>
+          </a:p>
+          <a:p>
+            <a:r>
+              <a:rPr lang="de-DE" dirty="0" err="1"/>
+              <a:t>ControlPanel</a:t>
+            </a:r>
+            <a:endParaRPr lang="de-DE" dirty="0"/>
+          </a:p>
+        </p:txBody>
+      </p:sp>
+      <p:sp>
+        <p:nvSpPr>
+          <p:cNvPr id="15" name="TextBox 14">
+            <a:extLst>
+              <a:ext uri="{FF2B5EF4-FFF2-40B4-BE49-F238E27FC236}">
+                <a16:creationId xmlns:a16="http://schemas.microsoft.com/office/drawing/2014/main" id="{62FCF200-9471-4C04-88EA-31FE908477BA}"/>
+              </a:ext>
+            </a:extLst>
+          </p:cNvPr>
+          <p:cNvSpPr txBox="1"/>
+          <p:nvPr/>
+        </p:nvSpPr>
+        <p:spPr>
+          <a:xfrm>
+            <a:off x="144624" y="4813423"/>
+            <a:ext cx="1670179" cy="646331"/>
+          </a:xfrm>
+          <a:prstGeom prst="rect">
+            <a:avLst/>
+          </a:prstGeom>
+          <a:noFill/>
+        </p:spPr>
+        <p:txBody>
+          <a:bodyPr wrap="square" rtlCol="0">
+            <a:spAutoFit/>
+          </a:bodyPr>
+          <a:lstStyle/>
+          <a:p>
+            <a:r>
+              <a:rPr lang="de-DE" dirty="0"/>
+              <a:t>Server_</a:t>
+            </a:r>
+          </a:p>
+          <a:p>
+            <a:r>
+              <a:rPr lang="de-DE" dirty="0" err="1"/>
+              <a:t>ControlCenter</a:t>
+            </a:r>
+            <a:endParaRPr lang="de-DE" dirty="0"/>
           </a:p>
         </p:txBody>
       </p:sp>
@@ -9790,85 +9362,14 @@
       </p:grpSpPr>
       <p:sp>
         <p:nvSpPr>
-          <p:cNvPr id="113" name="TextShape 1"/>
-          <p:cNvSpPr txBox="1"/>
-          <p:nvPr/>
-        </p:nvSpPr>
-        <p:spPr>
-          <a:xfrm>
-            <a:off x="1097280" y="286560"/>
-            <a:ext cx="10058040" cy="1450440"/>
-          </a:xfrm>
-          <a:prstGeom prst="rect">
-            <a:avLst/>
-          </a:prstGeom>
-          <a:noFill/>
-          <a:ln w="0">
-            <a:noFill/>
-          </a:ln>
-        </p:spPr>
-        <p:txBody>
-          <a:bodyPr anchor="b">
-            <a:noAutofit/>
-          </a:bodyPr>
-          <a:lstStyle/>
-          <a:p>
-            <a:pPr>
-              <a:lnSpc>
-                <a:spcPct val="85000"/>
-              </a:lnSpc>
-            </a:pPr>
-            <a:r>
-              <a:rPr lang="en-US" sz="4800" b="0" strike="noStrike" spc="-52">
-                <a:solidFill>
-                  <a:srgbClr val="404040"/>
-                </a:solidFill>
-                <a:latin typeface="Calibri Light"/>
-              </a:rPr>
-              <a:t>Comprehensive Tapaal Model </a:t>
-            </a:r>
-            <a:endParaRPr lang="en-US" sz="4800" b="0" strike="noStrike" spc="-1">
-              <a:solidFill>
-                <a:srgbClr val="000000"/>
-              </a:solidFill>
-              <a:latin typeface="Calibri"/>
-            </a:endParaRPr>
-          </a:p>
-        </p:txBody>
-      </p:sp>
-      <p:pic>
-        <p:nvPicPr>
-          <p:cNvPr id="114" name="Content Placeholder 3"/>
-          <p:cNvPicPr/>
-          <p:nvPr/>
-        </p:nvPicPr>
-        <p:blipFill>
-          <a:blip r:embed="rId2"/>
-          <a:stretch/>
-        </p:blipFill>
-        <p:spPr>
-          <a:xfrm>
-            <a:off x="1690200" y="1846440"/>
-            <a:ext cx="8871480" cy="4022280"/>
-          </a:xfrm>
-          <a:prstGeom prst="rect">
-            <a:avLst/>
-          </a:prstGeom>
-          <a:ln w="0">
-            <a:noFill/>
-          </a:ln>
-        </p:spPr>
-      </p:pic>
-      <p:sp>
-        <p:nvSpPr>
-          <p:cNvPr id="115" name="CustomShape 2"/>
+          <p:cNvPr id="112" name="CustomShape 3"/>
           <p:cNvSpPr/>
           <p:nvPr/>
         </p:nvSpPr>
         <p:spPr>
           <a:xfrm>
-            <a:off x="4110840" y="5869080"/>
-            <a:ext cx="4030200" cy="364680"/>
+            <a:off x="8280" y="6488640"/>
+            <a:ext cx="1416960" cy="364680"/>
           </a:xfrm>
           <a:prstGeom prst="rect">
             <a:avLst/>
@@ -9891,63 +9392,6 @@
           <a:fontRef idx="minor"/>
         </p:style>
         <p:txBody>
-          <a:bodyPr lIns="90000" tIns="45000" rIns="90000" bIns="45000">
-            <a:spAutoFit/>
-          </a:bodyPr>
-          <a:lstStyle/>
-          <a:p>
-            <a:pPr>
-              <a:lnSpc>
-                <a:spcPct val="100000"/>
-              </a:lnSpc>
-            </a:pPr>
-            <a:r>
-              <a:rPr lang="en-US" sz="1800" b="0" strike="noStrike" spc="-1">
-                <a:solidFill>
-                  <a:srgbClr val="000000"/>
-                </a:solidFill>
-                <a:latin typeface="Calibri"/>
-              </a:rPr>
-              <a:t>Component_Initialization Server</a:t>
-            </a:r>
-            <a:endParaRPr lang="pt-BR" sz="1800" b="0" strike="noStrike" spc="-1">
-              <a:latin typeface="Arial"/>
-            </a:endParaRPr>
-          </a:p>
-        </p:txBody>
-      </p:sp>
-      <p:sp>
-        <p:nvSpPr>
-          <p:cNvPr id="116" name="CustomShape 3"/>
-          <p:cNvSpPr/>
-          <p:nvPr/>
-        </p:nvSpPr>
-        <p:spPr>
-          <a:xfrm>
-            <a:off x="8280" y="6488640"/>
-            <a:ext cx="1416960" cy="364680"/>
-          </a:xfrm>
-          <a:prstGeom prst="rect">
-            <a:avLst/>
-          </a:prstGeom>
-          <a:noFill/>
-          <a:ln w="0">
-            <a:noFill/>
-          </a:ln>
-        </p:spPr>
-        <p:style>
-          <a:lnRef idx="0">
-            <a:scrgbClr r="0" g="0" b="0"/>
-          </a:lnRef>
-          <a:fillRef idx="0">
-            <a:scrgbClr r="0" g="0" b="0"/>
-          </a:fillRef>
-          <a:effectRef idx="0">
-            <a:scrgbClr r="0" g="0" b="0"/>
-          </a:effectRef>
-          <a:fontRef idx="minor"/>
-        </p:style>
-        <p:txBody>
           <a:bodyPr wrap="none" lIns="90000" tIns="45000" rIns="90000" bIns="45000">
             <a:spAutoFit/>
           </a:bodyPr>
@@ -9973,7 +9417,321 @@
           </a:p>
         </p:txBody>
       </p:sp>
+      <p:sp>
+        <p:nvSpPr>
+          <p:cNvPr id="2" name="Rectangle 1">
+            <a:extLst>
+              <a:ext uri="{FF2B5EF4-FFF2-40B4-BE49-F238E27FC236}">
+                <a16:creationId xmlns:a16="http://schemas.microsoft.com/office/drawing/2014/main" id="{98303767-1CBA-4AB9-A3B2-A4058B23DC37}"/>
+              </a:ext>
+            </a:extLst>
+          </p:cNvPr>
+          <p:cNvSpPr/>
+          <p:nvPr/>
+        </p:nvSpPr>
+        <p:spPr>
+          <a:xfrm>
+            <a:off x="979714" y="1558212"/>
+            <a:ext cx="10478278" cy="279919"/>
+          </a:xfrm>
+          <a:prstGeom prst="rect">
+            <a:avLst/>
+          </a:prstGeom>
+          <a:solidFill>
+            <a:schemeClr val="bg1"/>
+          </a:solidFill>
+          <a:ln>
+            <a:solidFill>
+              <a:schemeClr val="bg1"/>
+            </a:solidFill>
+          </a:ln>
+        </p:spPr>
+        <p:style>
+          <a:lnRef idx="2">
+            <a:schemeClr val="accent1">
+              <a:shade val="50000"/>
+            </a:schemeClr>
+          </a:lnRef>
+          <a:fillRef idx="1">
+            <a:schemeClr val="accent1"/>
+          </a:fillRef>
+          <a:effectRef idx="0">
+            <a:schemeClr val="accent1"/>
+          </a:effectRef>
+          <a:fontRef idx="minor">
+            <a:schemeClr val="lt1"/>
+          </a:fontRef>
+        </p:style>
+        <p:txBody>
+          <a:bodyPr rtlCol="0" anchor="ctr"/>
+          <a:lstStyle/>
+          <a:p>
+            <a:pPr algn="ctr"/>
+            <a:endParaRPr lang="de-DE" dirty="0"/>
+          </a:p>
+        </p:txBody>
+      </p:sp>
+      <p:grpSp>
+        <p:nvGrpSpPr>
+          <p:cNvPr id="5" name="Group 4">
+            <a:extLst>
+              <a:ext uri="{FF2B5EF4-FFF2-40B4-BE49-F238E27FC236}">
+                <a16:creationId xmlns:a16="http://schemas.microsoft.com/office/drawing/2014/main" id="{DBC982CE-0E1C-4707-980D-F5D18156DA84}"/>
+              </a:ext>
+            </a:extLst>
+          </p:cNvPr>
+          <p:cNvGrpSpPr/>
+          <p:nvPr/>
+        </p:nvGrpSpPr>
+        <p:grpSpPr>
+          <a:xfrm>
+            <a:off x="716760" y="95664"/>
+            <a:ext cx="10245013" cy="894887"/>
+            <a:chOff x="1066980" y="3715941"/>
+            <a:chExt cx="10245013" cy="894887"/>
+          </a:xfrm>
+        </p:grpSpPr>
+        <p:sp>
+          <p:nvSpPr>
+            <p:cNvPr id="109" name="TextShape 1"/>
+            <p:cNvSpPr txBox="1"/>
+            <p:nvPr/>
+          </p:nvSpPr>
+          <p:spPr>
+            <a:xfrm>
+              <a:off x="1066980" y="3715941"/>
+              <a:ext cx="5679053" cy="894887"/>
+            </a:xfrm>
+            <a:prstGeom prst="rect">
+              <a:avLst/>
+            </a:prstGeom>
+            <a:noFill/>
+            <a:ln w="0">
+              <a:noFill/>
+            </a:ln>
+          </p:spPr>
+          <p:txBody>
+            <a:bodyPr anchor="b">
+              <a:noAutofit/>
+            </a:bodyPr>
+            <a:lstStyle/>
+            <a:p>
+              <a:pPr>
+                <a:lnSpc>
+                  <a:spcPct val="85000"/>
+                </a:lnSpc>
+              </a:pPr>
+              <a:r>
+                <a:rPr lang="en-US" sz="4800" b="0" strike="noStrike" spc="-52" dirty="0" err="1">
+                  <a:solidFill>
+                    <a:srgbClr val="404040"/>
+                  </a:solidFill>
+                  <a:latin typeface="Calibri Light"/>
+                </a:rPr>
+                <a:t>Modeling_Initialization</a:t>
+              </a:r>
+              <a:endParaRPr lang="en-US" sz="4800" b="0" strike="noStrike" spc="-1" dirty="0">
+                <a:solidFill>
+                  <a:srgbClr val="000000"/>
+                </a:solidFill>
+                <a:latin typeface="Calibri"/>
+              </a:endParaRPr>
+            </a:p>
+          </p:txBody>
+        </p:sp>
+        <p:cxnSp>
+          <p:nvCxnSpPr>
+            <p:cNvPr id="4" name="Straight Connector 3">
+              <a:extLst>
+                <a:ext uri="{FF2B5EF4-FFF2-40B4-BE49-F238E27FC236}">
+                  <a16:creationId xmlns:a16="http://schemas.microsoft.com/office/drawing/2014/main" id="{EBECC77E-6228-44C4-A714-3DB2FCD46C1E}"/>
+                </a:ext>
+              </a:extLst>
+            </p:cNvPr>
+            <p:cNvCxnSpPr/>
+            <p:nvPr/>
+          </p:nvCxnSpPr>
+          <p:spPr>
+            <a:xfrm>
+              <a:off x="1066980" y="4610828"/>
+              <a:ext cx="10245013" cy="0"/>
+            </a:xfrm>
+            <a:prstGeom prst="line">
+              <a:avLst/>
+            </a:prstGeom>
+          </p:spPr>
+          <p:style>
+            <a:lnRef idx="1">
+              <a:schemeClr val="dk1"/>
+            </a:lnRef>
+            <a:fillRef idx="0">
+              <a:schemeClr val="dk1"/>
+            </a:fillRef>
+            <a:effectRef idx="0">
+              <a:schemeClr val="dk1"/>
+            </a:effectRef>
+            <a:fontRef idx="minor">
+              <a:schemeClr val="tx1"/>
+            </a:fontRef>
+          </p:style>
+        </p:cxnSp>
+      </p:grpSp>
+      <p:pic>
+        <p:nvPicPr>
+          <p:cNvPr id="6" name="Picture 5">
+            <a:extLst>
+              <a:ext uri="{FF2B5EF4-FFF2-40B4-BE49-F238E27FC236}">
+                <a16:creationId xmlns:a16="http://schemas.microsoft.com/office/drawing/2014/main" id="{84DF69CE-8F41-4A74-AB9A-6BB5C900556A}"/>
+              </a:ext>
+            </a:extLst>
+          </p:cNvPr>
+          <p:cNvPicPr>
+            <a:picLocks noChangeAspect="1"/>
+          </p:cNvPicPr>
+          <p:nvPr/>
+        </p:nvPicPr>
+        <p:blipFill>
+          <a:blip r:embed="rId2">
+            <a:extLst>
+              <a:ext uri="{28A0092B-C50C-407E-A947-70E740481C1C}">
+                <a14:useLocalDpi xmlns:a14="http://schemas.microsoft.com/office/drawing/2010/main" val="0"/>
+              </a:ext>
+            </a:extLst>
+          </a:blip>
+          <a:stretch>
+            <a:fillRect/>
+          </a:stretch>
+        </p:blipFill>
+        <p:spPr>
+          <a:xfrm>
+            <a:off x="3238035" y="1108545"/>
+            <a:ext cx="7723738" cy="2733831"/>
+          </a:xfrm>
+          <a:prstGeom prst="rect">
+            <a:avLst/>
+          </a:prstGeom>
+        </p:spPr>
+      </p:pic>
+      <p:pic>
+        <p:nvPicPr>
+          <p:cNvPr id="8" name="Picture 7">
+            <a:extLst>
+              <a:ext uri="{FF2B5EF4-FFF2-40B4-BE49-F238E27FC236}">
+                <a16:creationId xmlns:a16="http://schemas.microsoft.com/office/drawing/2014/main" id="{7A84688D-BD99-4908-92C6-C83E9D0C0536}"/>
+              </a:ext>
+            </a:extLst>
+          </p:cNvPr>
+          <p:cNvPicPr>
+            <a:picLocks noChangeAspect="1"/>
+          </p:cNvPicPr>
+          <p:nvPr/>
+        </p:nvPicPr>
+        <p:blipFill>
+          <a:blip r:embed="rId3">
+            <a:extLst>
+              <a:ext uri="{28A0092B-C50C-407E-A947-70E740481C1C}">
+                <a14:useLocalDpi xmlns:a14="http://schemas.microsoft.com/office/drawing/2010/main" val="0"/>
+              </a:ext>
+            </a:extLst>
+          </a:blip>
+          <a:stretch>
+            <a:fillRect/>
+          </a:stretch>
+        </p:blipFill>
+        <p:spPr>
+          <a:xfrm>
+            <a:off x="3238035" y="4104539"/>
+            <a:ext cx="7723738" cy="2471183"/>
+          </a:xfrm>
+          <a:prstGeom prst="rect">
+            <a:avLst/>
+          </a:prstGeom>
+        </p:spPr>
+      </p:pic>
+      <p:sp>
+        <p:nvSpPr>
+          <p:cNvPr id="11" name="TextBox 10">
+            <a:extLst>
+              <a:ext uri="{FF2B5EF4-FFF2-40B4-BE49-F238E27FC236}">
+                <a16:creationId xmlns:a16="http://schemas.microsoft.com/office/drawing/2014/main" id="{5E0873FC-3CDE-474F-B93C-A5E13319A5C3}"/>
+              </a:ext>
+            </a:extLst>
+          </p:cNvPr>
+          <p:cNvSpPr txBox="1"/>
+          <p:nvPr/>
+        </p:nvSpPr>
+        <p:spPr>
+          <a:xfrm>
+            <a:off x="851407" y="4976622"/>
+            <a:ext cx="1670179" cy="646331"/>
+          </a:xfrm>
+          <a:prstGeom prst="rect">
+            <a:avLst/>
+          </a:prstGeom>
+          <a:noFill/>
+        </p:spPr>
+        <p:txBody>
+          <a:bodyPr wrap="square" rtlCol="0">
+            <a:spAutoFit/>
+          </a:bodyPr>
+          <a:lstStyle/>
+          <a:p>
+            <a:r>
+              <a:rPr lang="de-DE" dirty="0" err="1"/>
+              <a:t>Autonomous</a:t>
+            </a:r>
+            <a:endParaRPr lang="de-DE" dirty="0"/>
+          </a:p>
+          <a:p>
+            <a:r>
+              <a:rPr lang="de-DE" dirty="0"/>
+              <a:t>Vehicle</a:t>
+            </a:r>
+          </a:p>
+        </p:txBody>
+      </p:sp>
+      <p:sp>
+        <p:nvSpPr>
+          <p:cNvPr id="12" name="TextBox 11">
+            <a:extLst>
+              <a:ext uri="{FF2B5EF4-FFF2-40B4-BE49-F238E27FC236}">
+                <a16:creationId xmlns:a16="http://schemas.microsoft.com/office/drawing/2014/main" id="{753A301B-692C-43A6-9430-BDE55BB026F7}"/>
+              </a:ext>
+            </a:extLst>
+          </p:cNvPr>
+          <p:cNvSpPr txBox="1"/>
+          <p:nvPr/>
+        </p:nvSpPr>
+        <p:spPr>
+          <a:xfrm>
+            <a:off x="851407" y="2290794"/>
+            <a:ext cx="1670179" cy="369332"/>
+          </a:xfrm>
+          <a:prstGeom prst="rect">
+            <a:avLst/>
+          </a:prstGeom>
+          <a:noFill/>
+        </p:spPr>
+        <p:txBody>
+          <a:bodyPr wrap="square" rtlCol="0">
+            <a:spAutoFit/>
+          </a:bodyPr>
+          <a:lstStyle/>
+          <a:p>
+            <a:r>
+              <a:rPr lang="de-DE" dirty="0" err="1"/>
+              <a:t>Drones</a:t>
+            </a:r>
+            <a:endParaRPr lang="de-DE" dirty="0"/>
+          </a:p>
+        </p:txBody>
+      </p:sp>
     </p:spTree>
+    <p:extLst>
+      <p:ext uri="{BB962C8B-B14F-4D97-AF65-F5344CB8AC3E}">
+        <p14:creationId xmlns:p14="http://schemas.microsoft.com/office/powerpoint/2010/main" val="3770200435"/>
+      </p:ext>
+    </p:extLst>
   </p:cSld>
   <p:clrMapOvr>
     <a:masterClrMapping/>
@@ -10000,108 +9758,14 @@
       </p:grpSpPr>
       <p:sp>
         <p:nvSpPr>
-          <p:cNvPr id="117" name="TextShape 1"/>
-          <p:cNvSpPr txBox="1"/>
-          <p:nvPr/>
-        </p:nvSpPr>
-        <p:spPr>
-          <a:xfrm>
-            <a:off x="1097280" y="286560"/>
-            <a:ext cx="10058040" cy="1450440"/>
-          </a:xfrm>
-          <a:prstGeom prst="rect">
-            <a:avLst/>
-          </a:prstGeom>
-          <a:noFill/>
-          <a:ln w="0">
-            <a:noFill/>
-          </a:ln>
-        </p:spPr>
-        <p:txBody>
-          <a:bodyPr anchor="b">
-            <a:noAutofit/>
-          </a:bodyPr>
-          <a:lstStyle/>
-          <a:p>
-            <a:pPr>
-              <a:lnSpc>
-                <a:spcPct val="85000"/>
-              </a:lnSpc>
-            </a:pPr>
-            <a:r>
-              <a:rPr lang="en-US" sz="4800" b="0" strike="noStrike" spc="-52">
-                <a:solidFill>
-                  <a:srgbClr val="404040"/>
-                </a:solidFill>
-                <a:latin typeface="Calibri Light"/>
-              </a:rPr>
-              <a:t>Comprehensive Tapaal Model </a:t>
-            </a:r>
-            <a:endParaRPr lang="en-US" sz="4800" b="0" strike="noStrike" spc="-1">
-              <a:solidFill>
-                <a:srgbClr val="000000"/>
-              </a:solidFill>
-              <a:latin typeface="Calibri"/>
-            </a:endParaRPr>
-          </a:p>
-        </p:txBody>
-      </p:sp>
-      <p:pic>
-        <p:nvPicPr>
-          <p:cNvPr id="118" name="Content Placeholder 3"/>
-          <p:cNvPicPr/>
-          <p:nvPr/>
-        </p:nvPicPr>
-        <p:blipFill>
-          <a:blip r:embed="rId2"/>
-          <a:stretch/>
-        </p:blipFill>
-        <p:spPr>
-          <a:xfrm>
-            <a:off x="137160" y="2228400"/>
-            <a:ext cx="6059880" cy="3134160"/>
-          </a:xfrm>
-          <a:prstGeom prst="rect">
-            <a:avLst/>
-          </a:prstGeom>
-          <a:ln w="0">
-            <a:noFill/>
-          </a:ln>
-        </p:spPr>
-      </p:pic>
-      <p:pic>
-        <p:nvPicPr>
-          <p:cNvPr id="119" name="Content Placeholder 3"/>
-          <p:cNvPicPr/>
-          <p:nvPr/>
-        </p:nvPicPr>
-        <p:blipFill>
-          <a:blip r:embed="rId3"/>
-          <a:stretch/>
-        </p:blipFill>
-        <p:spPr>
-          <a:xfrm>
-            <a:off x="6126480" y="2374920"/>
-            <a:ext cx="5924520" cy="2841480"/>
-          </a:xfrm>
-          <a:prstGeom prst="rect">
-            <a:avLst/>
-          </a:prstGeom>
-          <a:ln w="0">
-            <a:noFill/>
-          </a:ln>
-        </p:spPr>
-      </p:pic>
-      <p:sp>
-        <p:nvSpPr>
-          <p:cNvPr id="120" name="CustomShape 2"/>
+          <p:cNvPr id="112" name="CustomShape 3"/>
           <p:cNvSpPr/>
           <p:nvPr/>
         </p:nvSpPr>
         <p:spPr>
           <a:xfrm>
-            <a:off x="2281680" y="5628600"/>
-            <a:ext cx="2165760" cy="364680"/>
+            <a:off x="8280" y="6488640"/>
+            <a:ext cx="1416960" cy="364680"/>
           </a:xfrm>
           <a:prstGeom prst="rect">
             <a:avLst/>
@@ -10124,120 +9788,6 @@
           <a:fontRef idx="minor"/>
         </p:style>
         <p:txBody>
-          <a:bodyPr lIns="90000" tIns="45000" rIns="90000" bIns="45000">
-            <a:spAutoFit/>
-          </a:bodyPr>
-          <a:lstStyle/>
-          <a:p>
-            <a:pPr>
-              <a:lnSpc>
-                <a:spcPct val="100000"/>
-              </a:lnSpc>
-            </a:pPr>
-            <a:r>
-              <a:rPr lang="en-US" sz="1800" b="0" strike="noStrike" spc="-1">
-                <a:solidFill>
-                  <a:srgbClr val="000000"/>
-                </a:solidFill>
-                <a:latin typeface="Calibri"/>
-              </a:rPr>
-              <a:t>Component_Drones</a:t>
-            </a:r>
-            <a:endParaRPr lang="pt-BR" sz="1800" b="0" strike="noStrike" spc="-1">
-              <a:latin typeface="Arial"/>
-            </a:endParaRPr>
-          </a:p>
-        </p:txBody>
-      </p:sp>
-      <p:sp>
-        <p:nvSpPr>
-          <p:cNvPr id="121" name="CustomShape 3"/>
-          <p:cNvSpPr/>
-          <p:nvPr/>
-        </p:nvSpPr>
-        <p:spPr>
-          <a:xfrm>
-            <a:off x="7215840" y="5484600"/>
-            <a:ext cx="3746160" cy="364680"/>
-          </a:xfrm>
-          <a:prstGeom prst="rect">
-            <a:avLst/>
-          </a:prstGeom>
-          <a:noFill/>
-          <a:ln w="0">
-            <a:noFill/>
-          </a:ln>
-        </p:spPr>
-        <p:style>
-          <a:lnRef idx="0">
-            <a:scrgbClr r="0" g="0" b="0"/>
-          </a:lnRef>
-          <a:fillRef idx="0">
-            <a:scrgbClr r="0" g="0" b="0"/>
-          </a:fillRef>
-          <a:effectRef idx="0">
-            <a:scrgbClr r="0" g="0" b="0"/>
-          </a:effectRef>
-          <a:fontRef idx="minor"/>
-        </p:style>
-        <p:txBody>
-          <a:bodyPr lIns="90000" tIns="45000" rIns="90000" bIns="45000">
-            <a:spAutoFit/>
-          </a:bodyPr>
-          <a:lstStyle/>
-          <a:p>
-            <a:pPr>
-              <a:lnSpc>
-                <a:spcPct val="100000"/>
-              </a:lnSpc>
-            </a:pPr>
-            <a:r>
-              <a:rPr lang="en-US" sz="1800" b="0" strike="noStrike" spc="-1">
-                <a:solidFill>
-                  <a:srgbClr val="000000"/>
-                </a:solidFill>
-                <a:latin typeface="Calibri"/>
-              </a:rPr>
-              <a:t>Component_Autonomous Vehicles</a:t>
-            </a:r>
-            <a:endParaRPr lang="pt-BR" sz="1800" b="0" strike="noStrike" spc="-1">
-              <a:latin typeface="Arial"/>
-            </a:endParaRPr>
-          </a:p>
-        </p:txBody>
-      </p:sp>
-      <p:sp>
-        <p:nvSpPr>
-          <p:cNvPr id="122" name="CustomShape 4"/>
-          <p:cNvSpPr/>
-          <p:nvPr/>
-        </p:nvSpPr>
-        <p:spPr>
-          <a:xfrm>
-            <a:off x="8280" y="6488640"/>
-            <a:ext cx="1416960" cy="364680"/>
-          </a:xfrm>
-          <a:prstGeom prst="rect">
-            <a:avLst/>
-          </a:prstGeom>
-          <a:noFill/>
-          <a:ln w="0">
-            <a:noFill/>
-          </a:ln>
-        </p:spPr>
-        <p:style>
-          <a:lnRef idx="0">
-            <a:scrgbClr r="0" g="0" b="0"/>
-          </a:lnRef>
-          <a:fillRef idx="0">
-            <a:scrgbClr r="0" g="0" b="0"/>
-          </a:fillRef>
-          <a:effectRef idx="0">
-            <a:scrgbClr r="0" g="0" b="0"/>
-          </a:effectRef>
-          <a:fontRef idx="minor"/>
-        </p:style>
-        <p:txBody>
           <a:bodyPr wrap="none" lIns="90000" tIns="45000" rIns="90000" bIns="45000">
             <a:spAutoFit/>
           </a:bodyPr>
@@ -10263,7 +9813,327 @@
           </a:p>
         </p:txBody>
       </p:sp>
+      <p:sp>
+        <p:nvSpPr>
+          <p:cNvPr id="2" name="Rectangle 1">
+            <a:extLst>
+              <a:ext uri="{FF2B5EF4-FFF2-40B4-BE49-F238E27FC236}">
+                <a16:creationId xmlns:a16="http://schemas.microsoft.com/office/drawing/2014/main" id="{98303767-1CBA-4AB9-A3B2-A4058B23DC37}"/>
+              </a:ext>
+            </a:extLst>
+          </p:cNvPr>
+          <p:cNvSpPr/>
+          <p:nvPr/>
+        </p:nvSpPr>
+        <p:spPr>
+          <a:xfrm>
+            <a:off x="979714" y="1558212"/>
+            <a:ext cx="10478278" cy="279919"/>
+          </a:xfrm>
+          <a:prstGeom prst="rect">
+            <a:avLst/>
+          </a:prstGeom>
+          <a:solidFill>
+            <a:schemeClr val="bg1"/>
+          </a:solidFill>
+          <a:ln>
+            <a:solidFill>
+              <a:schemeClr val="bg1"/>
+            </a:solidFill>
+          </a:ln>
+        </p:spPr>
+        <p:style>
+          <a:lnRef idx="2">
+            <a:schemeClr val="accent1">
+              <a:shade val="50000"/>
+            </a:schemeClr>
+          </a:lnRef>
+          <a:fillRef idx="1">
+            <a:schemeClr val="accent1"/>
+          </a:fillRef>
+          <a:effectRef idx="0">
+            <a:schemeClr val="accent1"/>
+          </a:effectRef>
+          <a:fontRef idx="minor">
+            <a:schemeClr val="lt1"/>
+          </a:fontRef>
+        </p:style>
+        <p:txBody>
+          <a:bodyPr rtlCol="0" anchor="ctr"/>
+          <a:lstStyle/>
+          <a:p>
+            <a:pPr algn="ctr"/>
+            <a:endParaRPr lang="de-DE" dirty="0"/>
+          </a:p>
+        </p:txBody>
+      </p:sp>
+      <p:grpSp>
+        <p:nvGrpSpPr>
+          <p:cNvPr id="5" name="Group 4">
+            <a:extLst>
+              <a:ext uri="{FF2B5EF4-FFF2-40B4-BE49-F238E27FC236}">
+                <a16:creationId xmlns:a16="http://schemas.microsoft.com/office/drawing/2014/main" id="{DBC982CE-0E1C-4707-980D-F5D18156DA84}"/>
+              </a:ext>
+            </a:extLst>
+          </p:cNvPr>
+          <p:cNvGrpSpPr/>
+          <p:nvPr/>
+        </p:nvGrpSpPr>
+        <p:grpSpPr>
+          <a:xfrm>
+            <a:off x="716760" y="95664"/>
+            <a:ext cx="10245013" cy="894887"/>
+            <a:chOff x="1066980" y="3715941"/>
+            <a:chExt cx="10245013" cy="894887"/>
+          </a:xfrm>
+        </p:grpSpPr>
+        <p:sp>
+          <p:nvSpPr>
+            <p:cNvPr id="109" name="TextShape 1"/>
+            <p:cNvSpPr txBox="1"/>
+            <p:nvPr/>
+          </p:nvSpPr>
+          <p:spPr>
+            <a:xfrm>
+              <a:off x="1066980" y="3715941"/>
+              <a:ext cx="5679053" cy="894887"/>
+            </a:xfrm>
+            <a:prstGeom prst="rect">
+              <a:avLst/>
+            </a:prstGeom>
+            <a:noFill/>
+            <a:ln w="0">
+              <a:noFill/>
+            </a:ln>
+          </p:spPr>
+          <p:txBody>
+            <a:bodyPr anchor="b">
+              <a:noAutofit/>
+            </a:bodyPr>
+            <a:lstStyle/>
+            <a:p>
+              <a:pPr>
+                <a:lnSpc>
+                  <a:spcPct val="85000"/>
+                </a:lnSpc>
+              </a:pPr>
+              <a:r>
+                <a:rPr lang="en-US" sz="4800" b="0" strike="noStrike" spc="-52" dirty="0" err="1">
+                  <a:solidFill>
+                    <a:srgbClr val="404040"/>
+                  </a:solidFill>
+                  <a:latin typeface="Calibri Light"/>
+                </a:rPr>
+                <a:t>Modeling_Functionals</a:t>
+              </a:r>
+              <a:endParaRPr lang="en-US" sz="4800" b="0" strike="noStrike" spc="-1" dirty="0">
+                <a:solidFill>
+                  <a:srgbClr val="000000"/>
+                </a:solidFill>
+                <a:latin typeface="Calibri"/>
+              </a:endParaRPr>
+            </a:p>
+          </p:txBody>
+        </p:sp>
+        <p:cxnSp>
+          <p:nvCxnSpPr>
+            <p:cNvPr id="4" name="Straight Connector 3">
+              <a:extLst>
+                <a:ext uri="{FF2B5EF4-FFF2-40B4-BE49-F238E27FC236}">
+                  <a16:creationId xmlns:a16="http://schemas.microsoft.com/office/drawing/2014/main" id="{EBECC77E-6228-44C4-A714-3DB2FCD46C1E}"/>
+                </a:ext>
+              </a:extLst>
+            </p:cNvPr>
+            <p:cNvCxnSpPr/>
+            <p:nvPr/>
+          </p:nvCxnSpPr>
+          <p:spPr>
+            <a:xfrm>
+              <a:off x="1066980" y="4610828"/>
+              <a:ext cx="10245013" cy="0"/>
+            </a:xfrm>
+            <a:prstGeom prst="line">
+              <a:avLst/>
+            </a:prstGeom>
+          </p:spPr>
+          <p:style>
+            <a:lnRef idx="1">
+              <a:schemeClr val="dk1"/>
+            </a:lnRef>
+            <a:fillRef idx="0">
+              <a:schemeClr val="dk1"/>
+            </a:fillRef>
+            <a:effectRef idx="0">
+              <a:schemeClr val="dk1"/>
+            </a:effectRef>
+            <a:fontRef idx="minor">
+              <a:schemeClr val="tx1"/>
+            </a:fontRef>
+          </p:style>
+        </p:cxnSp>
+      </p:grpSp>
+      <p:pic>
+        <p:nvPicPr>
+          <p:cNvPr id="6" name="Picture 5">
+            <a:extLst>
+              <a:ext uri="{FF2B5EF4-FFF2-40B4-BE49-F238E27FC236}">
+                <a16:creationId xmlns:a16="http://schemas.microsoft.com/office/drawing/2014/main" id="{FFD769EB-C5BD-4568-94D0-79EAFE1AC6D1}"/>
+              </a:ext>
+            </a:extLst>
+          </p:cNvPr>
+          <p:cNvPicPr>
+            <a:picLocks noChangeAspect="1"/>
+          </p:cNvPicPr>
+          <p:nvPr/>
+        </p:nvPicPr>
+        <p:blipFill>
+          <a:blip r:embed="rId2">
+            <a:extLst>
+              <a:ext uri="{28A0092B-C50C-407E-A947-70E740481C1C}">
+                <a14:useLocalDpi xmlns:a14="http://schemas.microsoft.com/office/drawing/2010/main" val="0"/>
+              </a:ext>
+            </a:extLst>
+          </a:blip>
+          <a:stretch>
+            <a:fillRect/>
+          </a:stretch>
+        </p:blipFill>
+        <p:spPr>
+          <a:xfrm>
+            <a:off x="3742255" y="1089623"/>
+            <a:ext cx="7470031" cy="2459578"/>
+          </a:xfrm>
+          <a:prstGeom prst="rect">
+            <a:avLst/>
+          </a:prstGeom>
+        </p:spPr>
+      </p:pic>
+      <p:pic>
+        <p:nvPicPr>
+          <p:cNvPr id="8" name="Picture 7">
+            <a:extLst>
+              <a:ext uri="{FF2B5EF4-FFF2-40B4-BE49-F238E27FC236}">
+                <a16:creationId xmlns:a16="http://schemas.microsoft.com/office/drawing/2014/main" id="{7099E94B-F3F9-4AF8-94A5-EAA5511B64F8}"/>
+              </a:ext>
+            </a:extLst>
+          </p:cNvPr>
+          <p:cNvPicPr>
+            <a:picLocks noChangeAspect="1"/>
+          </p:cNvPicPr>
+          <p:nvPr/>
+        </p:nvPicPr>
+        <p:blipFill>
+          <a:blip r:embed="rId3">
+            <a:extLst>
+              <a:ext uri="{28A0092B-C50C-407E-A947-70E740481C1C}">
+                <a14:useLocalDpi xmlns:a14="http://schemas.microsoft.com/office/drawing/2010/main" val="0"/>
+              </a:ext>
+            </a:extLst>
+          </a:blip>
+          <a:stretch>
+            <a:fillRect/>
+          </a:stretch>
+        </p:blipFill>
+        <p:spPr>
+          <a:xfrm>
+            <a:off x="3742255" y="3807219"/>
+            <a:ext cx="7437810" cy="2787165"/>
+          </a:xfrm>
+          <a:prstGeom prst="rect">
+            <a:avLst/>
+          </a:prstGeom>
+        </p:spPr>
+      </p:pic>
+      <p:sp>
+        <p:nvSpPr>
+          <p:cNvPr id="11" name="TextBox 10">
+            <a:extLst>
+              <a:ext uri="{FF2B5EF4-FFF2-40B4-BE49-F238E27FC236}">
+                <a16:creationId xmlns:a16="http://schemas.microsoft.com/office/drawing/2014/main" id="{0B86D1A4-5A05-4454-A007-D90DDAA0DB0C}"/>
+              </a:ext>
+            </a:extLst>
+          </p:cNvPr>
+          <p:cNvSpPr txBox="1"/>
+          <p:nvPr/>
+        </p:nvSpPr>
+        <p:spPr>
+          <a:xfrm>
+            <a:off x="590150" y="2131310"/>
+            <a:ext cx="1670179" cy="646331"/>
+          </a:xfrm>
+          <a:prstGeom prst="rect">
+            <a:avLst/>
+          </a:prstGeom>
+          <a:noFill/>
+        </p:spPr>
+        <p:txBody>
+          <a:bodyPr wrap="square" rtlCol="0">
+            <a:spAutoFit/>
+          </a:bodyPr>
+          <a:lstStyle/>
+          <a:p>
+            <a:r>
+              <a:rPr lang="de-DE" dirty="0"/>
+              <a:t>Farmer_</a:t>
+            </a:r>
+          </a:p>
+          <a:p>
+            <a:r>
+              <a:rPr lang="de-DE" dirty="0" err="1"/>
+              <a:t>ControlPanel</a:t>
+            </a:r>
+            <a:endParaRPr lang="de-DE" dirty="0"/>
+          </a:p>
+        </p:txBody>
+      </p:sp>
+      <p:sp>
+        <p:nvSpPr>
+          <p:cNvPr id="12" name="TextBox 11">
+            <a:extLst>
+              <a:ext uri="{FF2B5EF4-FFF2-40B4-BE49-F238E27FC236}">
+                <a16:creationId xmlns:a16="http://schemas.microsoft.com/office/drawing/2014/main" id="{321FEB39-EEB2-4143-B365-520B5555829A}"/>
+              </a:ext>
+            </a:extLst>
+          </p:cNvPr>
+          <p:cNvSpPr txBox="1"/>
+          <p:nvPr/>
+        </p:nvSpPr>
+        <p:spPr>
+          <a:xfrm>
+            <a:off x="530220" y="4813423"/>
+            <a:ext cx="1670179" cy="646331"/>
+          </a:xfrm>
+          <a:prstGeom prst="rect">
+            <a:avLst/>
+          </a:prstGeom>
+          <a:noFill/>
+        </p:spPr>
+        <p:txBody>
+          <a:bodyPr wrap="square" rtlCol="0">
+            <a:spAutoFit/>
+          </a:bodyPr>
+          <a:lstStyle/>
+          <a:p>
+            <a:r>
+              <a:rPr lang="de-DE" dirty="0"/>
+              <a:t>Server_</a:t>
+            </a:r>
+          </a:p>
+          <a:p>
+            <a:r>
+              <a:rPr lang="de-DE" dirty="0" err="1"/>
+              <a:t>ControlCenter</a:t>
+            </a:r>
+            <a:endParaRPr lang="de-DE" dirty="0"/>
+          </a:p>
+        </p:txBody>
+      </p:sp>
     </p:spTree>
+    <p:extLst>
+      <p:ext uri="{BB962C8B-B14F-4D97-AF65-F5344CB8AC3E}">
+        <p14:creationId xmlns:p14="http://schemas.microsoft.com/office/powerpoint/2010/main" val="3214898873"/>
+      </p:ext>
+    </p:extLst>
   </p:cSld>
   <p:clrMapOvr>
     <a:masterClrMapping/>
@@ -10290,85 +10160,14 @@
       </p:grpSpPr>
       <p:sp>
         <p:nvSpPr>
-          <p:cNvPr id="123" name="TextShape 1"/>
-          <p:cNvSpPr txBox="1"/>
-          <p:nvPr/>
-        </p:nvSpPr>
-        <p:spPr>
-          <a:xfrm>
-            <a:off x="1097280" y="286560"/>
-            <a:ext cx="10058040" cy="1450440"/>
-          </a:xfrm>
-          <a:prstGeom prst="rect">
-            <a:avLst/>
-          </a:prstGeom>
-          <a:noFill/>
-          <a:ln w="0">
-            <a:noFill/>
-          </a:ln>
-        </p:spPr>
-        <p:txBody>
-          <a:bodyPr anchor="b">
-            <a:noAutofit/>
-          </a:bodyPr>
-          <a:lstStyle/>
-          <a:p>
-            <a:pPr>
-              <a:lnSpc>
-                <a:spcPct val="85000"/>
-              </a:lnSpc>
-            </a:pPr>
-            <a:r>
-              <a:rPr lang="en-US" sz="4800" b="0" strike="noStrike" spc="-52">
-                <a:solidFill>
-                  <a:srgbClr val="404040"/>
-                </a:solidFill>
-                <a:latin typeface="Calibri Light"/>
-              </a:rPr>
-              <a:t>Comprehensive Tapaal Model </a:t>
-            </a:r>
-            <a:endParaRPr lang="en-US" sz="4800" b="0" strike="noStrike" spc="-1">
-              <a:solidFill>
-                <a:srgbClr val="000000"/>
-              </a:solidFill>
-              <a:latin typeface="Calibri"/>
-            </a:endParaRPr>
-          </a:p>
-        </p:txBody>
-      </p:sp>
-      <p:pic>
-        <p:nvPicPr>
-          <p:cNvPr id="124" name="Content Placeholder 5"/>
-          <p:cNvPicPr/>
-          <p:nvPr/>
-        </p:nvPicPr>
-        <p:blipFill>
-          <a:blip r:embed="rId2"/>
-          <a:stretch/>
-        </p:blipFill>
-        <p:spPr>
-          <a:xfrm>
-            <a:off x="2976480" y="1846440"/>
-            <a:ext cx="6298560" cy="4022280"/>
-          </a:xfrm>
-          <a:prstGeom prst="rect">
-            <a:avLst/>
-          </a:prstGeom>
-          <a:ln w="0">
-            <a:noFill/>
-          </a:ln>
-        </p:spPr>
-      </p:pic>
-      <p:sp>
-        <p:nvSpPr>
-          <p:cNvPr id="125" name="CustomShape 2"/>
+          <p:cNvPr id="112" name="CustomShape 3"/>
           <p:cNvSpPr/>
           <p:nvPr/>
         </p:nvSpPr>
         <p:spPr>
           <a:xfrm>
-            <a:off x="4643640" y="5869080"/>
-            <a:ext cx="4030200" cy="364680"/>
+            <a:off x="8280" y="6488640"/>
+            <a:ext cx="1416960" cy="364680"/>
           </a:xfrm>
           <a:prstGeom prst="rect">
             <a:avLst/>
@@ -10391,63 +10190,6 @@
           <a:fontRef idx="minor"/>
         </p:style>
         <p:txBody>
-          <a:bodyPr lIns="90000" tIns="45000" rIns="90000" bIns="45000">
-            <a:spAutoFit/>
-          </a:bodyPr>
-          <a:lstStyle/>
-          <a:p>
-            <a:pPr>
-              <a:lnSpc>
-                <a:spcPct val="100000"/>
-              </a:lnSpc>
-            </a:pPr>
-            <a:r>
-              <a:rPr lang="en-US" sz="1800" b="0" strike="noStrike" spc="-1">
-                <a:solidFill>
-                  <a:srgbClr val="000000"/>
-                </a:solidFill>
-                <a:latin typeface="Calibri"/>
-              </a:rPr>
-              <a:t>Component_Cloud</a:t>
-            </a:r>
-            <a:endParaRPr lang="pt-BR" sz="1800" b="0" strike="noStrike" spc="-1">
-              <a:latin typeface="Arial"/>
-            </a:endParaRPr>
-          </a:p>
-        </p:txBody>
-      </p:sp>
-      <p:sp>
-        <p:nvSpPr>
-          <p:cNvPr id="126" name="CustomShape 3"/>
-          <p:cNvSpPr/>
-          <p:nvPr/>
-        </p:nvSpPr>
-        <p:spPr>
-          <a:xfrm>
-            <a:off x="8280" y="6488640"/>
-            <a:ext cx="1416960" cy="364680"/>
-          </a:xfrm>
-          <a:prstGeom prst="rect">
-            <a:avLst/>
-          </a:prstGeom>
-          <a:noFill/>
-          <a:ln w="0">
-            <a:noFill/>
-          </a:ln>
-        </p:spPr>
-        <p:style>
-          <a:lnRef idx="0">
-            <a:scrgbClr r="0" g="0" b="0"/>
-          </a:lnRef>
-          <a:fillRef idx="0">
-            <a:scrgbClr r="0" g="0" b="0"/>
-          </a:fillRef>
-          <a:effectRef idx="0">
-            <a:scrgbClr r="0" g="0" b="0"/>
-          </a:effectRef>
-          <a:fontRef idx="minor"/>
-        </p:style>
-        <p:txBody>
           <a:bodyPr wrap="none" lIns="90000" tIns="45000" rIns="90000" bIns="45000">
             <a:spAutoFit/>
           </a:bodyPr>
@@ -10473,7 +10215,321 @@
           </a:p>
         </p:txBody>
       </p:sp>
+      <p:sp>
+        <p:nvSpPr>
+          <p:cNvPr id="2" name="Rectangle 1">
+            <a:extLst>
+              <a:ext uri="{FF2B5EF4-FFF2-40B4-BE49-F238E27FC236}">
+                <a16:creationId xmlns:a16="http://schemas.microsoft.com/office/drawing/2014/main" id="{98303767-1CBA-4AB9-A3B2-A4058B23DC37}"/>
+              </a:ext>
+            </a:extLst>
+          </p:cNvPr>
+          <p:cNvSpPr/>
+          <p:nvPr/>
+        </p:nvSpPr>
+        <p:spPr>
+          <a:xfrm>
+            <a:off x="979714" y="1558212"/>
+            <a:ext cx="10478278" cy="279919"/>
+          </a:xfrm>
+          <a:prstGeom prst="rect">
+            <a:avLst/>
+          </a:prstGeom>
+          <a:solidFill>
+            <a:schemeClr val="bg1"/>
+          </a:solidFill>
+          <a:ln>
+            <a:solidFill>
+              <a:schemeClr val="bg1"/>
+            </a:solidFill>
+          </a:ln>
+        </p:spPr>
+        <p:style>
+          <a:lnRef idx="2">
+            <a:schemeClr val="accent1">
+              <a:shade val="50000"/>
+            </a:schemeClr>
+          </a:lnRef>
+          <a:fillRef idx="1">
+            <a:schemeClr val="accent1"/>
+          </a:fillRef>
+          <a:effectRef idx="0">
+            <a:schemeClr val="accent1"/>
+          </a:effectRef>
+          <a:fontRef idx="minor">
+            <a:schemeClr val="lt1"/>
+          </a:fontRef>
+        </p:style>
+        <p:txBody>
+          <a:bodyPr rtlCol="0" anchor="ctr"/>
+          <a:lstStyle/>
+          <a:p>
+            <a:pPr algn="ctr"/>
+            <a:endParaRPr lang="de-DE" dirty="0"/>
+          </a:p>
+        </p:txBody>
+      </p:sp>
+      <p:grpSp>
+        <p:nvGrpSpPr>
+          <p:cNvPr id="5" name="Group 4">
+            <a:extLst>
+              <a:ext uri="{FF2B5EF4-FFF2-40B4-BE49-F238E27FC236}">
+                <a16:creationId xmlns:a16="http://schemas.microsoft.com/office/drawing/2014/main" id="{DBC982CE-0E1C-4707-980D-F5D18156DA84}"/>
+              </a:ext>
+            </a:extLst>
+          </p:cNvPr>
+          <p:cNvGrpSpPr/>
+          <p:nvPr/>
+        </p:nvGrpSpPr>
+        <p:grpSpPr>
+          <a:xfrm>
+            <a:off x="716760" y="95664"/>
+            <a:ext cx="10245013" cy="894887"/>
+            <a:chOff x="1066980" y="3715941"/>
+            <a:chExt cx="10245013" cy="894887"/>
+          </a:xfrm>
+        </p:grpSpPr>
+        <p:sp>
+          <p:nvSpPr>
+            <p:cNvPr id="109" name="TextShape 1"/>
+            <p:cNvSpPr txBox="1"/>
+            <p:nvPr/>
+          </p:nvSpPr>
+          <p:spPr>
+            <a:xfrm>
+              <a:off x="1066980" y="3715941"/>
+              <a:ext cx="5679053" cy="894887"/>
+            </a:xfrm>
+            <a:prstGeom prst="rect">
+              <a:avLst/>
+            </a:prstGeom>
+            <a:noFill/>
+            <a:ln w="0">
+              <a:noFill/>
+            </a:ln>
+          </p:spPr>
+          <p:txBody>
+            <a:bodyPr anchor="b">
+              <a:noAutofit/>
+            </a:bodyPr>
+            <a:lstStyle/>
+            <a:p>
+              <a:pPr>
+                <a:lnSpc>
+                  <a:spcPct val="85000"/>
+                </a:lnSpc>
+              </a:pPr>
+              <a:r>
+                <a:rPr lang="en-US" sz="4800" b="0" strike="noStrike" spc="-52" dirty="0" err="1">
+                  <a:solidFill>
+                    <a:srgbClr val="404040"/>
+                  </a:solidFill>
+                  <a:latin typeface="Calibri Light"/>
+                </a:rPr>
+                <a:t>Modeling_Functionals</a:t>
+              </a:r>
+              <a:endParaRPr lang="en-US" sz="4800" b="0" strike="noStrike" spc="-1" dirty="0">
+                <a:solidFill>
+                  <a:srgbClr val="000000"/>
+                </a:solidFill>
+                <a:latin typeface="Calibri"/>
+              </a:endParaRPr>
+            </a:p>
+          </p:txBody>
+        </p:sp>
+        <p:cxnSp>
+          <p:nvCxnSpPr>
+            <p:cNvPr id="4" name="Straight Connector 3">
+              <a:extLst>
+                <a:ext uri="{FF2B5EF4-FFF2-40B4-BE49-F238E27FC236}">
+                  <a16:creationId xmlns:a16="http://schemas.microsoft.com/office/drawing/2014/main" id="{EBECC77E-6228-44C4-A714-3DB2FCD46C1E}"/>
+                </a:ext>
+              </a:extLst>
+            </p:cNvPr>
+            <p:cNvCxnSpPr/>
+            <p:nvPr/>
+          </p:nvCxnSpPr>
+          <p:spPr>
+            <a:xfrm>
+              <a:off x="1066980" y="4610828"/>
+              <a:ext cx="10245013" cy="0"/>
+            </a:xfrm>
+            <a:prstGeom prst="line">
+              <a:avLst/>
+            </a:prstGeom>
+          </p:spPr>
+          <p:style>
+            <a:lnRef idx="1">
+              <a:schemeClr val="dk1"/>
+            </a:lnRef>
+            <a:fillRef idx="0">
+              <a:schemeClr val="dk1"/>
+            </a:fillRef>
+            <a:effectRef idx="0">
+              <a:schemeClr val="dk1"/>
+            </a:effectRef>
+            <a:fontRef idx="minor">
+              <a:schemeClr val="tx1"/>
+            </a:fontRef>
+          </p:style>
+        </p:cxnSp>
+      </p:grpSp>
+      <p:pic>
+        <p:nvPicPr>
+          <p:cNvPr id="6" name="Picture 5">
+            <a:extLst>
+              <a:ext uri="{FF2B5EF4-FFF2-40B4-BE49-F238E27FC236}">
+                <a16:creationId xmlns:a16="http://schemas.microsoft.com/office/drawing/2014/main" id="{889A6E23-3F55-45A8-B168-F56DBEB4BFFF}"/>
+              </a:ext>
+            </a:extLst>
+          </p:cNvPr>
+          <p:cNvPicPr>
+            <a:picLocks noChangeAspect="1"/>
+          </p:cNvPicPr>
+          <p:nvPr/>
+        </p:nvPicPr>
+        <p:blipFill>
+          <a:blip r:embed="rId2">
+            <a:extLst>
+              <a:ext uri="{28A0092B-C50C-407E-A947-70E740481C1C}">
+                <a14:useLocalDpi xmlns:a14="http://schemas.microsoft.com/office/drawing/2010/main" val="0"/>
+              </a:ext>
+            </a:extLst>
+          </a:blip>
+          <a:stretch>
+            <a:fillRect/>
+          </a:stretch>
+        </p:blipFill>
+        <p:spPr>
+          <a:xfrm>
+            <a:off x="2394144" y="1405170"/>
+            <a:ext cx="9173898" cy="2126733"/>
+          </a:xfrm>
+          <a:prstGeom prst="rect">
+            <a:avLst/>
+          </a:prstGeom>
+        </p:spPr>
+      </p:pic>
+      <p:pic>
+        <p:nvPicPr>
+          <p:cNvPr id="8" name="Picture 7">
+            <a:extLst>
+              <a:ext uri="{FF2B5EF4-FFF2-40B4-BE49-F238E27FC236}">
+                <a16:creationId xmlns:a16="http://schemas.microsoft.com/office/drawing/2014/main" id="{94394FE0-729F-40F3-963B-76D5C85A1602}"/>
+              </a:ext>
+            </a:extLst>
+          </p:cNvPr>
+          <p:cNvPicPr>
+            <a:picLocks noChangeAspect="1"/>
+          </p:cNvPicPr>
+          <p:nvPr/>
+        </p:nvPicPr>
+        <p:blipFill>
+          <a:blip r:embed="rId3">
+            <a:extLst>
+              <a:ext uri="{28A0092B-C50C-407E-A947-70E740481C1C}">
+                <a14:useLocalDpi xmlns:a14="http://schemas.microsoft.com/office/drawing/2010/main" val="0"/>
+              </a:ext>
+            </a:extLst>
+          </a:blip>
+          <a:stretch>
+            <a:fillRect/>
+          </a:stretch>
+        </p:blipFill>
+        <p:spPr>
+          <a:xfrm>
+            <a:off x="2394143" y="3858945"/>
+            <a:ext cx="9207707" cy="2198764"/>
+          </a:xfrm>
+          <a:prstGeom prst="rect">
+            <a:avLst/>
+          </a:prstGeom>
+        </p:spPr>
+      </p:pic>
+      <p:sp>
+        <p:nvSpPr>
+          <p:cNvPr id="11" name="TextBox 10">
+            <a:extLst>
+              <a:ext uri="{FF2B5EF4-FFF2-40B4-BE49-F238E27FC236}">
+                <a16:creationId xmlns:a16="http://schemas.microsoft.com/office/drawing/2014/main" id="{6AF5BD1D-C6A2-44C9-9DA8-59154648ED84}"/>
+              </a:ext>
+            </a:extLst>
+          </p:cNvPr>
+          <p:cNvSpPr txBox="1"/>
+          <p:nvPr/>
+        </p:nvSpPr>
+        <p:spPr>
+          <a:xfrm>
+            <a:off x="590150" y="4976622"/>
+            <a:ext cx="1670179" cy="646331"/>
+          </a:xfrm>
+          <a:prstGeom prst="rect">
+            <a:avLst/>
+          </a:prstGeom>
+          <a:noFill/>
+        </p:spPr>
+        <p:txBody>
+          <a:bodyPr wrap="square" rtlCol="0">
+            <a:spAutoFit/>
+          </a:bodyPr>
+          <a:lstStyle/>
+          <a:p>
+            <a:r>
+              <a:rPr lang="de-DE" dirty="0" err="1"/>
+              <a:t>Autonomous</a:t>
+            </a:r>
+            <a:endParaRPr lang="de-DE" dirty="0"/>
+          </a:p>
+          <a:p>
+            <a:r>
+              <a:rPr lang="de-DE" dirty="0"/>
+              <a:t>Vehicle</a:t>
+            </a:r>
+          </a:p>
+        </p:txBody>
+      </p:sp>
+      <p:sp>
+        <p:nvSpPr>
+          <p:cNvPr id="12" name="TextBox 11">
+            <a:extLst>
+              <a:ext uri="{FF2B5EF4-FFF2-40B4-BE49-F238E27FC236}">
+                <a16:creationId xmlns:a16="http://schemas.microsoft.com/office/drawing/2014/main" id="{57C299A1-6320-4750-8716-B195359DFC82}"/>
+              </a:ext>
+            </a:extLst>
+          </p:cNvPr>
+          <p:cNvSpPr txBox="1"/>
+          <p:nvPr/>
+        </p:nvSpPr>
+        <p:spPr>
+          <a:xfrm>
+            <a:off x="851407" y="2290794"/>
+            <a:ext cx="1670179" cy="369332"/>
+          </a:xfrm>
+          <a:prstGeom prst="rect">
+            <a:avLst/>
+          </a:prstGeom>
+          <a:noFill/>
+        </p:spPr>
+        <p:txBody>
+          <a:bodyPr wrap="square" rtlCol="0">
+            <a:spAutoFit/>
+          </a:bodyPr>
+          <a:lstStyle/>
+          <a:p>
+            <a:r>
+              <a:rPr lang="de-DE" dirty="0" err="1"/>
+              <a:t>Drones</a:t>
+            </a:r>
+            <a:endParaRPr lang="de-DE" dirty="0"/>
+          </a:p>
+        </p:txBody>
+      </p:sp>
     </p:spTree>
+    <p:extLst>
+      <p:ext uri="{BB962C8B-B14F-4D97-AF65-F5344CB8AC3E}">
+        <p14:creationId xmlns:p14="http://schemas.microsoft.com/office/powerpoint/2010/main" val="3851217861"/>
+      </p:ext>
+    </p:extLst>
   </p:cSld>
   <p:clrMapOvr>
     <a:masterClrMapping/>
@@ -10500,85 +10556,68 @@
       </p:grpSpPr>
       <p:sp>
         <p:nvSpPr>
-          <p:cNvPr id="127" name="TextShape 1"/>
-          <p:cNvSpPr txBox="1"/>
-          <p:nvPr/>
-        </p:nvSpPr>
-        <p:spPr>
-          <a:xfrm>
-            <a:off x="1097280" y="286560"/>
-            <a:ext cx="10058040" cy="1450440"/>
-          </a:xfrm>
-          <a:prstGeom prst="rect">
-            <a:avLst/>
-          </a:prstGeom>
-          <a:noFill/>
-          <a:ln w="0">
-            <a:noFill/>
-          </a:ln>
-        </p:spPr>
-        <p:txBody>
-          <a:bodyPr anchor="b">
-            <a:noAutofit/>
-          </a:bodyPr>
-          <a:lstStyle/>
-          <a:p>
-            <a:pPr>
-              <a:lnSpc>
-                <a:spcPct val="85000"/>
-              </a:lnSpc>
-            </a:pPr>
-            <a:r>
-              <a:rPr lang="en-US" sz="4800" b="0" strike="noStrike" spc="-52">
-                <a:solidFill>
-                  <a:srgbClr val="404040"/>
-                </a:solidFill>
-                <a:latin typeface="Calibri Light"/>
-              </a:rPr>
-              <a:t>Comprehensive Tapaal Model </a:t>
-            </a:r>
-            <a:endParaRPr lang="en-US" sz="4800" b="0" strike="noStrike" spc="-1">
-              <a:solidFill>
-                <a:srgbClr val="000000"/>
-              </a:solidFill>
-              <a:latin typeface="Calibri"/>
-            </a:endParaRPr>
-          </a:p>
-        </p:txBody>
-      </p:sp>
-      <p:pic>
-        <p:nvPicPr>
-          <p:cNvPr id="128" name="Content Placeholder 5"/>
-          <p:cNvPicPr/>
-          <p:nvPr/>
-        </p:nvPicPr>
-        <p:blipFill>
-          <a:blip r:embed="rId2"/>
-          <a:stretch/>
-        </p:blipFill>
-        <p:spPr>
-          <a:xfrm>
-            <a:off x="2221920" y="1846440"/>
-            <a:ext cx="7807680" cy="4022280"/>
-          </a:xfrm>
-          <a:prstGeom prst="rect">
-            <a:avLst/>
-          </a:prstGeom>
-          <a:ln w="0">
-            <a:noFill/>
-          </a:ln>
-        </p:spPr>
-      </p:pic>
-      <p:sp>
-        <p:nvSpPr>
-          <p:cNvPr id="129" name="CustomShape 2"/>
+          <p:cNvPr id="13" name="Rectangle 12">
+            <a:extLst>
+              <a:ext uri="{FF2B5EF4-FFF2-40B4-BE49-F238E27FC236}">
+                <a16:creationId xmlns:a16="http://schemas.microsoft.com/office/drawing/2014/main" id="{0F4AE681-AFB0-4034-B154-82628C15D5CB}"/>
+              </a:ext>
+            </a:extLst>
+          </p:cNvPr>
           <p:cNvSpPr/>
           <p:nvPr/>
         </p:nvSpPr>
         <p:spPr>
           <a:xfrm>
-            <a:off x="4687920" y="5793120"/>
-            <a:ext cx="4030200" cy="364680"/>
+            <a:off x="856861" y="1651457"/>
+            <a:ext cx="10478278" cy="279919"/>
+          </a:xfrm>
+          <a:prstGeom prst="rect">
+            <a:avLst/>
+          </a:prstGeom>
+          <a:solidFill>
+            <a:schemeClr val="bg1"/>
+          </a:solidFill>
+          <a:ln>
+            <a:solidFill>
+              <a:schemeClr val="bg1"/>
+            </a:solidFill>
+          </a:ln>
+        </p:spPr>
+        <p:style>
+          <a:lnRef idx="2">
+            <a:schemeClr val="accent1">
+              <a:shade val="50000"/>
+            </a:schemeClr>
+          </a:lnRef>
+          <a:fillRef idx="1">
+            <a:schemeClr val="accent1"/>
+          </a:fillRef>
+          <a:effectRef idx="0">
+            <a:schemeClr val="accent1"/>
+          </a:effectRef>
+          <a:fontRef idx="minor">
+            <a:schemeClr val="lt1"/>
+          </a:fontRef>
+        </p:style>
+        <p:txBody>
+          <a:bodyPr rtlCol="0" anchor="ctr"/>
+          <a:lstStyle/>
+          <a:p>
+            <a:pPr algn="ctr"/>
+            <a:endParaRPr lang="de-DE" dirty="0"/>
+          </a:p>
+        </p:txBody>
+      </p:sp>
+      <p:sp>
+        <p:nvSpPr>
+          <p:cNvPr id="140" name="CustomShape 8"/>
+          <p:cNvSpPr/>
+          <p:nvPr/>
+        </p:nvSpPr>
+        <p:spPr>
+          <a:xfrm>
+            <a:off x="8280" y="6488640"/>
+            <a:ext cx="1416960" cy="364680"/>
           </a:xfrm>
           <a:prstGeom prst="rect">
             <a:avLst/>
@@ -10601,63 +10640,6 @@
           <a:fontRef idx="minor"/>
         </p:style>
         <p:txBody>
-          <a:bodyPr lIns="90000" tIns="45000" rIns="90000" bIns="45000">
-            <a:spAutoFit/>
-          </a:bodyPr>
-          <a:lstStyle/>
-          <a:p>
-            <a:pPr>
-              <a:lnSpc>
-                <a:spcPct val="100000"/>
-              </a:lnSpc>
-            </a:pPr>
-            <a:r>
-              <a:rPr lang="en-US" sz="1800" b="0" strike="noStrike" spc="-1">
-                <a:solidFill>
-                  <a:srgbClr val="000000"/>
-                </a:solidFill>
-                <a:latin typeface="Calibri"/>
-              </a:rPr>
-              <a:t>Component_Function_Server</a:t>
-            </a:r>
-            <a:endParaRPr lang="pt-BR" sz="1800" b="0" strike="noStrike" spc="-1">
-              <a:latin typeface="Arial"/>
-            </a:endParaRPr>
-          </a:p>
-        </p:txBody>
-      </p:sp>
-      <p:sp>
-        <p:nvSpPr>
-          <p:cNvPr id="130" name="CustomShape 3"/>
-          <p:cNvSpPr/>
-          <p:nvPr/>
-        </p:nvSpPr>
-        <p:spPr>
-          <a:xfrm>
-            <a:off x="8280" y="6488640"/>
-            <a:ext cx="1416960" cy="364680"/>
-          </a:xfrm>
-          <a:prstGeom prst="rect">
-            <a:avLst/>
-          </a:prstGeom>
-          <a:noFill/>
-          <a:ln w="0">
-            <a:noFill/>
-          </a:ln>
-        </p:spPr>
-        <p:style>
-          <a:lnRef idx="0">
-            <a:scrgbClr r="0" g="0" b="0"/>
-          </a:lnRef>
-          <a:fillRef idx="0">
-            <a:scrgbClr r="0" g="0" b="0"/>
-          </a:fillRef>
-          <a:effectRef idx="0">
-            <a:scrgbClr r="0" g="0" b="0"/>
-          </a:effectRef>
-          <a:fontRef idx="minor"/>
-        </p:style>
-        <p:txBody>
           <a:bodyPr wrap="none" lIns="90000" tIns="45000" rIns="90000" bIns="45000">
             <a:spAutoFit/>
           </a:bodyPr>
@@ -10680,6 +10662,730 @@
             <a:endParaRPr lang="pt-BR" sz="1800" b="0" strike="noStrike" spc="-1">
               <a:latin typeface="Arial"/>
             </a:endParaRPr>
+          </a:p>
+        </p:txBody>
+      </p:sp>
+      <p:grpSp>
+        <p:nvGrpSpPr>
+          <p:cNvPr id="16" name="Group 15">
+            <a:extLst>
+              <a:ext uri="{FF2B5EF4-FFF2-40B4-BE49-F238E27FC236}">
+                <a16:creationId xmlns:a16="http://schemas.microsoft.com/office/drawing/2014/main" id="{E4BF19F4-10A9-4D9A-909C-8BEF5A3B773C}"/>
+              </a:ext>
+            </a:extLst>
+          </p:cNvPr>
+          <p:cNvGrpSpPr/>
+          <p:nvPr/>
+        </p:nvGrpSpPr>
+        <p:grpSpPr>
+          <a:xfrm>
+            <a:off x="716760" y="95664"/>
+            <a:ext cx="10245013" cy="894887"/>
+            <a:chOff x="1066980" y="3715941"/>
+            <a:chExt cx="10245013" cy="894887"/>
+          </a:xfrm>
+        </p:grpSpPr>
+        <p:sp>
+          <p:nvSpPr>
+            <p:cNvPr id="17" name="TextShape 1">
+              <a:extLst>
+                <a:ext uri="{FF2B5EF4-FFF2-40B4-BE49-F238E27FC236}">
+                  <a16:creationId xmlns:a16="http://schemas.microsoft.com/office/drawing/2014/main" id="{3A936197-7C99-4779-A79C-BF23F4736B20}"/>
+                </a:ext>
+              </a:extLst>
+            </p:cNvPr>
+            <p:cNvSpPr txBox="1"/>
+            <p:nvPr/>
+          </p:nvSpPr>
+          <p:spPr>
+            <a:xfrm>
+              <a:off x="1066980" y="3715941"/>
+              <a:ext cx="5679053" cy="894887"/>
+            </a:xfrm>
+            <a:prstGeom prst="rect">
+              <a:avLst/>
+            </a:prstGeom>
+            <a:noFill/>
+            <a:ln w="0">
+              <a:noFill/>
+            </a:ln>
+          </p:spPr>
+          <p:txBody>
+            <a:bodyPr anchor="b">
+              <a:noAutofit/>
+            </a:bodyPr>
+            <a:lstStyle/>
+            <a:p>
+              <a:pPr>
+                <a:lnSpc>
+                  <a:spcPct val="85000"/>
+                </a:lnSpc>
+              </a:pPr>
+              <a:r>
+                <a:rPr lang="en-US" sz="4800" b="0" strike="noStrike" spc="-52" dirty="0">
+                  <a:solidFill>
+                    <a:srgbClr val="404040"/>
+                  </a:solidFill>
+                  <a:latin typeface="Calibri Light"/>
+                </a:rPr>
+                <a:t>Verification</a:t>
+              </a:r>
+              <a:endParaRPr lang="en-US" sz="4800" b="0" strike="noStrike" spc="-1" dirty="0">
+                <a:solidFill>
+                  <a:srgbClr val="000000"/>
+                </a:solidFill>
+                <a:latin typeface="Calibri"/>
+              </a:endParaRPr>
+            </a:p>
+          </p:txBody>
+        </p:sp>
+        <p:cxnSp>
+          <p:nvCxnSpPr>
+            <p:cNvPr id="18" name="Straight Connector 17">
+              <a:extLst>
+                <a:ext uri="{FF2B5EF4-FFF2-40B4-BE49-F238E27FC236}">
+                  <a16:creationId xmlns:a16="http://schemas.microsoft.com/office/drawing/2014/main" id="{996F4C8F-7218-4FB0-B4B4-13D1F6C7FECC}"/>
+                </a:ext>
+              </a:extLst>
+            </p:cNvPr>
+            <p:cNvCxnSpPr/>
+            <p:nvPr/>
+          </p:nvCxnSpPr>
+          <p:spPr>
+            <a:xfrm>
+              <a:off x="1066980" y="4610828"/>
+              <a:ext cx="10245013" cy="0"/>
+            </a:xfrm>
+            <a:prstGeom prst="line">
+              <a:avLst/>
+            </a:prstGeom>
+          </p:spPr>
+          <p:style>
+            <a:lnRef idx="1">
+              <a:schemeClr val="dk1"/>
+            </a:lnRef>
+            <a:fillRef idx="0">
+              <a:schemeClr val="dk1"/>
+            </a:fillRef>
+            <a:effectRef idx="0">
+              <a:schemeClr val="dk1"/>
+            </a:effectRef>
+            <a:fontRef idx="minor">
+              <a:schemeClr val="tx1"/>
+            </a:fontRef>
+          </p:style>
+        </p:cxnSp>
+      </p:grpSp>
+      <p:pic>
+        <p:nvPicPr>
+          <p:cNvPr id="2" name="Picture 1">
+            <a:extLst>
+              <a:ext uri="{FF2B5EF4-FFF2-40B4-BE49-F238E27FC236}">
+                <a16:creationId xmlns:a16="http://schemas.microsoft.com/office/drawing/2014/main" id="{2282B2E5-1C90-497E-9E3E-1DDA19BB3B5A}"/>
+              </a:ext>
+            </a:extLst>
+          </p:cNvPr>
+          <p:cNvPicPr>
+            <a:picLocks noChangeAspect="1"/>
+          </p:cNvPicPr>
+          <p:nvPr/>
+        </p:nvPicPr>
+        <p:blipFill>
+          <a:blip r:embed="rId2"/>
+          <a:stretch>
+            <a:fillRect/>
+          </a:stretch>
+        </p:blipFill>
+        <p:spPr>
+          <a:xfrm>
+            <a:off x="3644966" y="1217442"/>
+            <a:ext cx="4067175" cy="2085975"/>
+          </a:xfrm>
+          <a:prstGeom prst="rect">
+            <a:avLst/>
+          </a:prstGeom>
+        </p:spPr>
+      </p:pic>
+      <p:sp>
+        <p:nvSpPr>
+          <p:cNvPr id="135" name="CustomShape 3"/>
+          <p:cNvSpPr/>
+          <p:nvPr/>
+        </p:nvSpPr>
+        <p:spPr>
+          <a:xfrm rot="9752521">
+            <a:off x="2023549" y="1745530"/>
+            <a:ext cx="1776887" cy="95292"/>
+          </a:xfrm>
+          <a:custGeom>
+            <a:avLst/>
+            <a:gdLst/>
+            <a:ahLst/>
+            <a:cxnLst/>
+            <a:rect l="l" t="t" r="r" b="b"/>
+            <a:pathLst>
+              <a:path w="21600" h="21600">
+                <a:moveTo>
+                  <a:pt x="0" y="0"/>
+                </a:moveTo>
+                <a:lnTo>
+                  <a:pt x="21600" y="21600"/>
+                </a:lnTo>
+              </a:path>
+            </a:pathLst>
+          </a:custGeom>
+          <a:noFill/>
+          <a:ln>
+            <a:solidFill>
+              <a:srgbClr val="E48312"/>
+            </a:solidFill>
+            <a:round/>
+            <a:tailEnd type="triangle" w="med" len="med"/>
+          </a:ln>
+        </p:spPr>
+        <p:style>
+          <a:lnRef idx="1">
+            <a:schemeClr val="accent1"/>
+          </a:lnRef>
+          <a:fillRef idx="0">
+            <a:schemeClr val="accent1"/>
+          </a:fillRef>
+          <a:effectRef idx="0">
+            <a:schemeClr val="accent1"/>
+          </a:effectRef>
+          <a:fontRef idx="minor"/>
+        </p:style>
+      </p:sp>
+      <p:sp>
+        <p:nvSpPr>
+          <p:cNvPr id="136" name="CustomShape 4"/>
+          <p:cNvSpPr/>
+          <p:nvPr/>
+        </p:nvSpPr>
+        <p:spPr>
+          <a:xfrm>
+            <a:off x="6605678" y="1716334"/>
+            <a:ext cx="474814" cy="2037503"/>
+          </a:xfrm>
+          <a:custGeom>
+            <a:avLst/>
+            <a:gdLst/>
+            <a:ahLst/>
+            <a:cxnLst/>
+            <a:rect l="l" t="t" r="r" b="b"/>
+            <a:pathLst>
+              <a:path w="21600" h="21600">
+                <a:moveTo>
+                  <a:pt x="0" y="0"/>
+                </a:moveTo>
+                <a:lnTo>
+                  <a:pt x="21600" y="21600"/>
+                </a:lnTo>
+              </a:path>
+            </a:pathLst>
+          </a:custGeom>
+          <a:noFill/>
+          <a:ln>
+            <a:solidFill>
+              <a:srgbClr val="E48312"/>
+            </a:solidFill>
+            <a:round/>
+            <a:tailEnd type="triangle" w="med" len="med"/>
+          </a:ln>
+        </p:spPr>
+        <p:style>
+          <a:lnRef idx="1">
+            <a:schemeClr val="accent1"/>
+          </a:lnRef>
+          <a:fillRef idx="0">
+            <a:schemeClr val="accent1"/>
+          </a:fillRef>
+          <a:effectRef idx="0">
+            <a:schemeClr val="accent1"/>
+          </a:effectRef>
+          <a:fontRef idx="minor"/>
+        </p:style>
+      </p:sp>
+      <p:sp>
+        <p:nvSpPr>
+          <p:cNvPr id="19" name="CustomShape 3">
+            <a:extLst>
+              <a:ext uri="{FF2B5EF4-FFF2-40B4-BE49-F238E27FC236}">
+                <a16:creationId xmlns:a16="http://schemas.microsoft.com/office/drawing/2014/main" id="{3AEC4A3E-EAB9-4562-A5F0-FD3AD5C37DC6}"/>
+              </a:ext>
+            </a:extLst>
+          </p:cNvPr>
+          <p:cNvSpPr/>
+          <p:nvPr/>
+        </p:nvSpPr>
+        <p:spPr>
+          <a:xfrm rot="6525862">
+            <a:off x="2530665" y="2711240"/>
+            <a:ext cx="1746462" cy="122773"/>
+          </a:xfrm>
+          <a:custGeom>
+            <a:avLst/>
+            <a:gdLst/>
+            <a:ahLst/>
+            <a:cxnLst/>
+            <a:rect l="l" t="t" r="r" b="b"/>
+            <a:pathLst>
+              <a:path w="21600" h="21600">
+                <a:moveTo>
+                  <a:pt x="0" y="0"/>
+                </a:moveTo>
+                <a:lnTo>
+                  <a:pt x="21600" y="21600"/>
+                </a:lnTo>
+              </a:path>
+            </a:pathLst>
+          </a:custGeom>
+          <a:noFill/>
+          <a:ln>
+            <a:solidFill>
+              <a:srgbClr val="E48312"/>
+            </a:solidFill>
+            <a:round/>
+            <a:tailEnd type="triangle" w="med" len="med"/>
+          </a:ln>
+        </p:spPr>
+        <p:style>
+          <a:lnRef idx="1">
+            <a:schemeClr val="accent1"/>
+          </a:lnRef>
+          <a:fillRef idx="0">
+            <a:schemeClr val="accent1"/>
+          </a:fillRef>
+          <a:effectRef idx="0">
+            <a:schemeClr val="accent1"/>
+          </a:effectRef>
+          <a:fontRef idx="minor"/>
+        </p:style>
+      </p:sp>
+      <p:sp>
+        <p:nvSpPr>
+          <p:cNvPr id="20" name="CustomShape 4">
+            <a:extLst>
+              <a:ext uri="{FF2B5EF4-FFF2-40B4-BE49-F238E27FC236}">
+                <a16:creationId xmlns:a16="http://schemas.microsoft.com/office/drawing/2014/main" id="{418B8F1E-5EF4-4428-A158-26CA8DB3D442}"/>
+              </a:ext>
+            </a:extLst>
+          </p:cNvPr>
+          <p:cNvSpPr/>
+          <p:nvPr/>
+        </p:nvSpPr>
+        <p:spPr>
+          <a:xfrm>
+            <a:off x="6613463" y="2095888"/>
+            <a:ext cx="2073337" cy="45719"/>
+          </a:xfrm>
+          <a:custGeom>
+            <a:avLst/>
+            <a:gdLst/>
+            <a:ahLst/>
+            <a:cxnLst/>
+            <a:rect l="l" t="t" r="r" b="b"/>
+            <a:pathLst>
+              <a:path w="21600" h="21600">
+                <a:moveTo>
+                  <a:pt x="0" y="0"/>
+                </a:moveTo>
+                <a:lnTo>
+                  <a:pt x="21600" y="21600"/>
+                </a:lnTo>
+              </a:path>
+            </a:pathLst>
+          </a:custGeom>
+          <a:noFill/>
+          <a:ln>
+            <a:solidFill>
+              <a:srgbClr val="E48312"/>
+            </a:solidFill>
+            <a:round/>
+            <a:tailEnd type="triangle" w="med" len="med"/>
+          </a:ln>
+        </p:spPr>
+        <p:style>
+          <a:lnRef idx="1">
+            <a:schemeClr val="accent1"/>
+          </a:lnRef>
+          <a:fillRef idx="0">
+            <a:schemeClr val="accent1"/>
+          </a:fillRef>
+          <a:effectRef idx="0">
+            <a:schemeClr val="accent1"/>
+          </a:effectRef>
+          <a:fontRef idx="minor"/>
+        </p:style>
+      </p:sp>
+      <p:sp>
+        <p:nvSpPr>
+          <p:cNvPr id="3" name="TextBox 2">
+            <a:extLst>
+              <a:ext uri="{FF2B5EF4-FFF2-40B4-BE49-F238E27FC236}">
+                <a16:creationId xmlns:a16="http://schemas.microsoft.com/office/drawing/2014/main" id="{31A9B10D-CF92-44E2-A55E-C57FCB930D61}"/>
+              </a:ext>
+            </a:extLst>
+          </p:cNvPr>
+          <p:cNvSpPr txBox="1"/>
+          <p:nvPr/>
+        </p:nvSpPr>
+        <p:spPr>
+          <a:xfrm>
+            <a:off x="716760" y="1813698"/>
+            <a:ext cx="1520890" cy="369332"/>
+          </a:xfrm>
+          <a:prstGeom prst="rect">
+            <a:avLst/>
+          </a:prstGeom>
+          <a:noFill/>
+        </p:spPr>
+        <p:txBody>
+          <a:bodyPr wrap="square" rtlCol="0">
+            <a:spAutoFit/>
+          </a:bodyPr>
+          <a:lstStyle/>
+          <a:p>
+            <a:r>
+              <a:rPr lang="de-DE" dirty="0"/>
+              <a:t>Deadlock</a:t>
+            </a:r>
+          </a:p>
+        </p:txBody>
+      </p:sp>
+      <p:sp>
+        <p:nvSpPr>
+          <p:cNvPr id="22" name="TextBox 21">
+            <a:extLst>
+              <a:ext uri="{FF2B5EF4-FFF2-40B4-BE49-F238E27FC236}">
+                <a16:creationId xmlns:a16="http://schemas.microsoft.com/office/drawing/2014/main" id="{3BD61E1A-6E94-4661-96EC-DE978F9DD8A0}"/>
+              </a:ext>
+            </a:extLst>
+          </p:cNvPr>
+          <p:cNvSpPr txBox="1"/>
+          <p:nvPr/>
+        </p:nvSpPr>
+        <p:spPr>
+          <a:xfrm>
+            <a:off x="1953840" y="3579700"/>
+            <a:ext cx="2448646" cy="369332"/>
+          </a:xfrm>
+          <a:prstGeom prst="rect">
+            <a:avLst/>
+          </a:prstGeom>
+          <a:noFill/>
+        </p:spPr>
+        <p:txBody>
+          <a:bodyPr wrap="square" rtlCol="0">
+            <a:spAutoFit/>
+          </a:bodyPr>
+          <a:lstStyle/>
+          <a:p>
+            <a:r>
+              <a:rPr lang="de-DE" dirty="0" err="1"/>
+              <a:t>Safety</a:t>
+            </a:r>
+            <a:r>
+              <a:rPr lang="de-DE" dirty="0"/>
+              <a:t> </a:t>
+            </a:r>
+            <a:r>
+              <a:rPr lang="de-DE" dirty="0" err="1"/>
+              <a:t>Requirements</a:t>
+            </a:r>
+            <a:endParaRPr lang="de-DE" dirty="0"/>
+          </a:p>
+        </p:txBody>
+      </p:sp>
+      <p:sp>
+        <p:nvSpPr>
+          <p:cNvPr id="23" name="TextBox 22">
+            <a:extLst>
+              <a:ext uri="{FF2B5EF4-FFF2-40B4-BE49-F238E27FC236}">
+                <a16:creationId xmlns:a16="http://schemas.microsoft.com/office/drawing/2014/main" id="{29D04504-4060-4473-BB54-5A97FAD45533}"/>
+              </a:ext>
+            </a:extLst>
+          </p:cNvPr>
+          <p:cNvSpPr txBox="1"/>
+          <p:nvPr/>
+        </p:nvSpPr>
+        <p:spPr>
+          <a:xfrm>
+            <a:off x="7192399" y="3710811"/>
+            <a:ext cx="2828592" cy="369332"/>
+          </a:xfrm>
+          <a:prstGeom prst="rect">
+            <a:avLst/>
+          </a:prstGeom>
+          <a:noFill/>
+        </p:spPr>
+        <p:txBody>
+          <a:bodyPr wrap="square" rtlCol="0">
+            <a:spAutoFit/>
+          </a:bodyPr>
+          <a:lstStyle/>
+          <a:p>
+            <a:r>
+              <a:rPr lang="de-DE" dirty="0" err="1"/>
+              <a:t>Functional</a:t>
+            </a:r>
+            <a:r>
+              <a:rPr lang="de-DE" dirty="0"/>
+              <a:t> </a:t>
+            </a:r>
+            <a:r>
+              <a:rPr lang="de-DE" dirty="0" err="1"/>
+              <a:t>Requirements</a:t>
+            </a:r>
+            <a:endParaRPr lang="de-DE" dirty="0"/>
+          </a:p>
+        </p:txBody>
+      </p:sp>
+      <p:sp>
+        <p:nvSpPr>
+          <p:cNvPr id="24" name="TextBox 23">
+            <a:extLst>
+              <a:ext uri="{FF2B5EF4-FFF2-40B4-BE49-F238E27FC236}">
+                <a16:creationId xmlns:a16="http://schemas.microsoft.com/office/drawing/2014/main" id="{F3D0B963-506F-41B2-8EDF-6F2CA5843FD5}"/>
+              </a:ext>
+            </a:extLst>
+          </p:cNvPr>
+          <p:cNvSpPr txBox="1"/>
+          <p:nvPr/>
+        </p:nvSpPr>
+        <p:spPr>
+          <a:xfrm>
+            <a:off x="8850224" y="1965851"/>
+            <a:ext cx="2828592" cy="369332"/>
+          </a:xfrm>
+          <a:prstGeom prst="rect">
+            <a:avLst/>
+          </a:prstGeom>
+          <a:noFill/>
+        </p:spPr>
+        <p:txBody>
+          <a:bodyPr wrap="square" rtlCol="0">
+            <a:spAutoFit/>
+          </a:bodyPr>
+          <a:lstStyle/>
+          <a:p>
+            <a:r>
+              <a:rPr lang="de-DE" dirty="0" err="1"/>
+              <a:t>Reachability</a:t>
+            </a:r>
+            <a:endParaRPr lang="de-DE" dirty="0"/>
+          </a:p>
+        </p:txBody>
+      </p:sp>
+      <p:pic>
+        <p:nvPicPr>
+          <p:cNvPr id="5" name="Picture 4">
+            <a:extLst>
+              <a:ext uri="{FF2B5EF4-FFF2-40B4-BE49-F238E27FC236}">
+                <a16:creationId xmlns:a16="http://schemas.microsoft.com/office/drawing/2014/main" id="{5E46919B-B7B7-4062-AA5A-69A4CC23FEB8}"/>
+              </a:ext>
+            </a:extLst>
+          </p:cNvPr>
+          <p:cNvPicPr>
+            <a:picLocks noChangeAspect="1"/>
+          </p:cNvPicPr>
+          <p:nvPr/>
+        </p:nvPicPr>
+        <p:blipFill>
+          <a:blip r:embed="rId3">
+            <a:extLst>
+              <a:ext uri="{28A0092B-C50C-407E-A947-70E740481C1C}">
+                <a14:useLocalDpi xmlns:a14="http://schemas.microsoft.com/office/drawing/2010/main" val="0"/>
+              </a:ext>
+            </a:extLst>
+          </a:blip>
+          <a:stretch>
+            <a:fillRect/>
+          </a:stretch>
+        </p:blipFill>
+        <p:spPr>
+          <a:xfrm>
+            <a:off x="466700" y="4632526"/>
+            <a:ext cx="10908870" cy="1504672"/>
+          </a:xfrm>
+          <a:prstGeom prst="rect">
+            <a:avLst/>
+          </a:prstGeom>
+        </p:spPr>
+      </p:pic>
+      <p:sp>
+        <p:nvSpPr>
+          <p:cNvPr id="6" name="Rectangle 5">
+            <a:extLst>
+              <a:ext uri="{FF2B5EF4-FFF2-40B4-BE49-F238E27FC236}">
+                <a16:creationId xmlns:a16="http://schemas.microsoft.com/office/drawing/2014/main" id="{39C73816-39C0-4B98-BF2E-465A0F31A1C9}"/>
+              </a:ext>
+            </a:extLst>
+          </p:cNvPr>
+          <p:cNvSpPr/>
+          <p:nvPr/>
+        </p:nvSpPr>
+        <p:spPr>
+          <a:xfrm>
+            <a:off x="88578" y="2177483"/>
+            <a:ext cx="1723549" cy="369332"/>
+          </a:xfrm>
+          <a:prstGeom prst="rect">
+            <a:avLst/>
+          </a:prstGeom>
+        </p:spPr>
+        <p:txBody>
+          <a:bodyPr wrap="none">
+            <a:spAutoFit/>
+          </a:bodyPr>
+          <a:lstStyle/>
+          <a:p>
+            <a:r>
+              <a:rPr lang="de-DE" dirty="0"/>
+              <a:t>AG !(</a:t>
+            </a:r>
+            <a:r>
+              <a:rPr lang="de-DE" dirty="0" err="1"/>
+              <a:t>deadlock</a:t>
+            </a:r>
+            <a:r>
+              <a:rPr lang="de-DE" dirty="0"/>
+              <a:t>)</a:t>
+            </a:r>
+          </a:p>
+        </p:txBody>
+      </p:sp>
+      <p:sp>
+        <p:nvSpPr>
+          <p:cNvPr id="7" name="Rectangle 6">
+            <a:extLst>
+              <a:ext uri="{FF2B5EF4-FFF2-40B4-BE49-F238E27FC236}">
+                <a16:creationId xmlns:a16="http://schemas.microsoft.com/office/drawing/2014/main" id="{EED0BE1D-B9E4-4D80-BAC7-5651E4AD7A94}"/>
+              </a:ext>
+            </a:extLst>
+          </p:cNvPr>
+          <p:cNvSpPr/>
+          <p:nvPr/>
+        </p:nvSpPr>
+        <p:spPr>
+          <a:xfrm>
+            <a:off x="5932010" y="4023290"/>
+            <a:ext cx="5613072" cy="369332"/>
+          </a:xfrm>
+          <a:prstGeom prst="rect">
+            <a:avLst/>
+          </a:prstGeom>
+        </p:spPr>
+        <p:txBody>
+          <a:bodyPr wrap="square">
+            <a:spAutoFit/>
+          </a:bodyPr>
+          <a:lstStyle/>
+          <a:p>
+            <a:r>
+              <a:rPr lang="de-DE" dirty="0"/>
+              <a:t>AG !(</a:t>
+            </a:r>
+            <a:r>
+              <a:rPr lang="de-DE" dirty="0" err="1"/>
+              <a:t>Farmer_ControlPanel.RemovalInProcess</a:t>
+            </a:r>
+            <a:r>
+              <a:rPr lang="de-DE" dirty="0"/>
+              <a:t> &gt;= 2)</a:t>
+            </a:r>
+          </a:p>
+        </p:txBody>
+      </p:sp>
+      <p:sp>
+        <p:nvSpPr>
+          <p:cNvPr id="8" name="Rectangle 7">
+            <a:extLst>
+              <a:ext uri="{FF2B5EF4-FFF2-40B4-BE49-F238E27FC236}">
+                <a16:creationId xmlns:a16="http://schemas.microsoft.com/office/drawing/2014/main" id="{98CC354A-9DCC-4A2C-BD90-8F4582CE0555}"/>
+              </a:ext>
+            </a:extLst>
+          </p:cNvPr>
+          <p:cNvSpPr/>
+          <p:nvPr/>
+        </p:nvSpPr>
+        <p:spPr>
+          <a:xfrm>
+            <a:off x="133735" y="3890508"/>
+            <a:ext cx="6496991" cy="369332"/>
+          </a:xfrm>
+          <a:prstGeom prst="rect">
+            <a:avLst/>
+          </a:prstGeom>
+        </p:spPr>
+        <p:txBody>
+          <a:bodyPr wrap="square">
+            <a:spAutoFit/>
+          </a:bodyPr>
+          <a:lstStyle/>
+          <a:p>
+            <a:r>
+              <a:rPr lang="de-DE" dirty="0"/>
+              <a:t>AG !(</a:t>
+            </a:r>
+            <a:r>
+              <a:rPr lang="de-DE" dirty="0" err="1"/>
+              <a:t>LoginFailed_CP</a:t>
+            </a:r>
+            <a:r>
+              <a:rPr lang="de-DE" dirty="0"/>
+              <a:t> = 1 and </a:t>
+            </a:r>
+            <a:r>
+              <a:rPr lang="de-DE" dirty="0" err="1"/>
+              <a:t>LoginPassed_CP</a:t>
+            </a:r>
+            <a:r>
+              <a:rPr lang="de-DE" dirty="0"/>
+              <a:t> = 1)</a:t>
+            </a:r>
+          </a:p>
+        </p:txBody>
+      </p:sp>
+      <p:sp>
+        <p:nvSpPr>
+          <p:cNvPr id="9" name="Rectangle 8">
+            <a:extLst>
+              <a:ext uri="{FF2B5EF4-FFF2-40B4-BE49-F238E27FC236}">
+                <a16:creationId xmlns:a16="http://schemas.microsoft.com/office/drawing/2014/main" id="{8CFABD4A-F9B3-4BA2-B445-ECE291A9E9B3}"/>
+              </a:ext>
+            </a:extLst>
+          </p:cNvPr>
+          <p:cNvSpPr/>
+          <p:nvPr/>
+        </p:nvSpPr>
+        <p:spPr>
+          <a:xfrm>
+            <a:off x="7363630" y="2375090"/>
+            <a:ext cx="4897495" cy="369332"/>
+          </a:xfrm>
+          <a:prstGeom prst="rect">
+            <a:avLst/>
+          </a:prstGeom>
+        </p:spPr>
+        <p:txBody>
+          <a:bodyPr wrap="none">
+            <a:spAutoFit/>
+          </a:bodyPr>
+          <a:lstStyle/>
+          <a:p>
+            <a:r>
+              <a:rPr lang="de-DE" dirty="0"/>
+              <a:t>AG !(</a:t>
+            </a:r>
+            <a:r>
+              <a:rPr lang="de-DE" dirty="0" err="1"/>
+              <a:t>Farmer_ControlPanel.MonitorPIMap</a:t>
+            </a:r>
+            <a:r>
+              <a:rPr lang="de-DE" dirty="0"/>
+              <a:t> = 1)</a:t>
+            </a:r>
           </a:p>
         </p:txBody>
       </p:sp>

--- a/final_presentation_groupA.pptx
+++ b/final_presentation_groupA.pptx
@@ -29,6 +29,7 @@
     <p:sldId id="273" r:id="rId23"/>
     <p:sldId id="274" r:id="rId24"/>
     <p:sldId id="275" r:id="rId25"/>
+    <p:sldId id="276" r:id="rId26"/>
   </p:sldIdLst>
   <p:sldSz cy="6858000" cx="12192000"/>
   <p:notesSz cx="7559675" cy="10691800"/>
@@ -1897,7 +1898,7 @@
       </p:grpSpPr>
       <p:sp>
         <p:nvSpPr>
-          <p:cNvPr id="321" name="Google Shape;321;g2b0a00b8392_0_7:notes"/>
+          <p:cNvPr id="321" name="Google Shape;321;g513e17676fab8f8b_4:notes"/>
           <p:cNvSpPr/>
           <p:nvPr>
             <p:ph idx="2" type="sldImg"/>
@@ -1932,7 +1933,106 @@
       </p:sp>
       <p:sp>
         <p:nvSpPr>
-          <p:cNvPr id="322" name="Google Shape;322;g2b0a00b8392_0_7:notes"/>
+          <p:cNvPr id="322" name="Google Shape;322;g513e17676fab8f8b_4:notes"/>
+          <p:cNvSpPr txBox="1"/>
+          <p:nvPr>
+            <p:ph idx="1" type="body"/>
+          </p:nvPr>
+        </p:nvSpPr>
+        <p:spPr>
+          <a:xfrm>
+            <a:off x="755950" y="5078600"/>
+            <a:ext cx="6047700" cy="4811400"/>
+          </a:xfrm>
+          <a:prstGeom prst="rect">
+            <a:avLst/>
+          </a:prstGeom>
+        </p:spPr>
+        <p:txBody>
+          <a:bodyPr anchorCtr="0" anchor="t" bIns="91425" lIns="91425" spcFirstLastPara="1" rIns="91425" wrap="square" tIns="91425">
+            <a:noAutofit/>
+          </a:bodyPr>
+          <a:lstStyle/>
+          <a:p>
+            <a:pPr indent="0" lvl="0" marL="0" rtl="0" algn="l">
+              <a:spcBef>
+                <a:spcPts val="0"/>
+              </a:spcBef>
+              <a:spcAft>
+                <a:spcPts val="0"/>
+              </a:spcAft>
+              <a:buNone/>
+            </a:pPr>
+            <a:r>
+              <a:t/>
+            </a:r>
+            <a:endParaRPr/>
+          </a:p>
+        </p:txBody>
+      </p:sp>
+    </p:spTree>
+  </p:cSld>
+  <p:clrMapOvr>
+    <a:masterClrMapping/>
+  </p:clrMapOvr>
+</p:notes>
+</file>
+
+<file path=ppt/notesSlides/notesSlide21.xml><?xml version="1.0" encoding="utf-8"?>
+<p:notes xmlns:a="http://schemas.openxmlformats.org/drawingml/2006/main" xmlns:r="http://schemas.openxmlformats.org/officeDocument/2006/relationships" xmlns:mc="http://schemas.openxmlformats.org/markup-compatibility/2006" xmlns:mv="urn:schemas-microsoft-com:mac:vml" xmlns:p="http://schemas.openxmlformats.org/presentationml/2006/main" xmlns:c="http://schemas.openxmlformats.org/drawingml/2006/chart" xmlns:dgm="http://schemas.openxmlformats.org/drawingml/2006/diagram" xmlns:o="urn:schemas-microsoft-com:office:office" xmlns:v="urn:schemas-microsoft-com:vml" xmlns:pvml="urn:schemas-microsoft-com:office:powerpoint" xmlns:com="http://schemas.openxmlformats.org/drawingml/2006/compatibility" xmlns:p14="http://schemas.microsoft.com/office/powerpoint/2010/main" xmlns:p15="http://schemas.microsoft.com/office/powerpoint/2012/main" xmlns:ahyp="http://schemas.microsoft.com/office/drawing/2018/hyperlinkcolor" showMasterPhAnim="0" showMasterSp="0">
+  <p:cSld>
+    <p:spTree>
+      <p:nvGrpSpPr>
+        <p:cNvPr id="326" name="Shape 326"/>
+        <p:cNvGrpSpPr/>
+        <p:nvPr/>
+      </p:nvGrpSpPr>
+      <p:grpSpPr>
+        <a:xfrm>
+          <a:off x="0" y="0"/>
+          <a:ext cx="0" cy="0"/>
+          <a:chOff x="0" y="0"/>
+          <a:chExt cx="0" cy="0"/>
+        </a:xfrm>
+      </p:grpSpPr>
+      <p:sp>
+        <p:nvSpPr>
+          <p:cNvPr id="327" name="Google Shape;327;g2b0a00b8392_0_7:notes"/>
+          <p:cNvSpPr/>
+          <p:nvPr>
+            <p:ph idx="2" type="sldImg"/>
+          </p:nvPr>
+        </p:nvSpPr>
+        <p:spPr>
+          <a:xfrm>
+            <a:off x="1260175" y="801875"/>
+            <a:ext cx="5040000" cy="4009500"/>
+          </a:xfrm>
+          <a:custGeom>
+            <a:rect b="b" l="l" r="r" t="t"/>
+            <a:pathLst>
+              <a:path extrusionOk="0" h="120000" w="120000">
+                <a:moveTo>
+                  <a:pt x="0" y="0"/>
+                </a:moveTo>
+                <a:lnTo>
+                  <a:pt x="120000" y="0"/>
+                </a:lnTo>
+                <a:lnTo>
+                  <a:pt x="120000" y="120000"/>
+                </a:lnTo>
+                <a:lnTo>
+                  <a:pt x="0" y="120000"/>
+                </a:lnTo>
+                <a:close/>
+              </a:path>
+            </a:pathLst>
+          </a:custGeom>
+        </p:spPr>
+      </p:sp>
+      <p:sp>
+        <p:nvSpPr>
+          <p:cNvPr id="328" name="Google Shape;328;g2b0a00b8392_0_7:notes"/>
           <p:cNvSpPr txBox="1"/>
           <p:nvPr>
             <p:ph idx="1" type="body"/>
@@ -24830,7 +24930,381 @@
         </p:nvSpPr>
         <p:spPr>
           <a:xfrm>
-            <a:off x="1408825" y="2963097"/>
+            <a:off x="1254125" y="428625"/>
+            <a:ext cx="9213300" cy="1143000"/>
+          </a:xfrm>
+          <a:prstGeom prst="rect">
+            <a:avLst/>
+          </a:prstGeom>
+          <a:noFill/>
+          <a:ln>
+            <a:noFill/>
+          </a:ln>
+        </p:spPr>
+        <p:txBody>
+          <a:bodyPr anchorCtr="0" anchor="b" bIns="45700" lIns="91425" spcFirstLastPara="1" rIns="91425" wrap="square" tIns="45700">
+            <a:noAutofit/>
+          </a:bodyPr>
+          <a:lstStyle/>
+          <a:p>
+            <a:pPr indent="0" lvl="0" marL="0" rtl="0" algn="l">
+              <a:lnSpc>
+                <a:spcPct val="85000"/>
+              </a:lnSpc>
+              <a:spcBef>
+                <a:spcPts val="0"/>
+              </a:spcBef>
+              <a:spcAft>
+                <a:spcPts val="0"/>
+              </a:spcAft>
+              <a:buNone/>
+            </a:pPr>
+            <a:r>
+              <a:rPr lang="en-US" sz="4800">
+                <a:solidFill>
+                  <a:srgbClr val="404040"/>
+                </a:solidFill>
+                <a:latin typeface="Calibri"/>
+                <a:ea typeface="Calibri"/>
+                <a:cs typeface="Calibri"/>
+                <a:sym typeface="Calibri"/>
+              </a:rPr>
+              <a:t>Competition Preparation</a:t>
+            </a:r>
+            <a:r>
+              <a:rPr lang="en-US" sz="4800">
+                <a:solidFill>
+                  <a:srgbClr val="404040"/>
+                </a:solidFill>
+                <a:latin typeface="Calibri"/>
+                <a:ea typeface="Calibri"/>
+                <a:cs typeface="Calibri"/>
+                <a:sym typeface="Calibri"/>
+              </a:rPr>
+              <a:t> </a:t>
+            </a:r>
+            <a:endParaRPr sz="4560">
+              <a:solidFill>
+                <a:srgbClr val="404040"/>
+              </a:solidFill>
+              <a:latin typeface="Calibri"/>
+              <a:ea typeface="Calibri"/>
+              <a:cs typeface="Calibri"/>
+              <a:sym typeface="Calibri"/>
+            </a:endParaRPr>
+          </a:p>
+        </p:txBody>
+      </p:sp>
+      <p:sp>
+        <p:nvSpPr>
+          <p:cNvPr id="325" name="Google Shape;325;p49"/>
+          <p:cNvSpPr txBox="1"/>
+          <p:nvPr/>
+        </p:nvSpPr>
+        <p:spPr>
+          <a:xfrm>
+            <a:off x="1260000" y="2132400"/>
+            <a:ext cx="8438100" cy="2700000"/>
+          </a:xfrm>
+          <a:prstGeom prst="rect">
+            <a:avLst/>
+          </a:prstGeom>
+          <a:noFill/>
+          <a:ln>
+            <a:noFill/>
+          </a:ln>
+        </p:spPr>
+        <p:txBody>
+          <a:bodyPr anchorCtr="0" anchor="t" bIns="45700" lIns="0" spcFirstLastPara="1" rIns="0" wrap="square" tIns="45700">
+            <a:noAutofit/>
+          </a:bodyPr>
+          <a:lstStyle/>
+          <a:p>
+            <a:pPr indent="0" lvl="0" marL="127359" marR="0" rtl="0" algn="l">
+              <a:lnSpc>
+                <a:spcPct val="90000"/>
+              </a:lnSpc>
+              <a:spcBef>
+                <a:spcPts val="1400"/>
+              </a:spcBef>
+              <a:spcAft>
+                <a:spcPts val="0"/>
+              </a:spcAft>
+              <a:buClr>
+                <a:srgbClr val="E48312"/>
+              </a:buClr>
+              <a:buSzPts val="2000"/>
+              <a:buFont typeface="Calibri"/>
+              <a:buNone/>
+            </a:pPr>
+            <a:r>
+              <a:t/>
+            </a:r>
+            <a:endParaRPr b="0" sz="2000" strike="noStrike">
+              <a:solidFill>
+                <a:srgbClr val="404040"/>
+              </a:solidFill>
+              <a:latin typeface="Calibri"/>
+              <a:ea typeface="Calibri"/>
+              <a:cs typeface="Calibri"/>
+              <a:sym typeface="Calibri"/>
+            </a:endParaRPr>
+          </a:p>
+          <a:p>
+            <a:pPr indent="-456840" lvl="0" marL="457200" marR="0" rtl="0" algn="l">
+              <a:lnSpc>
+                <a:spcPct val="90000"/>
+              </a:lnSpc>
+              <a:spcBef>
+                <a:spcPts val="1400"/>
+              </a:spcBef>
+              <a:spcAft>
+                <a:spcPts val="0"/>
+              </a:spcAft>
+              <a:buClr>
+                <a:srgbClr val="E48312"/>
+              </a:buClr>
+              <a:buSzPts val="2000"/>
+              <a:buFont typeface="Calibri"/>
+              <a:buAutoNum type="arabicPeriod"/>
+            </a:pPr>
+            <a:r>
+              <a:rPr b="0" lang="en-US" sz="2000" strike="noStrike">
+                <a:solidFill>
+                  <a:srgbClr val="404040"/>
+                </a:solidFill>
+                <a:latin typeface="Calibri"/>
+                <a:ea typeface="Calibri"/>
+                <a:cs typeface="Calibri"/>
+                <a:sym typeface="Calibri"/>
+              </a:rPr>
+              <a:t>Data</a:t>
+            </a:r>
+            <a:r>
+              <a:rPr lang="en-US" sz="2000">
+                <a:solidFill>
+                  <a:srgbClr val="404040"/>
+                </a:solidFill>
+                <a:latin typeface="Calibri"/>
+                <a:ea typeface="Calibri"/>
+                <a:cs typeface="Calibri"/>
+                <a:sym typeface="Calibri"/>
+              </a:rPr>
+              <a:t>set - images from 000 to 899</a:t>
+            </a:r>
+            <a:endParaRPr/>
+          </a:p>
+          <a:p>
+            <a:pPr indent="-329840" lvl="0" marL="457200" marR="0" rtl="0" algn="l">
+              <a:lnSpc>
+                <a:spcPct val="90000"/>
+              </a:lnSpc>
+              <a:spcBef>
+                <a:spcPts val="1400"/>
+              </a:spcBef>
+              <a:spcAft>
+                <a:spcPts val="0"/>
+              </a:spcAft>
+              <a:buClr>
+                <a:srgbClr val="E48312"/>
+              </a:buClr>
+              <a:buSzPts val="2000"/>
+              <a:buFont typeface="Calibri"/>
+              <a:buNone/>
+            </a:pPr>
+            <a:r>
+              <a:t/>
+            </a:r>
+            <a:endParaRPr b="0" sz="2000" strike="noStrike">
+              <a:solidFill>
+                <a:srgbClr val="404040"/>
+              </a:solidFill>
+              <a:latin typeface="Calibri"/>
+              <a:ea typeface="Calibri"/>
+              <a:cs typeface="Calibri"/>
+              <a:sym typeface="Calibri"/>
+            </a:endParaRPr>
+          </a:p>
+          <a:p>
+            <a:pPr indent="-456840" lvl="0" marL="457200" marR="0" rtl="0" algn="l">
+              <a:lnSpc>
+                <a:spcPct val="90000"/>
+              </a:lnSpc>
+              <a:spcBef>
+                <a:spcPts val="1400"/>
+              </a:spcBef>
+              <a:spcAft>
+                <a:spcPts val="0"/>
+              </a:spcAft>
+              <a:buClr>
+                <a:srgbClr val="E48312"/>
+              </a:buClr>
+              <a:buSzPts val="2000"/>
+              <a:buFont typeface="Calibri"/>
+              <a:buAutoNum type="arabicPeriod"/>
+            </a:pPr>
+            <a:r>
+              <a:rPr lang="en-US" sz="2000">
+                <a:solidFill>
+                  <a:srgbClr val="404040"/>
+                </a:solidFill>
+                <a:latin typeface="Calibri"/>
+                <a:ea typeface="Calibri"/>
+                <a:cs typeface="Calibri"/>
+                <a:sym typeface="Calibri"/>
+              </a:rPr>
+              <a:t>75 images from each class (50 rotated in 180º and 25 originals)</a:t>
+            </a:r>
+            <a:endParaRPr/>
+          </a:p>
+          <a:p>
+            <a:pPr indent="-329840" lvl="0" marL="457200" marR="0" rtl="0" algn="l">
+              <a:lnSpc>
+                <a:spcPct val="90000"/>
+              </a:lnSpc>
+              <a:spcBef>
+                <a:spcPts val="1400"/>
+              </a:spcBef>
+              <a:spcAft>
+                <a:spcPts val="0"/>
+              </a:spcAft>
+              <a:buClr>
+                <a:srgbClr val="E48312"/>
+              </a:buClr>
+              <a:buSzPts val="2000"/>
+              <a:buFont typeface="Calibri"/>
+              <a:buNone/>
+            </a:pPr>
+            <a:r>
+              <a:t/>
+            </a:r>
+            <a:endParaRPr b="0" sz="2000" strike="noStrike">
+              <a:solidFill>
+                <a:srgbClr val="404040"/>
+              </a:solidFill>
+              <a:latin typeface="Calibri"/>
+              <a:ea typeface="Calibri"/>
+              <a:cs typeface="Calibri"/>
+              <a:sym typeface="Calibri"/>
+            </a:endParaRPr>
+          </a:p>
+          <a:p>
+            <a:pPr indent="-456840" lvl="0" marL="457200" marR="0" rtl="0" algn="l">
+              <a:lnSpc>
+                <a:spcPct val="90000"/>
+              </a:lnSpc>
+              <a:spcBef>
+                <a:spcPts val="1400"/>
+              </a:spcBef>
+              <a:spcAft>
+                <a:spcPts val="0"/>
+              </a:spcAft>
+              <a:buClr>
+                <a:srgbClr val="E48312"/>
+              </a:buClr>
+              <a:buSzPts val="2000"/>
+              <a:buFont typeface="Calibri"/>
+              <a:buAutoNum type="arabicPeriod"/>
+            </a:pPr>
+            <a:r>
+              <a:rPr lang="en-US" sz="2000">
+                <a:solidFill>
+                  <a:srgbClr val="404040"/>
+                </a:solidFill>
+                <a:latin typeface="Calibri"/>
+                <a:ea typeface="Calibri"/>
+                <a:cs typeface="Calibri"/>
+                <a:sym typeface="Calibri"/>
+              </a:rPr>
+              <a:t>Organized randomly + .csv file</a:t>
+            </a:r>
+            <a:endParaRPr/>
+          </a:p>
+          <a:p>
+            <a:pPr indent="-329840" lvl="0" marL="457200" marR="0" rtl="0" algn="l">
+              <a:lnSpc>
+                <a:spcPct val="90000"/>
+              </a:lnSpc>
+              <a:spcBef>
+                <a:spcPts val="1400"/>
+              </a:spcBef>
+              <a:spcAft>
+                <a:spcPts val="0"/>
+              </a:spcAft>
+              <a:buClr>
+                <a:srgbClr val="E48312"/>
+              </a:buClr>
+              <a:buSzPts val="2000"/>
+              <a:buFont typeface="Calibri"/>
+              <a:buNone/>
+            </a:pPr>
+            <a:r>
+              <a:t/>
+            </a:r>
+            <a:endParaRPr b="0" sz="2000" strike="noStrike">
+              <a:solidFill>
+                <a:srgbClr val="404040"/>
+              </a:solidFill>
+              <a:latin typeface="Calibri"/>
+              <a:ea typeface="Calibri"/>
+              <a:cs typeface="Calibri"/>
+              <a:sym typeface="Calibri"/>
+            </a:endParaRPr>
+          </a:p>
+          <a:p>
+            <a:pPr indent="0" lvl="0" marL="457200" marR="0" rtl="0" algn="l">
+              <a:lnSpc>
+                <a:spcPct val="90000"/>
+              </a:lnSpc>
+              <a:spcBef>
+                <a:spcPts val="1400"/>
+              </a:spcBef>
+              <a:spcAft>
+                <a:spcPts val="0"/>
+              </a:spcAft>
+              <a:buNone/>
+            </a:pPr>
+            <a:r>
+              <a:t/>
+            </a:r>
+            <a:endParaRPr/>
+          </a:p>
+        </p:txBody>
+      </p:sp>
+    </p:spTree>
+  </p:cSld>
+  <p:clrMapOvr>
+    <a:masterClrMapping/>
+  </p:clrMapOvr>
+</p:sld>
+</file>
+
+<file path=ppt/slides/slide21.xml><?xml version="1.0" encoding="utf-8"?>
+<p:sld xmlns:a="http://schemas.openxmlformats.org/drawingml/2006/main" xmlns:r="http://schemas.openxmlformats.org/officeDocument/2006/relationships" xmlns:mc="http://schemas.openxmlformats.org/markup-compatibility/2006" xmlns:mv="urn:schemas-microsoft-com:mac:vml" xmlns:p="http://schemas.openxmlformats.org/presentationml/2006/main" xmlns:c="http://schemas.openxmlformats.org/drawingml/2006/chart" xmlns:dgm="http://schemas.openxmlformats.org/drawingml/2006/diagram" xmlns:o="urn:schemas-microsoft-com:office:office" xmlns:v="urn:schemas-microsoft-com:vml" xmlns:pvml="urn:schemas-microsoft-com:office:powerpoint" xmlns:com="http://schemas.openxmlformats.org/drawingml/2006/compatibility" xmlns:p14="http://schemas.microsoft.com/office/powerpoint/2010/main" xmlns:p15="http://schemas.microsoft.com/office/powerpoint/2012/main" xmlns:ahyp="http://schemas.microsoft.com/office/drawing/2018/hyperlinkcolor">
+  <p:cSld>
+    <p:spTree>
+      <p:nvGrpSpPr>
+        <p:cNvPr id="329" name="Shape 329"/>
+        <p:cNvGrpSpPr/>
+        <p:nvPr/>
+      </p:nvGrpSpPr>
+      <p:grpSpPr>
+        <a:xfrm>
+          <a:off x="0" y="0"/>
+          <a:ext cx="0" cy="0"/>
+          <a:chOff x="0" y="0"/>
+          <a:chExt cx="0" cy="0"/>
+        </a:xfrm>
+      </p:grpSpPr>
+      <p:sp>
+        <p:nvSpPr>
+          <p:cNvPr id="330" name="Google Shape;330;p50"/>
+          <p:cNvSpPr/>
+          <p:nvPr/>
+        </p:nvSpPr>
+        <p:spPr>
+          <a:xfrm>
+            <a:off x="837325" y="2887797"/>
             <a:ext cx="10058100" cy="1082400"/>
           </a:xfrm>
           <a:prstGeom prst="rect">
@@ -28168,6 +28642,285 @@
 </file>
 
 <file path=ppt/theme/theme2.xml><?xml version="1.0" encoding="utf-8"?>
+<a:theme xmlns:a="http://schemas.openxmlformats.org/drawingml/2006/main" xmlns:r="http://schemas.openxmlformats.org/officeDocument/2006/relationships" name="Office Theme">
+  <a:themeElements>
+    <a:clrScheme name="Office">
+      <a:dk1>
+        <a:srgbClr val="000000"/>
+      </a:dk1>
+      <a:lt1>
+        <a:srgbClr val="FFFFFF"/>
+      </a:lt1>
+      <a:dk2>
+        <a:srgbClr val="637052"/>
+      </a:dk2>
+      <a:lt2>
+        <a:srgbClr val="CCDDEA"/>
+      </a:lt2>
+      <a:accent1>
+        <a:srgbClr val="E48312"/>
+      </a:accent1>
+      <a:accent2>
+        <a:srgbClr val="BD582C"/>
+      </a:accent2>
+      <a:accent3>
+        <a:srgbClr val="865640"/>
+      </a:accent3>
+      <a:accent4>
+        <a:srgbClr val="9B8357"/>
+      </a:accent4>
+      <a:accent5>
+        <a:srgbClr val="C2BC80"/>
+      </a:accent5>
+      <a:accent6>
+        <a:srgbClr val="94A088"/>
+      </a:accent6>
+      <a:hlink>
+        <a:srgbClr val="2998E3"/>
+      </a:hlink>
+      <a:folHlink>
+        <a:srgbClr val="8C8C8C"/>
+      </a:folHlink>
+    </a:clrScheme>
+    <a:fontScheme name="Office">
+      <a:majorFont>
+        <a:latin typeface="Arial"/>
+        <a:ea typeface=""/>
+        <a:cs typeface=""/>
+        <a:font script="Jpan" typeface="ＭＳ Ｐゴシック"/>
+        <a:font script="Hang" typeface="맑은 고딕"/>
+        <a:font script="Hans" typeface="宋体"/>
+        <a:font script="Hant" typeface="新細明體"/>
+        <a:font script="Arab" typeface="Times New Roman"/>
+        <a:font script="Hebr" typeface="Times New Roman"/>
+        <a:font script="Thai" typeface="Angsana New"/>
+        <a:font script="Ethi" typeface="Nyala"/>
+        <a:font script="Beng" typeface="Vrinda"/>
+        <a:font script="Gujr" typeface="Shruti"/>
+        <a:font script="Khmr" typeface="MoolBoran"/>
+        <a:font script="Knda" typeface="Tunga"/>
+        <a:font script="Guru" typeface="Raavi"/>
+        <a:font script="Cans" typeface="Euphemia"/>
+        <a:font script="Cher" typeface="Plantagenet Cherokee"/>
+        <a:font script="Yiii" typeface="Microsoft Yi Baiti"/>
+        <a:font script="Tibt" typeface="Microsoft Himalaya"/>
+        <a:font script="Thaa" typeface="MV Boli"/>
+        <a:font script="Deva" typeface="Mangal"/>
+        <a:font script="Telu" typeface="Gautami"/>
+        <a:font script="Taml" typeface="Latha"/>
+        <a:font script="Syrc" typeface="Estrangelo Edessa"/>
+        <a:font script="Orya" typeface="Kalinga"/>
+        <a:font script="Mlym" typeface="Kartika"/>
+        <a:font script="Laoo" typeface="DokChampa"/>
+        <a:font script="Sinh" typeface="Iskoola Pota"/>
+        <a:font script="Mong" typeface="Mongolian Baiti"/>
+        <a:font script="Viet" typeface="Times New Roman"/>
+        <a:font script="Uigh" typeface="Microsoft Uighur"/>
+        <a:font script="Geor" typeface="Sylfaen"/>
+      </a:majorFont>
+      <a:minorFont>
+        <a:latin typeface="Arial"/>
+        <a:ea typeface=""/>
+        <a:cs typeface=""/>
+        <a:font script="Jpan" typeface="ＭＳ Ｐゴシック"/>
+        <a:font script="Hang" typeface="맑은 고딕"/>
+        <a:font script="Hans" typeface="宋体"/>
+        <a:font script="Hant" typeface="新細明體"/>
+        <a:font script="Arab" typeface="Arial"/>
+        <a:font script="Hebr" typeface="Arial"/>
+        <a:font script="Thai" typeface="Cordia New"/>
+        <a:font script="Ethi" typeface="Nyala"/>
+        <a:font script="Beng" typeface="Vrinda"/>
+        <a:font script="Gujr" typeface="Shruti"/>
+        <a:font script="Khmr" typeface="DaunPenh"/>
+        <a:font script="Knda" typeface="Tunga"/>
+        <a:font script="Guru" typeface="Raavi"/>
+        <a:font script="Cans" typeface="Euphemia"/>
+        <a:font script="Cher" typeface="Plantagenet Cherokee"/>
+        <a:font script="Yiii" typeface="Microsoft Yi Baiti"/>
+        <a:font script="Tibt" typeface="Microsoft Himalaya"/>
+        <a:font script="Thaa" typeface="MV Boli"/>
+        <a:font script="Deva" typeface="Mangal"/>
+        <a:font script="Telu" typeface="Gautami"/>
+        <a:font script="Taml" typeface="Latha"/>
+        <a:font script="Syrc" typeface="Estrangelo Edessa"/>
+        <a:font script="Orya" typeface="Kalinga"/>
+        <a:font script="Mlym" typeface="Kartika"/>
+        <a:font script="Laoo" typeface="DokChampa"/>
+        <a:font script="Sinh" typeface="Iskoola Pota"/>
+        <a:font script="Mong" typeface="Mongolian Baiti"/>
+        <a:font script="Viet" typeface="Arial"/>
+        <a:font script="Uigh" typeface="Microsoft Uighur"/>
+        <a:font script="Geor" typeface="Sylfaen"/>
+      </a:minorFont>
+    </a:fontScheme>
+    <a:fmtScheme name="Office">
+      <a:fillStyleLst>
+        <a:solidFill>
+          <a:schemeClr val="phClr"/>
+        </a:solidFill>
+        <a:gradFill rotWithShape="1">
+          <a:gsLst>
+            <a:gs pos="0">
+              <a:schemeClr val="phClr">
+                <a:tint val="50000"/>
+                <a:satMod val="300000"/>
+              </a:schemeClr>
+            </a:gs>
+            <a:gs pos="35000">
+              <a:schemeClr val="phClr">
+                <a:tint val="37000"/>
+                <a:satMod val="300000"/>
+              </a:schemeClr>
+            </a:gs>
+            <a:gs pos="100000">
+              <a:schemeClr val="phClr">
+                <a:tint val="15000"/>
+                <a:satMod val="350000"/>
+              </a:schemeClr>
+            </a:gs>
+          </a:gsLst>
+          <a:lin ang="16200000" scaled="1"/>
+        </a:gradFill>
+        <a:gradFill rotWithShape="1">
+          <a:gsLst>
+            <a:gs pos="0">
+              <a:schemeClr val="phClr">
+                <a:tint val="100000"/>
+                <a:shade val="100000"/>
+                <a:satMod val="130000"/>
+              </a:schemeClr>
+            </a:gs>
+            <a:gs pos="100000">
+              <a:schemeClr val="phClr">
+                <a:tint val="50000"/>
+                <a:shade val="100000"/>
+                <a:satMod val="350000"/>
+              </a:schemeClr>
+            </a:gs>
+          </a:gsLst>
+          <a:lin ang="16200000" scaled="0"/>
+        </a:gradFill>
+      </a:fillStyleLst>
+      <a:lnStyleLst>
+        <a:ln w="9525" cap="flat" cmpd="sng" algn="ctr">
+          <a:solidFill>
+            <a:schemeClr val="phClr">
+              <a:shade val="95000"/>
+              <a:satMod val="105000"/>
+            </a:schemeClr>
+          </a:solidFill>
+          <a:prstDash val="solid"/>
+        </a:ln>
+        <a:ln w="25400" cap="flat" cmpd="sng" algn="ctr">
+          <a:solidFill>
+            <a:schemeClr val="phClr"/>
+          </a:solidFill>
+          <a:prstDash val="solid"/>
+        </a:ln>
+        <a:ln w="38100" cap="flat" cmpd="sng" algn="ctr">
+          <a:solidFill>
+            <a:schemeClr val="phClr"/>
+          </a:solidFill>
+          <a:prstDash val="solid"/>
+        </a:ln>
+      </a:lnStyleLst>
+      <a:effectStyleLst>
+        <a:effectStyle>
+          <a:effectLst>
+            <a:outerShdw blurRad="40000" dist="20000" dir="5400000" rotWithShape="0">
+              <a:srgbClr val="000000">
+                <a:alpha val="38000"/>
+              </a:srgbClr>
+            </a:outerShdw>
+          </a:effectLst>
+        </a:effectStyle>
+        <a:effectStyle>
+          <a:effectLst>
+            <a:outerShdw blurRad="40000" dist="23000" dir="5400000" rotWithShape="0">
+              <a:srgbClr val="000000">
+                <a:alpha val="35000"/>
+              </a:srgbClr>
+            </a:outerShdw>
+          </a:effectLst>
+        </a:effectStyle>
+        <a:effectStyle>
+          <a:effectLst>
+            <a:outerShdw blurRad="40000" dist="23000" dir="5400000" rotWithShape="0">
+              <a:srgbClr val="000000">
+                <a:alpha val="35000"/>
+              </a:srgbClr>
+            </a:outerShdw>
+          </a:effectLst>
+          <a:scene3d>
+            <a:camera prst="orthographicFront">
+              <a:rot lat="0" lon="0" rev="0"/>
+            </a:camera>
+            <a:lightRig rig="threePt" dir="t">
+              <a:rot lat="0" lon="0" rev="1200000"/>
+            </a:lightRig>
+          </a:scene3d>
+          <a:sp3d>
+            <a:bevelT w="63500" h="25400"/>
+          </a:sp3d>
+        </a:effectStyle>
+      </a:effectStyleLst>
+      <a:bgFillStyleLst>
+        <a:solidFill>
+          <a:schemeClr val="phClr"/>
+        </a:solidFill>
+        <a:gradFill rotWithShape="1">
+          <a:gsLst>
+            <a:gs pos="0">
+              <a:schemeClr val="phClr">
+                <a:tint val="40000"/>
+                <a:satMod val="350000"/>
+              </a:schemeClr>
+            </a:gs>
+            <a:gs pos="40000">
+              <a:schemeClr val="phClr">
+                <a:tint val="45000"/>
+                <a:shade val="99000"/>
+                <a:satMod val="350000"/>
+              </a:schemeClr>
+            </a:gs>
+            <a:gs pos="100000">
+              <a:schemeClr val="phClr">
+                <a:shade val="20000"/>
+                <a:satMod val="255000"/>
+              </a:schemeClr>
+            </a:gs>
+          </a:gsLst>
+          <a:path path="circle">
+            <a:fillToRect l="50000" t="-80000" r="50000" b="180000"/>
+          </a:path>
+        </a:gradFill>
+        <a:gradFill rotWithShape="1">
+          <a:gsLst>
+            <a:gs pos="0">
+              <a:schemeClr val="phClr">
+                <a:tint val="80000"/>
+                <a:satMod val="300000"/>
+              </a:schemeClr>
+            </a:gs>
+            <a:gs pos="100000">
+              <a:schemeClr val="phClr">
+                <a:shade val="30000"/>
+                <a:satMod val="200000"/>
+              </a:schemeClr>
+            </a:gs>
+          </a:gsLst>
+          <a:path path="circle">
+            <a:fillToRect l="50000" t="50000" r="50000" b="50000"/>
+          </a:path>
+        </a:gradFill>
+      </a:bgFillStyleLst>
+    </a:fmtScheme>
+  </a:themeElements>
+</a:theme>
+</file>
+
+<file path=ppt/theme/theme3.xml><?xml version="1.0" encoding="utf-8"?>
 <a:theme xmlns:a="http://schemas.openxmlformats.org/drawingml/2006/main" xmlns:r="http://schemas.openxmlformats.org/officeDocument/2006/relationships">
   <a:themeElements>
     <a:clrScheme name="Default">
@@ -28444,283 +29197,4 @@
     </a:fmtScheme>
   </a:themeElements>
 </a:theme>
-</file>
-
-<file path=ppt/theme/theme3.xml><?xml version="1.0" encoding="utf-8"?>
-<a:theme xmlns:a="http://schemas.openxmlformats.org/drawingml/2006/main" xmlns:r="http://schemas.openxmlformats.org/officeDocument/2006/relationships" name="Office Theme">
-  <a:themeElements>
-    <a:clrScheme name="Office">
-      <a:dk1>
-        <a:srgbClr val="000000"/>
-      </a:dk1>
-      <a:lt1>
-        <a:srgbClr val="FFFFFF"/>
-      </a:lt1>
-      <a:dk2>
-        <a:srgbClr val="637052"/>
-      </a:dk2>
-      <a:lt2>
-        <a:srgbClr val="CCDDEA"/>
-      </a:lt2>
-      <a:accent1>
-        <a:srgbClr val="E48312"/>
-      </a:accent1>
-      <a:accent2>
-        <a:srgbClr val="BD582C"/>
-      </a:accent2>
-      <a:accent3>
-        <a:srgbClr val="865640"/>
-      </a:accent3>
-      <a:accent4>
-        <a:srgbClr val="9B8357"/>
-      </a:accent4>
-      <a:accent5>
-        <a:srgbClr val="C2BC80"/>
-      </a:accent5>
-      <a:accent6>
-        <a:srgbClr val="94A088"/>
-      </a:accent6>
-      <a:hlink>
-        <a:srgbClr val="2998E3"/>
-      </a:hlink>
-      <a:folHlink>
-        <a:srgbClr val="8C8C8C"/>
-      </a:folHlink>
-    </a:clrScheme>
-    <a:fontScheme name="Office">
-      <a:majorFont>
-        <a:latin typeface="Arial"/>
-        <a:ea typeface=""/>
-        <a:cs typeface=""/>
-        <a:font script="Jpan" typeface="ＭＳ Ｐゴシック"/>
-        <a:font script="Hang" typeface="맑은 고딕"/>
-        <a:font script="Hans" typeface="宋体"/>
-        <a:font script="Hant" typeface="新細明體"/>
-        <a:font script="Arab" typeface="Times New Roman"/>
-        <a:font script="Hebr" typeface="Times New Roman"/>
-        <a:font script="Thai" typeface="Angsana New"/>
-        <a:font script="Ethi" typeface="Nyala"/>
-        <a:font script="Beng" typeface="Vrinda"/>
-        <a:font script="Gujr" typeface="Shruti"/>
-        <a:font script="Khmr" typeface="MoolBoran"/>
-        <a:font script="Knda" typeface="Tunga"/>
-        <a:font script="Guru" typeface="Raavi"/>
-        <a:font script="Cans" typeface="Euphemia"/>
-        <a:font script="Cher" typeface="Plantagenet Cherokee"/>
-        <a:font script="Yiii" typeface="Microsoft Yi Baiti"/>
-        <a:font script="Tibt" typeface="Microsoft Himalaya"/>
-        <a:font script="Thaa" typeface="MV Boli"/>
-        <a:font script="Deva" typeface="Mangal"/>
-        <a:font script="Telu" typeface="Gautami"/>
-        <a:font script="Taml" typeface="Latha"/>
-        <a:font script="Syrc" typeface="Estrangelo Edessa"/>
-        <a:font script="Orya" typeface="Kalinga"/>
-        <a:font script="Mlym" typeface="Kartika"/>
-        <a:font script="Laoo" typeface="DokChampa"/>
-        <a:font script="Sinh" typeface="Iskoola Pota"/>
-        <a:font script="Mong" typeface="Mongolian Baiti"/>
-        <a:font script="Viet" typeface="Times New Roman"/>
-        <a:font script="Uigh" typeface="Microsoft Uighur"/>
-        <a:font script="Geor" typeface="Sylfaen"/>
-      </a:majorFont>
-      <a:minorFont>
-        <a:latin typeface="Arial"/>
-        <a:ea typeface=""/>
-        <a:cs typeface=""/>
-        <a:font script="Jpan" typeface="ＭＳ Ｐゴシック"/>
-        <a:font script="Hang" typeface="맑은 고딕"/>
-        <a:font script="Hans" typeface="宋体"/>
-        <a:font script="Hant" typeface="新細明體"/>
-        <a:font script="Arab" typeface="Arial"/>
-        <a:font script="Hebr" typeface="Arial"/>
-        <a:font script="Thai" typeface="Cordia New"/>
-        <a:font script="Ethi" typeface="Nyala"/>
-        <a:font script="Beng" typeface="Vrinda"/>
-        <a:font script="Gujr" typeface="Shruti"/>
-        <a:font script="Khmr" typeface="DaunPenh"/>
-        <a:font script="Knda" typeface="Tunga"/>
-        <a:font script="Guru" typeface="Raavi"/>
-        <a:font script="Cans" typeface="Euphemia"/>
-        <a:font script="Cher" typeface="Plantagenet Cherokee"/>
-        <a:font script="Yiii" typeface="Microsoft Yi Baiti"/>
-        <a:font script="Tibt" typeface="Microsoft Himalaya"/>
-        <a:font script="Thaa" typeface="MV Boli"/>
-        <a:font script="Deva" typeface="Mangal"/>
-        <a:font script="Telu" typeface="Gautami"/>
-        <a:font script="Taml" typeface="Latha"/>
-        <a:font script="Syrc" typeface="Estrangelo Edessa"/>
-        <a:font script="Orya" typeface="Kalinga"/>
-        <a:font script="Mlym" typeface="Kartika"/>
-        <a:font script="Laoo" typeface="DokChampa"/>
-        <a:font script="Sinh" typeface="Iskoola Pota"/>
-        <a:font script="Mong" typeface="Mongolian Baiti"/>
-        <a:font script="Viet" typeface="Arial"/>
-        <a:font script="Uigh" typeface="Microsoft Uighur"/>
-        <a:font script="Geor" typeface="Sylfaen"/>
-      </a:minorFont>
-    </a:fontScheme>
-    <a:fmtScheme name="Office">
-      <a:fillStyleLst>
-        <a:solidFill>
-          <a:schemeClr val="phClr"/>
-        </a:solidFill>
-        <a:gradFill rotWithShape="1">
-          <a:gsLst>
-            <a:gs pos="0">
-              <a:schemeClr val="phClr">
-                <a:tint val="50000"/>
-                <a:satMod val="300000"/>
-              </a:schemeClr>
-            </a:gs>
-            <a:gs pos="35000">
-              <a:schemeClr val="phClr">
-                <a:tint val="37000"/>
-                <a:satMod val="300000"/>
-              </a:schemeClr>
-            </a:gs>
-            <a:gs pos="100000">
-              <a:schemeClr val="phClr">
-                <a:tint val="15000"/>
-                <a:satMod val="350000"/>
-              </a:schemeClr>
-            </a:gs>
-          </a:gsLst>
-          <a:lin ang="16200000" scaled="1"/>
-        </a:gradFill>
-        <a:gradFill rotWithShape="1">
-          <a:gsLst>
-            <a:gs pos="0">
-              <a:schemeClr val="phClr">
-                <a:tint val="100000"/>
-                <a:shade val="100000"/>
-                <a:satMod val="130000"/>
-              </a:schemeClr>
-            </a:gs>
-            <a:gs pos="100000">
-              <a:schemeClr val="phClr">
-                <a:tint val="50000"/>
-                <a:shade val="100000"/>
-                <a:satMod val="350000"/>
-              </a:schemeClr>
-            </a:gs>
-          </a:gsLst>
-          <a:lin ang="16200000" scaled="0"/>
-        </a:gradFill>
-      </a:fillStyleLst>
-      <a:lnStyleLst>
-        <a:ln w="9525" cap="flat" cmpd="sng" algn="ctr">
-          <a:solidFill>
-            <a:schemeClr val="phClr">
-              <a:shade val="95000"/>
-              <a:satMod val="105000"/>
-            </a:schemeClr>
-          </a:solidFill>
-          <a:prstDash val="solid"/>
-        </a:ln>
-        <a:ln w="25400" cap="flat" cmpd="sng" algn="ctr">
-          <a:solidFill>
-            <a:schemeClr val="phClr"/>
-          </a:solidFill>
-          <a:prstDash val="solid"/>
-        </a:ln>
-        <a:ln w="38100" cap="flat" cmpd="sng" algn="ctr">
-          <a:solidFill>
-            <a:schemeClr val="phClr"/>
-          </a:solidFill>
-          <a:prstDash val="solid"/>
-        </a:ln>
-      </a:lnStyleLst>
-      <a:effectStyleLst>
-        <a:effectStyle>
-          <a:effectLst>
-            <a:outerShdw blurRad="40000" dist="20000" dir="5400000" rotWithShape="0">
-              <a:srgbClr val="000000">
-                <a:alpha val="38000"/>
-              </a:srgbClr>
-            </a:outerShdw>
-          </a:effectLst>
-        </a:effectStyle>
-        <a:effectStyle>
-          <a:effectLst>
-            <a:outerShdw blurRad="40000" dist="23000" dir="5400000" rotWithShape="0">
-              <a:srgbClr val="000000">
-                <a:alpha val="35000"/>
-              </a:srgbClr>
-            </a:outerShdw>
-          </a:effectLst>
-        </a:effectStyle>
-        <a:effectStyle>
-          <a:effectLst>
-            <a:outerShdw blurRad="40000" dist="23000" dir="5400000" rotWithShape="0">
-              <a:srgbClr val="000000">
-                <a:alpha val="35000"/>
-              </a:srgbClr>
-            </a:outerShdw>
-          </a:effectLst>
-          <a:scene3d>
-            <a:camera prst="orthographicFront">
-              <a:rot lat="0" lon="0" rev="0"/>
-            </a:camera>
-            <a:lightRig rig="threePt" dir="t">
-              <a:rot lat="0" lon="0" rev="1200000"/>
-            </a:lightRig>
-          </a:scene3d>
-          <a:sp3d>
-            <a:bevelT w="63500" h="25400"/>
-          </a:sp3d>
-        </a:effectStyle>
-      </a:effectStyleLst>
-      <a:bgFillStyleLst>
-        <a:solidFill>
-          <a:schemeClr val="phClr"/>
-        </a:solidFill>
-        <a:gradFill rotWithShape="1">
-          <a:gsLst>
-            <a:gs pos="0">
-              <a:schemeClr val="phClr">
-                <a:tint val="40000"/>
-                <a:satMod val="350000"/>
-              </a:schemeClr>
-            </a:gs>
-            <a:gs pos="40000">
-              <a:schemeClr val="phClr">
-                <a:tint val="45000"/>
-                <a:shade val="99000"/>
-                <a:satMod val="350000"/>
-              </a:schemeClr>
-            </a:gs>
-            <a:gs pos="100000">
-              <a:schemeClr val="phClr">
-                <a:shade val="20000"/>
-                <a:satMod val="255000"/>
-              </a:schemeClr>
-            </a:gs>
-          </a:gsLst>
-          <a:path path="circle">
-            <a:fillToRect l="50000" t="-80000" r="50000" b="180000"/>
-          </a:path>
-        </a:gradFill>
-        <a:gradFill rotWithShape="1">
-          <a:gsLst>
-            <a:gs pos="0">
-              <a:schemeClr val="phClr">
-                <a:tint val="80000"/>
-                <a:satMod val="300000"/>
-              </a:schemeClr>
-            </a:gs>
-            <a:gs pos="100000">
-              <a:schemeClr val="phClr">
-                <a:shade val="30000"/>
-                <a:satMod val="200000"/>
-              </a:schemeClr>
-            </a:gs>
-          </a:gsLst>
-          <a:path path="circle">
-            <a:fillToRect l="50000" t="50000" r="50000" b="50000"/>
-          </a:path>
-        </a:gradFill>
-      </a:bgFillStyleLst>
-    </a:fmtScheme>
-  </a:themeElements>
-</a:theme>
 </file>
--- a/final_presentation_groupA.pptx
+++ b/final_presentation_groupA.pptx
@@ -29,6 +29,7 @@
     <p:sldId id="273" r:id="rId23"/>
     <p:sldId id="274" r:id="rId24"/>
     <p:sldId id="275" r:id="rId25"/>
+    <p:sldId id="276" r:id="rId26"/>
   </p:sldIdLst>
   <p:sldSz cy="6858000" cx="12192000"/>
   <p:notesSz cx="7559675" cy="10691800"/>
@@ -1897,7 +1898,7 @@
       </p:grpSpPr>
       <p:sp>
         <p:nvSpPr>
-          <p:cNvPr id="321" name="Google Shape;321;g2b0a00b8392_0_7:notes"/>
+          <p:cNvPr id="321" name="Google Shape;321;g513e17676fab8f8b_4:notes"/>
           <p:cNvSpPr/>
           <p:nvPr>
             <p:ph idx="2" type="sldImg"/>
@@ -1932,7 +1933,106 @@
       </p:sp>
       <p:sp>
         <p:nvSpPr>
-          <p:cNvPr id="322" name="Google Shape;322;g2b0a00b8392_0_7:notes"/>
+          <p:cNvPr id="322" name="Google Shape;322;g513e17676fab8f8b_4:notes"/>
+          <p:cNvSpPr txBox="1"/>
+          <p:nvPr>
+            <p:ph idx="1" type="body"/>
+          </p:nvPr>
+        </p:nvSpPr>
+        <p:spPr>
+          <a:xfrm>
+            <a:off x="755950" y="5078600"/>
+            <a:ext cx="6047700" cy="4811400"/>
+          </a:xfrm>
+          <a:prstGeom prst="rect">
+            <a:avLst/>
+          </a:prstGeom>
+        </p:spPr>
+        <p:txBody>
+          <a:bodyPr anchorCtr="0" anchor="t" bIns="91425" lIns="91425" spcFirstLastPara="1" rIns="91425" wrap="square" tIns="91425">
+            <a:noAutofit/>
+          </a:bodyPr>
+          <a:lstStyle/>
+          <a:p>
+            <a:pPr indent="0" lvl="0" marL="0" rtl="0" algn="l">
+              <a:spcBef>
+                <a:spcPts val="0"/>
+              </a:spcBef>
+              <a:spcAft>
+                <a:spcPts val="0"/>
+              </a:spcAft>
+              <a:buNone/>
+            </a:pPr>
+            <a:r>
+              <a:t/>
+            </a:r>
+            <a:endParaRPr/>
+          </a:p>
+        </p:txBody>
+      </p:sp>
+    </p:spTree>
+  </p:cSld>
+  <p:clrMapOvr>
+    <a:masterClrMapping/>
+  </p:clrMapOvr>
+</p:notes>
+</file>
+
+<file path=ppt/notesSlides/notesSlide21.xml><?xml version="1.0" encoding="utf-8"?>
+<p:notes xmlns:a="http://schemas.openxmlformats.org/drawingml/2006/main" xmlns:r="http://schemas.openxmlformats.org/officeDocument/2006/relationships" xmlns:mc="http://schemas.openxmlformats.org/markup-compatibility/2006" xmlns:mv="urn:schemas-microsoft-com:mac:vml" xmlns:p="http://schemas.openxmlformats.org/presentationml/2006/main" xmlns:c="http://schemas.openxmlformats.org/drawingml/2006/chart" xmlns:dgm="http://schemas.openxmlformats.org/drawingml/2006/diagram" xmlns:o="urn:schemas-microsoft-com:office:office" xmlns:v="urn:schemas-microsoft-com:vml" xmlns:pvml="urn:schemas-microsoft-com:office:powerpoint" xmlns:com="http://schemas.openxmlformats.org/drawingml/2006/compatibility" xmlns:p14="http://schemas.microsoft.com/office/powerpoint/2010/main" xmlns:p15="http://schemas.microsoft.com/office/powerpoint/2012/main" xmlns:ahyp="http://schemas.microsoft.com/office/drawing/2018/hyperlinkcolor" showMasterPhAnim="0" showMasterSp="0">
+  <p:cSld>
+    <p:spTree>
+      <p:nvGrpSpPr>
+        <p:cNvPr id="326" name="Shape 326"/>
+        <p:cNvGrpSpPr/>
+        <p:nvPr/>
+      </p:nvGrpSpPr>
+      <p:grpSpPr>
+        <a:xfrm>
+          <a:off x="0" y="0"/>
+          <a:ext cx="0" cy="0"/>
+          <a:chOff x="0" y="0"/>
+          <a:chExt cx="0" cy="0"/>
+        </a:xfrm>
+      </p:grpSpPr>
+      <p:sp>
+        <p:nvSpPr>
+          <p:cNvPr id="327" name="Google Shape;327;g2b0a00b8392_0_7:notes"/>
+          <p:cNvSpPr/>
+          <p:nvPr>
+            <p:ph idx="2" type="sldImg"/>
+          </p:nvPr>
+        </p:nvSpPr>
+        <p:spPr>
+          <a:xfrm>
+            <a:off x="1260175" y="801875"/>
+            <a:ext cx="5040000" cy="4009500"/>
+          </a:xfrm>
+          <a:custGeom>
+            <a:rect b="b" l="l" r="r" t="t"/>
+            <a:pathLst>
+              <a:path extrusionOk="0" h="120000" w="120000">
+                <a:moveTo>
+                  <a:pt x="0" y="0"/>
+                </a:moveTo>
+                <a:lnTo>
+                  <a:pt x="120000" y="0"/>
+                </a:lnTo>
+                <a:lnTo>
+                  <a:pt x="120000" y="120000"/>
+                </a:lnTo>
+                <a:lnTo>
+                  <a:pt x="0" y="120000"/>
+                </a:lnTo>
+                <a:close/>
+              </a:path>
+            </a:pathLst>
+          </a:custGeom>
+        </p:spPr>
+      </p:sp>
+      <p:sp>
+        <p:nvSpPr>
+          <p:cNvPr id="328" name="Google Shape;328;g2b0a00b8392_0_7:notes"/>
           <p:cNvSpPr txBox="1"/>
           <p:nvPr>
             <p:ph idx="1" type="body"/>
@@ -24830,7 +24930,381 @@
         </p:nvSpPr>
         <p:spPr>
           <a:xfrm>
-            <a:off x="1408825" y="2963097"/>
+            <a:off x="1254125" y="428625"/>
+            <a:ext cx="9213300" cy="1143000"/>
+          </a:xfrm>
+          <a:prstGeom prst="rect">
+            <a:avLst/>
+          </a:prstGeom>
+          <a:noFill/>
+          <a:ln>
+            <a:noFill/>
+          </a:ln>
+        </p:spPr>
+        <p:txBody>
+          <a:bodyPr anchorCtr="0" anchor="b" bIns="45700" lIns="91425" spcFirstLastPara="1" rIns="91425" wrap="square" tIns="45700">
+            <a:noAutofit/>
+          </a:bodyPr>
+          <a:lstStyle/>
+          <a:p>
+            <a:pPr indent="0" lvl="0" marL="0" rtl="0" algn="l">
+              <a:lnSpc>
+                <a:spcPct val="85000"/>
+              </a:lnSpc>
+              <a:spcBef>
+                <a:spcPts val="0"/>
+              </a:spcBef>
+              <a:spcAft>
+                <a:spcPts val="0"/>
+              </a:spcAft>
+              <a:buNone/>
+            </a:pPr>
+            <a:r>
+              <a:rPr lang="en-US" sz="4800">
+                <a:solidFill>
+                  <a:srgbClr val="404040"/>
+                </a:solidFill>
+                <a:latin typeface="Calibri"/>
+                <a:ea typeface="Calibri"/>
+                <a:cs typeface="Calibri"/>
+                <a:sym typeface="Calibri"/>
+              </a:rPr>
+              <a:t>Competition Preparation</a:t>
+            </a:r>
+            <a:r>
+              <a:rPr lang="en-US" sz="4800">
+                <a:solidFill>
+                  <a:srgbClr val="404040"/>
+                </a:solidFill>
+                <a:latin typeface="Calibri"/>
+                <a:ea typeface="Calibri"/>
+                <a:cs typeface="Calibri"/>
+                <a:sym typeface="Calibri"/>
+              </a:rPr>
+              <a:t> </a:t>
+            </a:r>
+            <a:endParaRPr sz="4560">
+              <a:solidFill>
+                <a:srgbClr val="404040"/>
+              </a:solidFill>
+              <a:latin typeface="Calibri"/>
+              <a:ea typeface="Calibri"/>
+              <a:cs typeface="Calibri"/>
+              <a:sym typeface="Calibri"/>
+            </a:endParaRPr>
+          </a:p>
+        </p:txBody>
+      </p:sp>
+      <p:sp>
+        <p:nvSpPr>
+          <p:cNvPr id="325" name="Google Shape;325;p49"/>
+          <p:cNvSpPr txBox="1"/>
+          <p:nvPr/>
+        </p:nvSpPr>
+        <p:spPr>
+          <a:xfrm>
+            <a:off x="1260000" y="2132400"/>
+            <a:ext cx="8438100" cy="2700000"/>
+          </a:xfrm>
+          <a:prstGeom prst="rect">
+            <a:avLst/>
+          </a:prstGeom>
+          <a:noFill/>
+          <a:ln>
+            <a:noFill/>
+          </a:ln>
+        </p:spPr>
+        <p:txBody>
+          <a:bodyPr anchorCtr="0" anchor="t" bIns="45700" lIns="0" spcFirstLastPara="1" rIns="0" wrap="square" tIns="45700">
+            <a:noAutofit/>
+          </a:bodyPr>
+          <a:lstStyle/>
+          <a:p>
+            <a:pPr indent="0" lvl="0" marL="127359" marR="0" rtl="0" algn="l">
+              <a:lnSpc>
+                <a:spcPct val="90000"/>
+              </a:lnSpc>
+              <a:spcBef>
+                <a:spcPts val="1400"/>
+              </a:spcBef>
+              <a:spcAft>
+                <a:spcPts val="0"/>
+              </a:spcAft>
+              <a:buClr>
+                <a:srgbClr val="E48312"/>
+              </a:buClr>
+              <a:buSzPts val="2000"/>
+              <a:buFont typeface="Calibri"/>
+              <a:buNone/>
+            </a:pPr>
+            <a:r>
+              <a:t/>
+            </a:r>
+            <a:endParaRPr b="0" sz="2000" strike="noStrike">
+              <a:solidFill>
+                <a:srgbClr val="404040"/>
+              </a:solidFill>
+              <a:latin typeface="Calibri"/>
+              <a:ea typeface="Calibri"/>
+              <a:cs typeface="Calibri"/>
+              <a:sym typeface="Calibri"/>
+            </a:endParaRPr>
+          </a:p>
+          <a:p>
+            <a:pPr indent="-456840" lvl="0" marL="457200" marR="0" rtl="0" algn="l">
+              <a:lnSpc>
+                <a:spcPct val="90000"/>
+              </a:lnSpc>
+              <a:spcBef>
+                <a:spcPts val="1400"/>
+              </a:spcBef>
+              <a:spcAft>
+                <a:spcPts val="0"/>
+              </a:spcAft>
+              <a:buClr>
+                <a:srgbClr val="E48312"/>
+              </a:buClr>
+              <a:buSzPts val="2000"/>
+              <a:buFont typeface="Calibri"/>
+              <a:buAutoNum type="arabicPeriod"/>
+            </a:pPr>
+            <a:r>
+              <a:rPr b="0" lang="en-US" sz="2000" strike="noStrike">
+                <a:solidFill>
+                  <a:srgbClr val="404040"/>
+                </a:solidFill>
+                <a:latin typeface="Calibri"/>
+                <a:ea typeface="Calibri"/>
+                <a:cs typeface="Calibri"/>
+                <a:sym typeface="Calibri"/>
+              </a:rPr>
+              <a:t>Data</a:t>
+            </a:r>
+            <a:r>
+              <a:rPr lang="en-US" sz="2000">
+                <a:solidFill>
+                  <a:srgbClr val="404040"/>
+                </a:solidFill>
+                <a:latin typeface="Calibri"/>
+                <a:ea typeface="Calibri"/>
+                <a:cs typeface="Calibri"/>
+                <a:sym typeface="Calibri"/>
+              </a:rPr>
+              <a:t>set - images from 000 to 899</a:t>
+            </a:r>
+            <a:endParaRPr/>
+          </a:p>
+          <a:p>
+            <a:pPr indent="-329840" lvl="0" marL="457200" marR="0" rtl="0" algn="l">
+              <a:lnSpc>
+                <a:spcPct val="90000"/>
+              </a:lnSpc>
+              <a:spcBef>
+                <a:spcPts val="1400"/>
+              </a:spcBef>
+              <a:spcAft>
+                <a:spcPts val="0"/>
+              </a:spcAft>
+              <a:buClr>
+                <a:srgbClr val="E48312"/>
+              </a:buClr>
+              <a:buSzPts val="2000"/>
+              <a:buFont typeface="Calibri"/>
+              <a:buNone/>
+            </a:pPr>
+            <a:r>
+              <a:t/>
+            </a:r>
+            <a:endParaRPr b="0" sz="2000" strike="noStrike">
+              <a:solidFill>
+                <a:srgbClr val="404040"/>
+              </a:solidFill>
+              <a:latin typeface="Calibri"/>
+              <a:ea typeface="Calibri"/>
+              <a:cs typeface="Calibri"/>
+              <a:sym typeface="Calibri"/>
+            </a:endParaRPr>
+          </a:p>
+          <a:p>
+            <a:pPr indent="-456840" lvl="0" marL="457200" marR="0" rtl="0" algn="l">
+              <a:lnSpc>
+                <a:spcPct val="90000"/>
+              </a:lnSpc>
+              <a:spcBef>
+                <a:spcPts val="1400"/>
+              </a:spcBef>
+              <a:spcAft>
+                <a:spcPts val="0"/>
+              </a:spcAft>
+              <a:buClr>
+                <a:srgbClr val="E48312"/>
+              </a:buClr>
+              <a:buSzPts val="2000"/>
+              <a:buFont typeface="Calibri"/>
+              <a:buAutoNum type="arabicPeriod"/>
+            </a:pPr>
+            <a:r>
+              <a:rPr lang="en-US" sz="2000">
+                <a:solidFill>
+                  <a:srgbClr val="404040"/>
+                </a:solidFill>
+                <a:latin typeface="Calibri"/>
+                <a:ea typeface="Calibri"/>
+                <a:cs typeface="Calibri"/>
+                <a:sym typeface="Calibri"/>
+              </a:rPr>
+              <a:t>75 images from each class (50 rotated in 180º and 25 originals)</a:t>
+            </a:r>
+            <a:endParaRPr/>
+          </a:p>
+          <a:p>
+            <a:pPr indent="-329840" lvl="0" marL="457200" marR="0" rtl="0" algn="l">
+              <a:lnSpc>
+                <a:spcPct val="90000"/>
+              </a:lnSpc>
+              <a:spcBef>
+                <a:spcPts val="1400"/>
+              </a:spcBef>
+              <a:spcAft>
+                <a:spcPts val="0"/>
+              </a:spcAft>
+              <a:buClr>
+                <a:srgbClr val="E48312"/>
+              </a:buClr>
+              <a:buSzPts val="2000"/>
+              <a:buFont typeface="Calibri"/>
+              <a:buNone/>
+            </a:pPr>
+            <a:r>
+              <a:t/>
+            </a:r>
+            <a:endParaRPr b="0" sz="2000" strike="noStrike">
+              <a:solidFill>
+                <a:srgbClr val="404040"/>
+              </a:solidFill>
+              <a:latin typeface="Calibri"/>
+              <a:ea typeface="Calibri"/>
+              <a:cs typeface="Calibri"/>
+              <a:sym typeface="Calibri"/>
+            </a:endParaRPr>
+          </a:p>
+          <a:p>
+            <a:pPr indent="-456840" lvl="0" marL="457200" marR="0" rtl="0" algn="l">
+              <a:lnSpc>
+                <a:spcPct val="90000"/>
+              </a:lnSpc>
+              <a:spcBef>
+                <a:spcPts val="1400"/>
+              </a:spcBef>
+              <a:spcAft>
+                <a:spcPts val="0"/>
+              </a:spcAft>
+              <a:buClr>
+                <a:srgbClr val="E48312"/>
+              </a:buClr>
+              <a:buSzPts val="2000"/>
+              <a:buFont typeface="Calibri"/>
+              <a:buAutoNum type="arabicPeriod"/>
+            </a:pPr>
+            <a:r>
+              <a:rPr lang="en-US" sz="2000">
+                <a:solidFill>
+                  <a:srgbClr val="404040"/>
+                </a:solidFill>
+                <a:latin typeface="Calibri"/>
+                <a:ea typeface="Calibri"/>
+                <a:cs typeface="Calibri"/>
+                <a:sym typeface="Calibri"/>
+              </a:rPr>
+              <a:t>Organized randomly + .csv file</a:t>
+            </a:r>
+            <a:endParaRPr/>
+          </a:p>
+          <a:p>
+            <a:pPr indent="-329840" lvl="0" marL="457200" marR="0" rtl="0" algn="l">
+              <a:lnSpc>
+                <a:spcPct val="90000"/>
+              </a:lnSpc>
+              <a:spcBef>
+                <a:spcPts val="1400"/>
+              </a:spcBef>
+              <a:spcAft>
+                <a:spcPts val="0"/>
+              </a:spcAft>
+              <a:buClr>
+                <a:srgbClr val="E48312"/>
+              </a:buClr>
+              <a:buSzPts val="2000"/>
+              <a:buFont typeface="Calibri"/>
+              <a:buNone/>
+            </a:pPr>
+            <a:r>
+              <a:t/>
+            </a:r>
+            <a:endParaRPr b="0" sz="2000" strike="noStrike">
+              <a:solidFill>
+                <a:srgbClr val="404040"/>
+              </a:solidFill>
+              <a:latin typeface="Calibri"/>
+              <a:ea typeface="Calibri"/>
+              <a:cs typeface="Calibri"/>
+              <a:sym typeface="Calibri"/>
+            </a:endParaRPr>
+          </a:p>
+          <a:p>
+            <a:pPr indent="0" lvl="0" marL="457200" marR="0" rtl="0" algn="l">
+              <a:lnSpc>
+                <a:spcPct val="90000"/>
+              </a:lnSpc>
+              <a:spcBef>
+                <a:spcPts val="1400"/>
+              </a:spcBef>
+              <a:spcAft>
+                <a:spcPts val="0"/>
+              </a:spcAft>
+              <a:buNone/>
+            </a:pPr>
+            <a:r>
+              <a:t/>
+            </a:r>
+            <a:endParaRPr/>
+          </a:p>
+        </p:txBody>
+      </p:sp>
+    </p:spTree>
+  </p:cSld>
+  <p:clrMapOvr>
+    <a:masterClrMapping/>
+  </p:clrMapOvr>
+</p:sld>
+</file>
+
+<file path=ppt/slides/slide21.xml><?xml version="1.0" encoding="utf-8"?>
+<p:sld xmlns:a="http://schemas.openxmlformats.org/drawingml/2006/main" xmlns:r="http://schemas.openxmlformats.org/officeDocument/2006/relationships" xmlns:mc="http://schemas.openxmlformats.org/markup-compatibility/2006" xmlns:mv="urn:schemas-microsoft-com:mac:vml" xmlns:p="http://schemas.openxmlformats.org/presentationml/2006/main" xmlns:c="http://schemas.openxmlformats.org/drawingml/2006/chart" xmlns:dgm="http://schemas.openxmlformats.org/drawingml/2006/diagram" xmlns:o="urn:schemas-microsoft-com:office:office" xmlns:v="urn:schemas-microsoft-com:vml" xmlns:pvml="urn:schemas-microsoft-com:office:powerpoint" xmlns:com="http://schemas.openxmlformats.org/drawingml/2006/compatibility" xmlns:p14="http://schemas.microsoft.com/office/powerpoint/2010/main" xmlns:p15="http://schemas.microsoft.com/office/powerpoint/2012/main" xmlns:ahyp="http://schemas.microsoft.com/office/drawing/2018/hyperlinkcolor">
+  <p:cSld>
+    <p:spTree>
+      <p:nvGrpSpPr>
+        <p:cNvPr id="329" name="Shape 329"/>
+        <p:cNvGrpSpPr/>
+        <p:nvPr/>
+      </p:nvGrpSpPr>
+      <p:grpSpPr>
+        <a:xfrm>
+          <a:off x="0" y="0"/>
+          <a:ext cx="0" cy="0"/>
+          <a:chOff x="0" y="0"/>
+          <a:chExt cx="0" cy="0"/>
+        </a:xfrm>
+      </p:grpSpPr>
+      <p:sp>
+        <p:nvSpPr>
+          <p:cNvPr id="330" name="Google Shape;330;p50"/>
+          <p:cNvSpPr/>
+          <p:nvPr/>
+        </p:nvSpPr>
+        <p:spPr>
+          <a:xfrm>
+            <a:off x="837325" y="2887797"/>
             <a:ext cx="10058100" cy="1082400"/>
           </a:xfrm>
           <a:prstGeom prst="rect">
@@ -24962,7 +25436,7 @@
       </p:sp>
       <p:pic>
         <p:nvPicPr>
-          <p:cNvPr descr="A diagram of a drone monitoring system&#10;&#10;Description automatically generated" id="156" name="Google Shape;156;p32"/>
+          <p:cNvPr descr="A diagram of a autonomous driving vehicle&#10;&#10;Description automatically generated" id="156" name="Google Shape;156;p32"/>
           <p:cNvPicPr preferRelativeResize="0"/>
           <p:nvPr/>
         </p:nvPicPr>
@@ -24975,35 +25449,8 @@
         </p:blipFill>
         <p:spPr>
           <a:xfrm>
-            <a:off x="345662" y="1721213"/>
-            <a:ext cx="5211857" cy="4424677"/>
-          </a:xfrm>
-          <a:prstGeom prst="rect">
-            <a:avLst/>
-          </a:prstGeom>
-          <a:noFill/>
-          <a:ln>
-            <a:noFill/>
-          </a:ln>
-        </p:spPr>
-      </p:pic>
-      <p:pic>
-        <p:nvPicPr>
-          <p:cNvPr descr="A diagram of a autonomous driving vehicle&#10;&#10;Description automatically generated" id="157" name="Google Shape;157;p32"/>
-          <p:cNvPicPr preferRelativeResize="0"/>
-          <p:nvPr/>
-        </p:nvPicPr>
-        <p:blipFill rotWithShape="1">
-          <a:blip r:embed="rId4">
-            <a:alphaModFix/>
-          </a:blip>
-          <a:srcRect b="0" l="0" r="0" t="0"/>
-          <a:stretch/>
-        </p:blipFill>
-        <p:spPr>
-          <a:xfrm>
-            <a:off x="6182505" y="1820384"/>
-            <a:ext cx="5828261" cy="4427617"/>
+            <a:off x="5877705" y="1591784"/>
+            <a:ext cx="5828260" cy="4427617"/>
           </a:xfrm>
           <a:prstGeom prst="rect">
             <a:avLst/>
@@ -25016,7 +25463,7 @@
       </p:pic>
       <p:sp>
         <p:nvSpPr>
-          <p:cNvPr id="158" name="Google Shape;158;p32"/>
+          <p:cNvPr id="157" name="Google Shape;157;p32"/>
           <p:cNvSpPr/>
           <p:nvPr/>
         </p:nvSpPr>
@@ -25072,6 +25519,34 @@
           </a:p>
         </p:txBody>
       </p:sp>
+      <p:pic>
+        <p:nvPicPr>
+          <p:cNvPr id="158" name="Google Shape;158;p32"/>
+          <p:cNvPicPr preferRelativeResize="0"/>
+          <p:nvPr/>
+        </p:nvPicPr>
+        <p:blipFill>
+          <a:blip r:embed="rId4">
+            <a:alphaModFix/>
+          </a:blip>
+          <a:stretch>
+            <a:fillRect/>
+          </a:stretch>
+        </p:blipFill>
+        <p:spPr>
+          <a:xfrm>
+            <a:off x="152400" y="1569925"/>
+            <a:ext cx="5365649" cy="4766326"/>
+          </a:xfrm>
+          <a:prstGeom prst="rect">
+            <a:avLst/>
+          </a:prstGeom>
+          <a:noFill/>
+          <a:ln>
+            <a:noFill/>
+          </a:ln>
+        </p:spPr>
+      </p:pic>
     </p:spTree>
   </p:cSld>
   <p:clrMapOvr>
@@ -27889,9 +28364,9 @@
 </file>
 
 <file path=ppt/theme/theme1.xml><?xml version="1.0" encoding="utf-8"?>
-<a:theme xmlns:a="http://schemas.openxmlformats.org/drawingml/2006/main" xmlns:r="http://schemas.openxmlformats.org/officeDocument/2006/relationships" name="Office Theme">
+<a:theme xmlns:a="http://schemas.openxmlformats.org/drawingml/2006/main" xmlns:r="http://schemas.openxmlformats.org/officeDocument/2006/relationships">
   <a:themeElements>
-    <a:clrScheme name="Office">
+    <a:clrScheme name="Default">
       <a:dk1>
         <a:srgbClr val="000000"/>
       </a:dk1>
@@ -27899,34 +28374,34 @@
         <a:srgbClr val="FFFFFF"/>
       </a:lt1>
       <a:dk2>
-        <a:srgbClr val="637052"/>
+        <a:srgbClr val="158158"/>
       </a:dk2>
       <a:lt2>
-        <a:srgbClr val="CCDDEA"/>
+        <a:srgbClr val="F3F3F3"/>
       </a:lt2>
       <a:accent1>
-        <a:srgbClr val="E48312"/>
+        <a:srgbClr val="058DC7"/>
       </a:accent1>
       <a:accent2>
-        <a:srgbClr val="BD582C"/>
+        <a:srgbClr val="50B432"/>
       </a:accent2>
       <a:accent3>
-        <a:srgbClr val="865640"/>
+        <a:srgbClr val="ED561B"/>
       </a:accent3>
       <a:accent4>
-        <a:srgbClr val="9B8357"/>
+        <a:srgbClr val="EDEF00"/>
       </a:accent4>
       <a:accent5>
-        <a:srgbClr val="C2BC80"/>
+        <a:srgbClr val="24CBE5"/>
       </a:accent5>
       <a:accent6>
-        <a:srgbClr val="94A088"/>
+        <a:srgbClr val="64E572"/>
       </a:accent6>
       <a:hlink>
-        <a:srgbClr val="2998E3"/>
+        <a:srgbClr val="2200CC"/>
       </a:hlink>
       <a:folHlink>
-        <a:srgbClr val="8C8C8C"/>
+        <a:srgbClr val="551A8B"/>
       </a:folHlink>
     </a:clrScheme>
     <a:fontScheme name="Office">
@@ -28168,9 +28643,9 @@
 </file>
 
 <file path=ppt/theme/theme2.xml><?xml version="1.0" encoding="utf-8"?>
-<a:theme xmlns:a="http://schemas.openxmlformats.org/drawingml/2006/main" xmlns:r="http://schemas.openxmlformats.org/officeDocument/2006/relationships">
+<a:theme xmlns:a="http://schemas.openxmlformats.org/drawingml/2006/main" xmlns:r="http://schemas.openxmlformats.org/officeDocument/2006/relationships" name="Office Theme">
   <a:themeElements>
-    <a:clrScheme name="Default">
+    <a:clrScheme name="Office">
       <a:dk1>
         <a:srgbClr val="000000"/>
       </a:dk1>
@@ -28178,34 +28653,34 @@
         <a:srgbClr val="FFFFFF"/>
       </a:lt1>
       <a:dk2>
-        <a:srgbClr val="158158"/>
+        <a:srgbClr val="637052"/>
       </a:dk2>
       <a:lt2>
-        <a:srgbClr val="F3F3F3"/>
+        <a:srgbClr val="CCDDEA"/>
       </a:lt2>
       <a:accent1>
-        <a:srgbClr val="058DC7"/>
+        <a:srgbClr val="E48312"/>
       </a:accent1>
       <a:accent2>
-        <a:srgbClr val="50B432"/>
+        <a:srgbClr val="BD582C"/>
       </a:accent2>
       <a:accent3>
-        <a:srgbClr val="ED561B"/>
+        <a:srgbClr val="865640"/>
       </a:accent3>
       <a:accent4>
-        <a:srgbClr val="EDEF00"/>
+        <a:srgbClr val="9B8357"/>
       </a:accent4>
       <a:accent5>
-        <a:srgbClr val="24CBE5"/>
+        <a:srgbClr val="C2BC80"/>
       </a:accent5>
       <a:accent6>
-        <a:srgbClr val="64E572"/>
+        <a:srgbClr val="94A088"/>
       </a:accent6>
       <a:hlink>
-        <a:srgbClr val="2200CC"/>
+        <a:srgbClr val="2998E3"/>
       </a:hlink>
       <a:folHlink>
-        <a:srgbClr val="551A8B"/>
+        <a:srgbClr val="8C8C8C"/>
       </a:folHlink>
     </a:clrScheme>
     <a:fontScheme name="Office">
